--- a/線框圖/框線圖_考古題+技能樹.pptx
+++ b/線框圖/框線圖_考古題+技能樹.pptx
@@ -12,7 +12,7 @@
     <p:sldId id="262" r:id="rId6"/>
     <p:sldId id="263" r:id="rId7"/>
   </p:sldIdLst>
-  <p:sldSz cx="9094788" cy="8640763"/>
+  <p:sldSz cx="11366500" cy="8640763"/>
   <p:notesSz cx="6858000" cy="9144000"/>
   <p:defaultTextStyle>
     <a:defPPr>
@@ -111,7 +111,7 @@
   </p:defaultTextStyle>
   <p:extLst>
     <p:ext uri="{EFAFB233-063F-42B5-8137-9DF3F51BA10A}">
-      <p15:sldGuideLst xmlns:p15="http://schemas.microsoft.com/office/powerpoint/2012/main" xmlns=""/>
+      <p15:sldGuideLst xmlns="" xmlns:p15="http://schemas.microsoft.com/office/powerpoint/2012/main"/>
     </p:ext>
   </p:extLst>
 </p:presentation>
@@ -146,8 +146,8 @@
         </p:nvSpPr>
         <p:spPr>
           <a:xfrm>
-            <a:off x="682109" y="1414125"/>
-            <a:ext cx="7730570" cy="3008266"/>
+            <a:off x="852488" y="1414125"/>
+            <a:ext cx="9661525" cy="3008266"/>
           </a:xfrm>
         </p:spPr>
         <p:txBody>
@@ -178,8 +178,8 @@
         </p:nvSpPr>
         <p:spPr>
           <a:xfrm>
-            <a:off x="1136849" y="4538401"/>
-            <a:ext cx="6821091" cy="2086184"/>
+            <a:off x="1420814" y="4538401"/>
+            <a:ext cx="8524875" cy="2086184"/>
           </a:xfrm>
         </p:spPr>
         <p:txBody>
@@ -248,7 +248,7 @@
           <a:p>
             <a:fld id="{995612A2-0EAD-4501-A199-1353BD846965}" type="datetimeFigureOut">
               <a:rPr lang="zh-TW" altLang="en-US" smtClean="0"/>
-              <a:t>2016/4/11</a:t>
+              <a:t>2016/4/19</a:t>
             </a:fld>
             <a:endParaRPr lang="zh-TW" altLang="en-US"/>
           </a:p>
@@ -418,7 +418,7 @@
           <a:p>
             <a:fld id="{995612A2-0EAD-4501-A199-1353BD846965}" type="datetimeFigureOut">
               <a:rPr lang="zh-TW" altLang="en-US" smtClean="0"/>
-              <a:t>2016/4/11</a:t>
+              <a:t>2016/4/19</a:t>
             </a:fld>
             <a:endParaRPr lang="zh-TW" altLang="en-US"/>
           </a:p>
@@ -508,8 +508,8 @@
         </p:nvSpPr>
         <p:spPr>
           <a:xfrm>
-            <a:off x="6508458" y="460041"/>
-            <a:ext cx="1961064" cy="7322647"/>
+            <a:off x="8134152" y="460042"/>
+            <a:ext cx="2450902" cy="7322647"/>
           </a:xfrm>
         </p:spPr>
         <p:txBody>
@@ -536,8 +536,8 @@
         </p:nvSpPr>
         <p:spPr>
           <a:xfrm>
-            <a:off x="625267" y="460041"/>
-            <a:ext cx="5769506" cy="7322647"/>
+            <a:off x="781447" y="460042"/>
+            <a:ext cx="7210623" cy="7322647"/>
           </a:xfrm>
         </p:spPr>
         <p:txBody>
@@ -598,7 +598,7 @@
           <a:p>
             <a:fld id="{995612A2-0EAD-4501-A199-1353BD846965}" type="datetimeFigureOut">
               <a:rPr lang="zh-TW" altLang="en-US" smtClean="0"/>
-              <a:t>2016/4/11</a:t>
+              <a:t>2016/4/19</a:t>
             </a:fld>
             <a:endParaRPr lang="zh-TW" altLang="en-US"/>
           </a:p>
@@ -768,7 +768,7 @@
           <a:p>
             <a:fld id="{995612A2-0EAD-4501-A199-1353BD846965}" type="datetimeFigureOut">
               <a:rPr lang="zh-TW" altLang="en-US" smtClean="0"/>
-              <a:t>2016/4/11</a:t>
+              <a:t>2016/4/19</a:t>
             </a:fld>
             <a:endParaRPr lang="zh-TW" altLang="en-US"/>
           </a:p>
@@ -858,8 +858,8 @@
         </p:nvSpPr>
         <p:spPr>
           <a:xfrm>
-            <a:off x="620530" y="2154193"/>
-            <a:ext cx="7844255" cy="3594317"/>
+            <a:off x="775528" y="2154194"/>
+            <a:ext cx="9803607" cy="3594317"/>
           </a:xfrm>
         </p:spPr>
         <p:txBody>
@@ -890,8 +890,8 @@
         </p:nvSpPr>
         <p:spPr>
           <a:xfrm>
-            <a:off x="620530" y="5782513"/>
-            <a:ext cx="7844255" cy="1890166"/>
+            <a:off x="775528" y="5782513"/>
+            <a:ext cx="9803607" cy="1890166"/>
           </a:xfrm>
         </p:spPr>
         <p:txBody>
@@ -1012,7 +1012,7 @@
           <a:p>
             <a:fld id="{995612A2-0EAD-4501-A199-1353BD846965}" type="datetimeFigureOut">
               <a:rPr lang="zh-TW" altLang="en-US" smtClean="0"/>
-              <a:t>2016/4/11</a:t>
+              <a:t>2016/4/19</a:t>
             </a:fld>
             <a:endParaRPr lang="zh-TW" altLang="en-US"/>
           </a:p>
@@ -1125,8 +1125,8 @@
         </p:nvSpPr>
         <p:spPr>
           <a:xfrm>
-            <a:off x="625267" y="2300203"/>
-            <a:ext cx="3865285" cy="5482485"/>
+            <a:off x="781448" y="2300204"/>
+            <a:ext cx="4830763" cy="5482485"/>
           </a:xfrm>
         </p:spPr>
         <p:txBody>
@@ -1182,8 +1182,8 @@
         </p:nvSpPr>
         <p:spPr>
           <a:xfrm>
-            <a:off x="4604236" y="2300203"/>
-            <a:ext cx="3865285" cy="5482485"/>
+            <a:off x="5754291" y="2300204"/>
+            <a:ext cx="4830763" cy="5482485"/>
           </a:xfrm>
         </p:spPr>
         <p:txBody>
@@ -1244,7 +1244,7 @@
           <a:p>
             <a:fld id="{995612A2-0EAD-4501-A199-1353BD846965}" type="datetimeFigureOut">
               <a:rPr lang="zh-TW" altLang="en-US" smtClean="0"/>
-              <a:t>2016/4/11</a:t>
+              <a:t>2016/4/19</a:t>
             </a:fld>
             <a:endParaRPr lang="zh-TW" altLang="en-US"/>
           </a:p>
@@ -1334,8 +1334,8 @@
         </p:nvSpPr>
         <p:spPr>
           <a:xfrm>
-            <a:off x="626451" y="460043"/>
-            <a:ext cx="7844255" cy="1670148"/>
+            <a:off x="782927" y="460043"/>
+            <a:ext cx="9803607" cy="1670148"/>
           </a:xfrm>
         </p:spPr>
         <p:txBody>
@@ -1362,8 +1362,8 @@
         </p:nvSpPr>
         <p:spPr>
           <a:xfrm>
-            <a:off x="626452" y="2118188"/>
-            <a:ext cx="3847521" cy="1038091"/>
+            <a:off x="782929" y="2118189"/>
+            <a:ext cx="4808562" cy="1038091"/>
           </a:xfrm>
         </p:spPr>
         <p:txBody>
@@ -1427,8 +1427,8 @@
         </p:nvSpPr>
         <p:spPr>
           <a:xfrm>
-            <a:off x="626452" y="3156278"/>
-            <a:ext cx="3847521" cy="4642411"/>
+            <a:off x="782929" y="3156279"/>
+            <a:ext cx="4808562" cy="4642411"/>
           </a:xfrm>
         </p:spPr>
         <p:txBody>
@@ -1484,8 +1484,8 @@
         </p:nvSpPr>
         <p:spPr>
           <a:xfrm>
-            <a:off x="4604237" y="2118188"/>
-            <a:ext cx="3866469" cy="1038091"/>
+            <a:off x="5754292" y="2118189"/>
+            <a:ext cx="4832242" cy="1038091"/>
           </a:xfrm>
         </p:spPr>
         <p:txBody>
@@ -1549,8 +1549,8 @@
         </p:nvSpPr>
         <p:spPr>
           <a:xfrm>
-            <a:off x="4604237" y="3156278"/>
-            <a:ext cx="3866469" cy="4642411"/>
+            <a:off x="5754292" y="3156279"/>
+            <a:ext cx="4832242" cy="4642411"/>
           </a:xfrm>
         </p:spPr>
         <p:txBody>
@@ -1611,7 +1611,7 @@
           <a:p>
             <a:fld id="{995612A2-0EAD-4501-A199-1353BD846965}" type="datetimeFigureOut">
               <a:rPr lang="zh-TW" altLang="en-US" smtClean="0"/>
-              <a:t>2016/4/11</a:t>
+              <a:t>2016/4/19</a:t>
             </a:fld>
             <a:endParaRPr lang="zh-TW" altLang="en-US"/>
           </a:p>
@@ -1729,7 +1729,7 @@
           <a:p>
             <a:fld id="{995612A2-0EAD-4501-A199-1353BD846965}" type="datetimeFigureOut">
               <a:rPr lang="zh-TW" altLang="en-US" smtClean="0"/>
-              <a:t>2016/4/11</a:t>
+              <a:t>2016/4/19</a:t>
             </a:fld>
             <a:endParaRPr lang="zh-TW" altLang="en-US"/>
           </a:p>
@@ -1824,7 +1824,7 @@
           <a:p>
             <a:fld id="{995612A2-0EAD-4501-A199-1353BD846965}" type="datetimeFigureOut">
               <a:rPr lang="zh-TW" altLang="en-US" smtClean="0"/>
-              <a:t>2016/4/11</a:t>
+              <a:t>2016/4/19</a:t>
             </a:fld>
             <a:endParaRPr lang="zh-TW" altLang="en-US"/>
           </a:p>
@@ -1914,8 +1914,8 @@
         </p:nvSpPr>
         <p:spPr>
           <a:xfrm>
-            <a:off x="626451" y="576051"/>
-            <a:ext cx="2933306" cy="2016178"/>
+            <a:off x="782927" y="576051"/>
+            <a:ext cx="3665992" cy="2016178"/>
           </a:xfrm>
         </p:spPr>
         <p:txBody>
@@ -1946,8 +1946,8 @@
         </p:nvSpPr>
         <p:spPr>
           <a:xfrm>
-            <a:off x="3866470" y="1244112"/>
-            <a:ext cx="4604236" cy="6140542"/>
+            <a:off x="4832244" y="1244112"/>
+            <a:ext cx="5754290" cy="6140542"/>
           </a:xfrm>
         </p:spPr>
         <p:txBody>
@@ -2031,8 +2031,8 @@
         </p:nvSpPr>
         <p:spPr>
           <a:xfrm>
-            <a:off x="626451" y="2592229"/>
-            <a:ext cx="2933306" cy="4802425"/>
+            <a:off x="782927" y="2592230"/>
+            <a:ext cx="3665992" cy="4802425"/>
           </a:xfrm>
         </p:spPr>
         <p:txBody>
@@ -2101,7 +2101,7 @@
           <a:p>
             <a:fld id="{995612A2-0EAD-4501-A199-1353BD846965}" type="datetimeFigureOut">
               <a:rPr lang="zh-TW" altLang="en-US" smtClean="0"/>
-              <a:t>2016/4/11</a:t>
+              <a:t>2016/4/19</a:t>
             </a:fld>
             <a:endParaRPr lang="zh-TW" altLang="en-US"/>
           </a:p>
@@ -2191,8 +2191,8 @@
         </p:nvSpPr>
         <p:spPr>
           <a:xfrm>
-            <a:off x="626451" y="576051"/>
-            <a:ext cx="2933306" cy="2016178"/>
+            <a:off x="782927" y="576051"/>
+            <a:ext cx="3665992" cy="2016178"/>
           </a:xfrm>
         </p:spPr>
         <p:txBody>
@@ -2223,8 +2223,8 @@
         </p:nvSpPr>
         <p:spPr>
           <a:xfrm>
-            <a:off x="3866470" y="1244112"/>
-            <a:ext cx="4604236" cy="6140542"/>
+            <a:off x="4832244" y="1244112"/>
+            <a:ext cx="5754290" cy="6140542"/>
           </a:xfrm>
         </p:spPr>
         <p:txBody>
@@ -2288,8 +2288,8 @@
         </p:nvSpPr>
         <p:spPr>
           <a:xfrm>
-            <a:off x="626451" y="2592229"/>
-            <a:ext cx="2933306" cy="4802425"/>
+            <a:off x="782927" y="2592230"/>
+            <a:ext cx="3665992" cy="4802425"/>
           </a:xfrm>
         </p:spPr>
         <p:txBody>
@@ -2358,7 +2358,7 @@
           <a:p>
             <a:fld id="{995612A2-0EAD-4501-A199-1353BD846965}" type="datetimeFigureOut">
               <a:rPr lang="zh-TW" altLang="en-US" smtClean="0"/>
-              <a:t>2016/4/11</a:t>
+              <a:t>2016/4/19</a:t>
             </a:fld>
             <a:endParaRPr lang="zh-TW" altLang="en-US"/>
           </a:p>
@@ -2453,8 +2453,8 @@
         </p:nvSpPr>
         <p:spPr>
           <a:xfrm>
-            <a:off x="625267" y="460043"/>
-            <a:ext cx="7844255" cy="1670148"/>
+            <a:off x="781448" y="460043"/>
+            <a:ext cx="9803607" cy="1670148"/>
           </a:xfrm>
           <a:prstGeom prst="rect">
             <a:avLst/>
@@ -2486,8 +2486,8 @@
         </p:nvSpPr>
         <p:spPr>
           <a:xfrm>
-            <a:off x="625267" y="2300203"/>
-            <a:ext cx="7844255" cy="5482485"/>
+            <a:off x="781448" y="2300204"/>
+            <a:ext cx="9803607" cy="5482485"/>
           </a:xfrm>
           <a:prstGeom prst="rect">
             <a:avLst/>
@@ -2548,8 +2548,8 @@
         </p:nvSpPr>
         <p:spPr>
           <a:xfrm>
-            <a:off x="625267" y="8008709"/>
-            <a:ext cx="2046327" cy="460041"/>
+            <a:off x="781448" y="8008710"/>
+            <a:ext cx="2557462" cy="460041"/>
           </a:xfrm>
           <a:prstGeom prst="rect">
             <a:avLst/>
@@ -2571,7 +2571,7 @@
           <a:p>
             <a:fld id="{995612A2-0EAD-4501-A199-1353BD846965}" type="datetimeFigureOut">
               <a:rPr lang="zh-TW" altLang="en-US" smtClean="0"/>
-              <a:t>2016/4/11</a:t>
+              <a:t>2016/4/19</a:t>
             </a:fld>
             <a:endParaRPr lang="zh-TW" altLang="en-US"/>
           </a:p>
@@ -2589,8 +2589,8 @@
         </p:nvSpPr>
         <p:spPr>
           <a:xfrm>
-            <a:off x="3012649" y="8008709"/>
-            <a:ext cx="3069491" cy="460041"/>
+            <a:off x="3765154" y="8008710"/>
+            <a:ext cx="3836194" cy="460041"/>
           </a:xfrm>
           <a:prstGeom prst="rect">
             <a:avLst/>
@@ -2626,8 +2626,8 @@
         </p:nvSpPr>
         <p:spPr>
           <a:xfrm>
-            <a:off x="6423194" y="8008709"/>
-            <a:ext cx="2046327" cy="460041"/>
+            <a:off x="8027591" y="8008710"/>
+            <a:ext cx="2557462" cy="460041"/>
           </a:xfrm>
           <a:prstGeom prst="rect">
             <a:avLst/>
@@ -2984,8 +2984,8 @@
         </p:nvGrpSpPr>
         <p:grpSpPr>
           <a:xfrm>
-            <a:off x="0" y="-5"/>
-            <a:ext cx="9092207" cy="8640768"/>
+            <a:off x="1" y="-5"/>
+            <a:ext cx="11363274" cy="8640768"/>
             <a:chOff x="0" y="-5"/>
             <a:chExt cx="9092207" cy="8640768"/>
           </a:xfrm>
@@ -3771,8 +3771,8 @@
         </p:nvGrpSpPr>
         <p:grpSpPr>
           <a:xfrm>
-            <a:off x="0" y="-5"/>
-            <a:ext cx="9092207" cy="8640768"/>
+            <a:off x="1" y="-5"/>
+            <a:ext cx="11363274" cy="8640768"/>
             <a:chOff x="0" y="-5"/>
             <a:chExt cx="9092207" cy="8640768"/>
           </a:xfrm>
@@ -4521,8 +4521,8 @@
         </p:nvSpPr>
         <p:spPr>
           <a:xfrm>
-            <a:off x="46800" y="0"/>
-            <a:ext cx="9045407" cy="1481070"/>
+            <a:off x="58490" y="0"/>
+            <a:ext cx="11304785" cy="1481070"/>
           </a:xfrm>
           <a:prstGeom prst="rect">
             <a:avLst/>
@@ -4570,8 +4570,8 @@
         </p:nvSpPr>
         <p:spPr>
           <a:xfrm>
-            <a:off x="187200" y="543395"/>
-            <a:ext cx="2528256" cy="769441"/>
+            <a:off x="233959" y="543396"/>
+            <a:ext cx="2432076" cy="769441"/>
           </a:xfrm>
           <a:prstGeom prst="rect">
             <a:avLst/>
@@ -4616,7 +4616,7 @@
         </p:nvSpPr>
         <p:spPr>
           <a:xfrm>
-            <a:off x="-3516854" y="2716443"/>
+            <a:off x="-4395300" y="2716443"/>
             <a:ext cx="954107" cy="400238"/>
           </a:xfrm>
           <a:prstGeom prst="rect">
@@ -4646,7 +4646,7 @@
         </p:nvSpPr>
         <p:spPr>
           <a:xfrm>
-            <a:off x="7980703" y="912598"/>
+            <a:off x="9974138" y="912598"/>
             <a:ext cx="824265" cy="400238"/>
           </a:xfrm>
           <a:prstGeom prst="rect">
@@ -4676,7 +4676,7 @@
         </p:nvSpPr>
         <p:spPr>
           <a:xfrm>
-            <a:off x="-4227801" y="6353472"/>
+            <a:off x="-5283829" y="6353472"/>
             <a:ext cx="1467068" cy="400238"/>
           </a:xfrm>
           <a:prstGeom prst="rect">
@@ -4706,7 +4706,7 @@
         </p:nvSpPr>
         <p:spPr>
           <a:xfrm>
-            <a:off x="-3186153" y="7404957"/>
+            <a:off x="-3981996" y="7404957"/>
             <a:ext cx="1183144" cy="400238"/>
           </a:xfrm>
           <a:prstGeom prst="rect">
@@ -4736,7 +4736,7 @@
         </p:nvSpPr>
         <p:spPr>
           <a:xfrm>
-            <a:off x="-3370603" y="3623025"/>
+            <a:off x="-4212518" y="3623025"/>
             <a:ext cx="1467068" cy="400238"/>
           </a:xfrm>
           <a:prstGeom prst="rect">
@@ -4766,7 +4766,7 @@
         </p:nvSpPr>
         <p:spPr>
           <a:xfrm>
-            <a:off x="2716215" y="912598"/>
+            <a:off x="3394676" y="912598"/>
             <a:ext cx="954107" cy="400238"/>
           </a:xfrm>
           <a:prstGeom prst="rect">
@@ -4796,7 +4796,7 @@
         </p:nvSpPr>
         <p:spPr>
           <a:xfrm>
-            <a:off x="3718597" y="912598"/>
+            <a:off x="4647435" y="912598"/>
             <a:ext cx="1467068" cy="400238"/>
           </a:xfrm>
           <a:prstGeom prst="rect">
@@ -4826,7 +4826,7 @@
         </p:nvSpPr>
         <p:spPr>
           <a:xfrm>
-            <a:off x="5233940" y="912598"/>
+            <a:off x="6541283" y="912598"/>
             <a:ext cx="1467068" cy="400238"/>
           </a:xfrm>
           <a:prstGeom prst="rect">
@@ -4856,7 +4856,7 @@
         </p:nvSpPr>
         <p:spPr>
           <a:xfrm>
-            <a:off x="6749283" y="912598"/>
+            <a:off x="8435131" y="912598"/>
             <a:ext cx="1183144" cy="400238"/>
           </a:xfrm>
           <a:prstGeom prst="rect">
@@ -4886,7 +4886,7 @@
         </p:nvSpPr>
         <p:spPr>
           <a:xfrm>
-            <a:off x="-2884008" y="4988248"/>
+            <a:off x="-3604380" y="4988248"/>
             <a:ext cx="824265" cy="400238"/>
           </a:xfrm>
           <a:prstGeom prst="rect">
@@ -4916,8 +4916,8 @@
         </p:nvSpPr>
         <p:spPr>
           <a:xfrm>
-            <a:off x="46800" y="7605076"/>
-            <a:ext cx="9047988" cy="1035682"/>
+            <a:off x="58490" y="7605076"/>
+            <a:ext cx="11308010" cy="1035682"/>
           </a:xfrm>
           <a:prstGeom prst="rect">
             <a:avLst/>
@@ -4964,8 +4964,8 @@
         </p:nvGrpSpPr>
         <p:grpSpPr>
           <a:xfrm>
-            <a:off x="-1903535" y="2318197"/>
-            <a:ext cx="540000" cy="598365"/>
+            <a:off x="-2379003" y="2318198"/>
+            <a:ext cx="674882" cy="598365"/>
             <a:chOff x="-1903535" y="2318197"/>
             <a:chExt cx="540000" cy="598365"/>
           </a:xfrm>
@@ -5080,8 +5080,8 @@
         </p:nvGrpSpPr>
         <p:grpSpPr>
           <a:xfrm>
-            <a:off x="6749283" y="7823734"/>
-            <a:ext cx="2020467" cy="598365"/>
+            <a:off x="8435131" y="7823735"/>
+            <a:ext cx="2525143" cy="598365"/>
             <a:chOff x="6749283" y="7823734"/>
             <a:chExt cx="2020467" cy="598365"/>
           </a:xfrm>
@@ -5443,8 +5443,8 @@
         </p:nvSpPr>
         <p:spPr>
           <a:xfrm>
-            <a:off x="1300028" y="7963496"/>
-            <a:ext cx="1880315" cy="400238"/>
+            <a:off x="1624752" y="7963496"/>
+            <a:ext cx="2349983" cy="400238"/>
           </a:xfrm>
           <a:prstGeom prst="rect">
             <a:avLst/>
@@ -5510,8 +5510,8 @@
         </p:nvGrpSpPr>
         <p:grpSpPr>
           <a:xfrm>
-            <a:off x="0" y="-5"/>
-            <a:ext cx="9092207" cy="8640768"/>
+            <a:off x="1" y="-5"/>
+            <a:ext cx="11363274" cy="8640768"/>
             <a:chOff x="0" y="-5"/>
             <a:chExt cx="9092207" cy="8640768"/>
           </a:xfrm>
@@ -6260,8 +6260,8 @@
         </p:nvSpPr>
         <p:spPr>
           <a:xfrm>
-            <a:off x="46800" y="0"/>
-            <a:ext cx="9045407" cy="1481070"/>
+            <a:off x="58490" y="0"/>
+            <a:ext cx="11304785" cy="1481070"/>
           </a:xfrm>
           <a:prstGeom prst="rect">
             <a:avLst/>
@@ -6309,8 +6309,8 @@
         </p:nvSpPr>
         <p:spPr>
           <a:xfrm>
-            <a:off x="187200" y="543395"/>
-            <a:ext cx="2528256" cy="769441"/>
+            <a:off x="233959" y="543396"/>
+            <a:ext cx="2432076" cy="769441"/>
           </a:xfrm>
           <a:prstGeom prst="rect">
             <a:avLst/>
@@ -6355,7 +6355,7 @@
         </p:nvSpPr>
         <p:spPr>
           <a:xfrm>
-            <a:off x="-3516854" y="2716443"/>
+            <a:off x="-4395300" y="2716443"/>
             <a:ext cx="954107" cy="400238"/>
           </a:xfrm>
           <a:prstGeom prst="rect">
@@ -6385,7 +6385,7 @@
         </p:nvSpPr>
         <p:spPr>
           <a:xfrm>
-            <a:off x="7980703" y="912598"/>
+            <a:off x="9974138" y="912598"/>
             <a:ext cx="824265" cy="400238"/>
           </a:xfrm>
           <a:prstGeom prst="rect">
@@ -6415,7 +6415,7 @@
         </p:nvSpPr>
         <p:spPr>
           <a:xfrm>
-            <a:off x="-4227801" y="6353472"/>
+            <a:off x="-5283829" y="6353472"/>
             <a:ext cx="1467068" cy="400238"/>
           </a:xfrm>
           <a:prstGeom prst="rect">
@@ -6445,7 +6445,7 @@
         </p:nvSpPr>
         <p:spPr>
           <a:xfrm>
-            <a:off x="-3186153" y="7404957"/>
+            <a:off x="-3981996" y="7404957"/>
             <a:ext cx="1183144" cy="400238"/>
           </a:xfrm>
           <a:prstGeom prst="rect">
@@ -6475,7 +6475,7 @@
         </p:nvSpPr>
         <p:spPr>
           <a:xfrm>
-            <a:off x="-3370603" y="3623025"/>
+            <a:off x="-4212518" y="3623025"/>
             <a:ext cx="1467068" cy="400238"/>
           </a:xfrm>
           <a:prstGeom prst="rect">
@@ -6505,7 +6505,7 @@
         </p:nvSpPr>
         <p:spPr>
           <a:xfrm>
-            <a:off x="2716215" y="912598"/>
+            <a:off x="3394676" y="912598"/>
             <a:ext cx="954107" cy="400238"/>
           </a:xfrm>
           <a:prstGeom prst="rect">
@@ -6535,7 +6535,7 @@
         </p:nvSpPr>
         <p:spPr>
           <a:xfrm>
-            <a:off x="3718597" y="912598"/>
+            <a:off x="4647435" y="912598"/>
             <a:ext cx="1467068" cy="400238"/>
           </a:xfrm>
           <a:prstGeom prst="rect">
@@ -6565,7 +6565,7 @@
         </p:nvSpPr>
         <p:spPr>
           <a:xfrm>
-            <a:off x="5233940" y="912598"/>
+            <a:off x="6541283" y="912598"/>
             <a:ext cx="1467068" cy="400238"/>
           </a:xfrm>
           <a:prstGeom prst="rect">
@@ -6595,7 +6595,7 @@
         </p:nvSpPr>
         <p:spPr>
           <a:xfrm>
-            <a:off x="6749283" y="912598"/>
+            <a:off x="8435131" y="912598"/>
             <a:ext cx="1183144" cy="400238"/>
           </a:xfrm>
           <a:prstGeom prst="rect">
@@ -6625,7 +6625,7 @@
         </p:nvSpPr>
         <p:spPr>
           <a:xfrm>
-            <a:off x="-2884008" y="4988248"/>
+            <a:off x="-3604380" y="4988248"/>
             <a:ext cx="824265" cy="400238"/>
           </a:xfrm>
           <a:prstGeom prst="rect">
@@ -6655,8 +6655,8 @@
         </p:nvSpPr>
         <p:spPr>
           <a:xfrm>
-            <a:off x="46800" y="7605076"/>
-            <a:ext cx="9047988" cy="1035682"/>
+            <a:off x="58490" y="7605076"/>
+            <a:ext cx="11308010" cy="1035682"/>
           </a:xfrm>
           <a:prstGeom prst="rect">
             <a:avLst/>
@@ -6703,8 +6703,8 @@
         </p:nvGrpSpPr>
         <p:grpSpPr>
           <a:xfrm>
-            <a:off x="-1903535" y="2318197"/>
-            <a:ext cx="540000" cy="598365"/>
+            <a:off x="-2379003" y="2318198"/>
+            <a:ext cx="674882" cy="598365"/>
             <a:chOff x="-1903535" y="2318197"/>
             <a:chExt cx="540000" cy="598365"/>
           </a:xfrm>
@@ -6819,8 +6819,8 @@
         </p:nvGrpSpPr>
         <p:grpSpPr>
           <a:xfrm>
-            <a:off x="6749283" y="7823734"/>
-            <a:ext cx="2020467" cy="598365"/>
+            <a:off x="8435131" y="7823735"/>
+            <a:ext cx="2525143" cy="598365"/>
             <a:chOff x="6749283" y="7823734"/>
             <a:chExt cx="2020467" cy="598365"/>
           </a:xfrm>
@@ -7182,8 +7182,8 @@
         </p:nvSpPr>
         <p:spPr>
           <a:xfrm>
-            <a:off x="1300028" y="7963496"/>
-            <a:ext cx="1880315" cy="400238"/>
+            <a:off x="1624752" y="7963496"/>
+            <a:ext cx="2349983" cy="400238"/>
           </a:xfrm>
           <a:prstGeom prst="rect">
             <a:avLst/>
@@ -7212,8 +7212,8 @@
         </p:nvSpPr>
         <p:spPr>
           <a:xfrm>
-            <a:off x="652075" y="1918952"/>
-            <a:ext cx="7769574" cy="5331854"/>
+            <a:off x="814951" y="1918952"/>
+            <a:ext cx="9710272" cy="5331854"/>
           </a:xfrm>
           <a:prstGeom prst="rect">
             <a:avLst/>
@@ -7253,7 +7253,7 @@
         </p:nvSpPr>
         <p:spPr>
           <a:xfrm>
-            <a:off x="1415895" y="3165821"/>
+            <a:off x="1769560" y="3165821"/>
             <a:ext cx="2137124" cy="400238"/>
           </a:xfrm>
           <a:prstGeom prst="rect">
@@ -7299,7 +7299,7 @@
         </p:nvSpPr>
         <p:spPr>
           <a:xfrm>
-            <a:off x="1415895" y="2677806"/>
+            <a:off x="1769560" y="2677806"/>
             <a:ext cx="2137124" cy="400238"/>
           </a:xfrm>
           <a:prstGeom prst="rect">
@@ -7345,7 +7345,7 @@
         </p:nvSpPr>
         <p:spPr>
           <a:xfrm>
-            <a:off x="1415895" y="3653837"/>
+            <a:off x="1769560" y="3653837"/>
             <a:ext cx="2137124" cy="400238"/>
           </a:xfrm>
           <a:prstGeom prst="rect">
@@ -7391,8 +7391,8 @@
         </p:nvSpPr>
         <p:spPr>
           <a:xfrm>
-            <a:off x="2694256" y="643943"/>
-            <a:ext cx="1081825" cy="824248"/>
+            <a:off x="3367233" y="643943"/>
+            <a:ext cx="1352045" cy="824248"/>
           </a:xfrm>
           <a:prstGeom prst="rect">
             <a:avLst/>
@@ -7475,8 +7475,8 @@
         </p:nvGrpSpPr>
         <p:grpSpPr>
           <a:xfrm>
-            <a:off x="0" y="-5"/>
-            <a:ext cx="9092207" cy="8640768"/>
+            <a:off x="1" y="-5"/>
+            <a:ext cx="11363274" cy="8640768"/>
             <a:chOff x="0" y="-5"/>
             <a:chExt cx="9092207" cy="8640768"/>
           </a:xfrm>
@@ -8225,8 +8225,8 @@
         </p:nvSpPr>
         <p:spPr>
           <a:xfrm>
-            <a:off x="46800" y="0"/>
-            <a:ext cx="9045407" cy="1481070"/>
+            <a:off x="58490" y="0"/>
+            <a:ext cx="11304785" cy="1481070"/>
           </a:xfrm>
           <a:prstGeom prst="rect">
             <a:avLst/>
@@ -8274,8 +8274,8 @@
         </p:nvSpPr>
         <p:spPr>
           <a:xfrm>
-            <a:off x="187200" y="543395"/>
-            <a:ext cx="2528256" cy="769441"/>
+            <a:off x="233959" y="543396"/>
+            <a:ext cx="2432076" cy="769441"/>
           </a:xfrm>
           <a:prstGeom prst="rect">
             <a:avLst/>
@@ -8320,7 +8320,7 @@
         </p:nvSpPr>
         <p:spPr>
           <a:xfrm>
-            <a:off x="-3516854" y="2716443"/>
+            <a:off x="-4395300" y="2716443"/>
             <a:ext cx="954107" cy="400238"/>
           </a:xfrm>
           <a:prstGeom prst="rect">
@@ -8350,7 +8350,7 @@
         </p:nvSpPr>
         <p:spPr>
           <a:xfrm>
-            <a:off x="7980703" y="912598"/>
+            <a:off x="9974138" y="912598"/>
             <a:ext cx="824265" cy="400238"/>
           </a:xfrm>
           <a:prstGeom prst="rect">
@@ -8380,7 +8380,7 @@
         </p:nvSpPr>
         <p:spPr>
           <a:xfrm>
-            <a:off x="-4227801" y="6353472"/>
+            <a:off x="-5283829" y="6353472"/>
             <a:ext cx="1467068" cy="400238"/>
           </a:xfrm>
           <a:prstGeom prst="rect">
@@ -8410,7 +8410,7 @@
         </p:nvSpPr>
         <p:spPr>
           <a:xfrm>
-            <a:off x="-3186153" y="7404957"/>
+            <a:off x="-3981996" y="7404957"/>
             <a:ext cx="1183144" cy="400238"/>
           </a:xfrm>
           <a:prstGeom prst="rect">
@@ -8440,7 +8440,7 @@
         </p:nvSpPr>
         <p:spPr>
           <a:xfrm>
-            <a:off x="-3370603" y="3623025"/>
+            <a:off x="-4212518" y="3623025"/>
             <a:ext cx="1467068" cy="400238"/>
           </a:xfrm>
           <a:prstGeom prst="rect">
@@ -8470,7 +8470,7 @@
         </p:nvSpPr>
         <p:spPr>
           <a:xfrm>
-            <a:off x="2716215" y="912598"/>
+            <a:off x="3394676" y="912598"/>
             <a:ext cx="954107" cy="400238"/>
           </a:xfrm>
           <a:prstGeom prst="rect">
@@ -8500,7 +8500,7 @@
         </p:nvSpPr>
         <p:spPr>
           <a:xfrm>
-            <a:off x="3718597" y="912598"/>
+            <a:off x="4647435" y="912598"/>
             <a:ext cx="1467068" cy="400238"/>
           </a:xfrm>
           <a:prstGeom prst="rect">
@@ -8530,7 +8530,7 @@
         </p:nvSpPr>
         <p:spPr>
           <a:xfrm>
-            <a:off x="5233940" y="912598"/>
+            <a:off x="6541283" y="912598"/>
             <a:ext cx="1467068" cy="400238"/>
           </a:xfrm>
           <a:prstGeom prst="rect">
@@ -8560,7 +8560,7 @@
         </p:nvSpPr>
         <p:spPr>
           <a:xfrm>
-            <a:off x="6749283" y="912598"/>
+            <a:off x="8435131" y="912598"/>
             <a:ext cx="1183144" cy="400238"/>
           </a:xfrm>
           <a:prstGeom prst="rect">
@@ -8590,7 +8590,7 @@
         </p:nvSpPr>
         <p:spPr>
           <a:xfrm>
-            <a:off x="-2884008" y="4988248"/>
+            <a:off x="-3604380" y="4988248"/>
             <a:ext cx="824265" cy="400238"/>
           </a:xfrm>
           <a:prstGeom prst="rect">
@@ -8620,8 +8620,8 @@
         </p:nvSpPr>
         <p:spPr>
           <a:xfrm>
-            <a:off x="46800" y="7605076"/>
-            <a:ext cx="9047988" cy="1035682"/>
+            <a:off x="58490" y="7605076"/>
+            <a:ext cx="11308010" cy="1035682"/>
           </a:xfrm>
           <a:prstGeom prst="rect">
             <a:avLst/>
@@ -8668,8 +8668,8 @@
         </p:nvGrpSpPr>
         <p:grpSpPr>
           <a:xfrm>
-            <a:off x="-1903535" y="2318197"/>
-            <a:ext cx="540000" cy="598365"/>
+            <a:off x="-2379003" y="2318198"/>
+            <a:ext cx="674882" cy="598365"/>
             <a:chOff x="-1903535" y="2318197"/>
             <a:chExt cx="540000" cy="598365"/>
           </a:xfrm>
@@ -8784,8 +8784,8 @@
         </p:nvGrpSpPr>
         <p:grpSpPr>
           <a:xfrm>
-            <a:off x="6749283" y="7823734"/>
-            <a:ext cx="2020467" cy="598365"/>
+            <a:off x="8435131" y="7823735"/>
+            <a:ext cx="2525143" cy="598365"/>
             <a:chOff x="6749283" y="7823734"/>
             <a:chExt cx="2020467" cy="598365"/>
           </a:xfrm>
@@ -9147,8 +9147,8 @@
         </p:nvSpPr>
         <p:spPr>
           <a:xfrm>
-            <a:off x="1300028" y="7963496"/>
-            <a:ext cx="1880315" cy="400238"/>
+            <a:off x="1624752" y="7963496"/>
+            <a:ext cx="2349983" cy="400238"/>
           </a:xfrm>
           <a:prstGeom prst="rect">
             <a:avLst/>
@@ -9177,8 +9177,8 @@
         </p:nvSpPr>
         <p:spPr>
           <a:xfrm>
-            <a:off x="652075" y="1918952"/>
-            <a:ext cx="7769574" cy="5331854"/>
+            <a:off x="814951" y="1918952"/>
+            <a:ext cx="9710272" cy="5331854"/>
           </a:xfrm>
           <a:prstGeom prst="rect">
             <a:avLst/>
@@ -9218,7 +9218,7 @@
         </p:nvSpPr>
         <p:spPr>
           <a:xfrm>
-            <a:off x="1361575" y="2617379"/>
+            <a:off x="1701671" y="2617379"/>
             <a:ext cx="1467068" cy="400238"/>
           </a:xfrm>
           <a:prstGeom prst="rect">
@@ -9248,7 +9248,7 @@
         </p:nvSpPr>
         <p:spPr>
           <a:xfrm>
-            <a:off x="850695" y="2118078"/>
+            <a:off x="1063183" y="2118078"/>
             <a:ext cx="1467068" cy="400238"/>
           </a:xfrm>
           <a:prstGeom prst="rect">
@@ -9282,8 +9282,8 @@
         </p:nvSpPr>
         <p:spPr>
           <a:xfrm>
-            <a:off x="1381052" y="2578286"/>
-            <a:ext cx="6848697" cy="4530852"/>
+            <a:off x="1726014" y="2578286"/>
+            <a:ext cx="8559376" cy="4530852"/>
           </a:xfrm>
           <a:prstGeom prst="rect">
             <a:avLst/>
@@ -9323,8 +9323,8 @@
         </p:nvSpPr>
         <p:spPr>
           <a:xfrm>
-            <a:off x="2694256" y="643943"/>
-            <a:ext cx="1081825" cy="824248"/>
+            <a:off x="3367233" y="643943"/>
+            <a:ext cx="1352045" cy="824248"/>
           </a:xfrm>
           <a:prstGeom prst="rect">
             <a:avLst/>
@@ -9407,8 +9407,8 @@
         </p:nvGrpSpPr>
         <p:grpSpPr>
           <a:xfrm>
-            <a:off x="0" y="-5"/>
-            <a:ext cx="9092207" cy="8640768"/>
+            <a:off x="1" y="-5"/>
+            <a:ext cx="11363274" cy="8640768"/>
             <a:chOff x="0" y="-5"/>
             <a:chExt cx="9092207" cy="8640768"/>
           </a:xfrm>
@@ -10157,8 +10157,8 @@
         </p:nvSpPr>
         <p:spPr>
           <a:xfrm>
-            <a:off x="46800" y="0"/>
-            <a:ext cx="9045407" cy="1481070"/>
+            <a:off x="58490" y="0"/>
+            <a:ext cx="11304785" cy="1481070"/>
           </a:xfrm>
           <a:prstGeom prst="rect">
             <a:avLst/>
@@ -10206,8 +10206,8 @@
         </p:nvSpPr>
         <p:spPr>
           <a:xfrm>
-            <a:off x="187200" y="543395"/>
-            <a:ext cx="2528256" cy="769441"/>
+            <a:off x="233959" y="543396"/>
+            <a:ext cx="2432076" cy="769441"/>
           </a:xfrm>
           <a:prstGeom prst="rect">
             <a:avLst/>
@@ -10252,7 +10252,7 @@
         </p:nvSpPr>
         <p:spPr>
           <a:xfrm>
-            <a:off x="-3516854" y="2716443"/>
+            <a:off x="-4395300" y="2716443"/>
             <a:ext cx="954107" cy="400238"/>
           </a:xfrm>
           <a:prstGeom prst="rect">
@@ -10282,7 +10282,7 @@
         </p:nvSpPr>
         <p:spPr>
           <a:xfrm>
-            <a:off x="7980703" y="912598"/>
+            <a:off x="9974138" y="912598"/>
             <a:ext cx="824265" cy="400238"/>
           </a:xfrm>
           <a:prstGeom prst="rect">
@@ -10312,7 +10312,7 @@
         </p:nvSpPr>
         <p:spPr>
           <a:xfrm>
-            <a:off x="-4227801" y="6353472"/>
+            <a:off x="-5283829" y="6353472"/>
             <a:ext cx="1467068" cy="400238"/>
           </a:xfrm>
           <a:prstGeom prst="rect">
@@ -10342,7 +10342,7 @@
         </p:nvSpPr>
         <p:spPr>
           <a:xfrm>
-            <a:off x="-3186153" y="7404957"/>
+            <a:off x="-3981996" y="7404957"/>
             <a:ext cx="1183144" cy="400238"/>
           </a:xfrm>
           <a:prstGeom prst="rect">
@@ -10372,7 +10372,7 @@
         </p:nvSpPr>
         <p:spPr>
           <a:xfrm>
-            <a:off x="-3370603" y="3623025"/>
+            <a:off x="-4212518" y="3623025"/>
             <a:ext cx="1467068" cy="400238"/>
           </a:xfrm>
           <a:prstGeom prst="rect">
@@ -10402,7 +10402,7 @@
         </p:nvSpPr>
         <p:spPr>
           <a:xfrm>
-            <a:off x="2716215" y="912598"/>
+            <a:off x="3394676" y="912598"/>
             <a:ext cx="954107" cy="400238"/>
           </a:xfrm>
           <a:prstGeom prst="rect">
@@ -10432,7 +10432,7 @@
         </p:nvSpPr>
         <p:spPr>
           <a:xfrm>
-            <a:off x="3718597" y="912598"/>
+            <a:off x="4647435" y="912598"/>
             <a:ext cx="1467068" cy="400238"/>
           </a:xfrm>
           <a:prstGeom prst="rect">
@@ -10462,7 +10462,7 @@
         </p:nvSpPr>
         <p:spPr>
           <a:xfrm>
-            <a:off x="5233940" y="912598"/>
+            <a:off x="6541283" y="912598"/>
             <a:ext cx="1467068" cy="400238"/>
           </a:xfrm>
           <a:prstGeom prst="rect">
@@ -10492,7 +10492,7 @@
         </p:nvSpPr>
         <p:spPr>
           <a:xfrm>
-            <a:off x="6749283" y="912598"/>
+            <a:off x="8435131" y="912598"/>
             <a:ext cx="1183144" cy="400238"/>
           </a:xfrm>
           <a:prstGeom prst="rect">
@@ -10522,7 +10522,7 @@
         </p:nvSpPr>
         <p:spPr>
           <a:xfrm>
-            <a:off x="-2884008" y="4988248"/>
+            <a:off x="-3604380" y="4988248"/>
             <a:ext cx="824265" cy="400238"/>
           </a:xfrm>
           <a:prstGeom prst="rect">
@@ -10552,8 +10552,8 @@
         </p:nvSpPr>
         <p:spPr>
           <a:xfrm>
-            <a:off x="46800" y="7605076"/>
-            <a:ext cx="9047988" cy="1035682"/>
+            <a:off x="58490" y="7605076"/>
+            <a:ext cx="11308010" cy="1035682"/>
           </a:xfrm>
           <a:prstGeom prst="rect">
             <a:avLst/>
@@ -10600,8 +10600,8 @@
         </p:nvGrpSpPr>
         <p:grpSpPr>
           <a:xfrm>
-            <a:off x="-1903535" y="2318197"/>
-            <a:ext cx="540000" cy="598365"/>
+            <a:off x="-2379003" y="2318198"/>
+            <a:ext cx="674882" cy="598365"/>
             <a:chOff x="-1903535" y="2318197"/>
             <a:chExt cx="540000" cy="598365"/>
           </a:xfrm>
@@ -10716,8 +10716,8 @@
         </p:nvGrpSpPr>
         <p:grpSpPr>
           <a:xfrm>
-            <a:off x="6749283" y="7823734"/>
-            <a:ext cx="2020467" cy="598365"/>
+            <a:off x="8435131" y="7823735"/>
+            <a:ext cx="2525143" cy="598365"/>
             <a:chOff x="6749283" y="7823734"/>
             <a:chExt cx="2020467" cy="598365"/>
           </a:xfrm>
@@ -11079,8 +11079,8 @@
         </p:nvSpPr>
         <p:spPr>
           <a:xfrm>
-            <a:off x="1300028" y="7963496"/>
-            <a:ext cx="1880315" cy="400238"/>
+            <a:off x="1624752" y="7963496"/>
+            <a:ext cx="2349983" cy="400238"/>
           </a:xfrm>
           <a:prstGeom prst="rect">
             <a:avLst/>
@@ -11109,8 +11109,8 @@
         </p:nvSpPr>
         <p:spPr>
           <a:xfrm>
-            <a:off x="5231172" y="700593"/>
-            <a:ext cx="1518111" cy="824248"/>
+            <a:off x="6537824" y="700593"/>
+            <a:ext cx="1897307" cy="824248"/>
           </a:xfrm>
           <a:prstGeom prst="rect">
             <a:avLst/>
@@ -11156,7 +11156,7 @@
         </p:nvSpPr>
         <p:spPr>
           <a:xfrm>
-            <a:off x="9942490" y="2858197"/>
+            <a:off x="12425942" y="2858197"/>
             <a:ext cx="674736" cy="400238"/>
           </a:xfrm>
           <a:prstGeom prst="rect">
@@ -11186,7 +11186,7 @@
         </p:nvSpPr>
         <p:spPr>
           <a:xfrm>
-            <a:off x="625292" y="1917959"/>
+            <a:off x="781478" y="1917959"/>
             <a:ext cx="674736" cy="400238"/>
           </a:xfrm>
           <a:prstGeom prst="rect">
@@ -11216,7 +11216,7 @@
         </p:nvSpPr>
         <p:spPr>
           <a:xfrm>
-            <a:off x="1300028" y="2328017"/>
+            <a:off x="1624752" y="2328017"/>
             <a:ext cx="870879" cy="400238"/>
           </a:xfrm>
           <a:prstGeom prst="rect">
@@ -11250,7 +11250,7 @@
         </p:nvSpPr>
         <p:spPr>
           <a:xfrm>
-            <a:off x="2148944" y="2680776"/>
+            <a:off x="2685712" y="2680776"/>
             <a:ext cx="2566857" cy="400238"/>
           </a:xfrm>
           <a:prstGeom prst="rect">
@@ -11288,7 +11288,7 @@
         </p:nvSpPr>
         <p:spPr>
           <a:xfrm>
-            <a:off x="2148944" y="3087999"/>
+            <a:off x="2685712" y="3087999"/>
             <a:ext cx="2566857" cy="400238"/>
           </a:xfrm>
           <a:prstGeom prst="rect">
@@ -11326,7 +11326,7 @@
         </p:nvSpPr>
         <p:spPr>
           <a:xfrm>
-            <a:off x="2148944" y="3495223"/>
+            <a:off x="2685712" y="3495223"/>
             <a:ext cx="2566857" cy="400238"/>
           </a:xfrm>
           <a:prstGeom prst="rect">
@@ -11364,7 +11364,7 @@
         </p:nvSpPr>
         <p:spPr>
           <a:xfrm>
-            <a:off x="1281097" y="3835110"/>
+            <a:off x="1601092" y="3835110"/>
             <a:ext cx="870879" cy="400238"/>
           </a:xfrm>
           <a:prstGeom prst="rect">
@@ -11394,7 +11394,7 @@
         </p:nvSpPr>
         <p:spPr>
           <a:xfrm>
-            <a:off x="2130013" y="4187869"/>
+            <a:off x="2662052" y="4187869"/>
             <a:ext cx="2566857" cy="400238"/>
           </a:xfrm>
           <a:prstGeom prst="rect">
@@ -11432,7 +11432,7 @@
         </p:nvSpPr>
         <p:spPr>
           <a:xfrm>
-            <a:off x="2130013" y="4595092"/>
+            <a:off x="2662052" y="4595092"/>
             <a:ext cx="2566857" cy="400238"/>
           </a:xfrm>
           <a:prstGeom prst="rect">
@@ -11470,7 +11470,7 @@
         </p:nvSpPr>
         <p:spPr>
           <a:xfrm>
-            <a:off x="1293976" y="5130906"/>
+            <a:off x="1617188" y="5130906"/>
             <a:ext cx="2624565" cy="400238"/>
           </a:xfrm>
           <a:prstGeom prst="rect">
@@ -11549,8 +11549,8 @@
         </p:nvGrpSpPr>
         <p:grpSpPr>
           <a:xfrm>
-            <a:off x="0" y="-5"/>
-            <a:ext cx="9092207" cy="8640768"/>
+            <a:off x="1" y="-5"/>
+            <a:ext cx="11363274" cy="8640768"/>
             <a:chOff x="0" y="-5"/>
             <a:chExt cx="9092207" cy="8640768"/>
           </a:xfrm>
@@ -12299,8 +12299,8 @@
         </p:nvSpPr>
         <p:spPr>
           <a:xfrm>
-            <a:off x="46800" y="0"/>
-            <a:ext cx="9045407" cy="1481070"/>
+            <a:off x="58490" y="0"/>
+            <a:ext cx="11304785" cy="1481070"/>
           </a:xfrm>
           <a:prstGeom prst="rect">
             <a:avLst/>
@@ -12348,8 +12348,8 @@
         </p:nvSpPr>
         <p:spPr>
           <a:xfrm>
-            <a:off x="187200" y="543395"/>
-            <a:ext cx="2528256" cy="769441"/>
+            <a:off x="233959" y="543396"/>
+            <a:ext cx="2432076" cy="769441"/>
           </a:xfrm>
           <a:prstGeom prst="rect">
             <a:avLst/>
@@ -12394,7 +12394,7 @@
         </p:nvSpPr>
         <p:spPr>
           <a:xfrm>
-            <a:off x="-3516854" y="2716443"/>
+            <a:off x="-4395300" y="2716443"/>
             <a:ext cx="954107" cy="400238"/>
           </a:xfrm>
           <a:prstGeom prst="rect">
@@ -12424,7 +12424,7 @@
         </p:nvSpPr>
         <p:spPr>
           <a:xfrm>
-            <a:off x="7980703" y="912598"/>
+            <a:off x="9974138" y="912598"/>
             <a:ext cx="824265" cy="400238"/>
           </a:xfrm>
           <a:prstGeom prst="rect">
@@ -12454,7 +12454,7 @@
         </p:nvSpPr>
         <p:spPr>
           <a:xfrm>
-            <a:off x="-4227801" y="6353472"/>
+            <a:off x="-5283829" y="6353472"/>
             <a:ext cx="1467068" cy="400238"/>
           </a:xfrm>
           <a:prstGeom prst="rect">
@@ -12484,7 +12484,7 @@
         </p:nvSpPr>
         <p:spPr>
           <a:xfrm>
-            <a:off x="-3186153" y="7404957"/>
+            <a:off x="-3981996" y="7404957"/>
             <a:ext cx="1183144" cy="400238"/>
           </a:xfrm>
           <a:prstGeom prst="rect">
@@ -12514,7 +12514,7 @@
         </p:nvSpPr>
         <p:spPr>
           <a:xfrm>
-            <a:off x="-3370603" y="3623025"/>
+            <a:off x="-4212518" y="3623025"/>
             <a:ext cx="1467068" cy="400238"/>
           </a:xfrm>
           <a:prstGeom prst="rect">
@@ -12544,7 +12544,7 @@
         </p:nvSpPr>
         <p:spPr>
           <a:xfrm>
-            <a:off x="2716215" y="912598"/>
+            <a:off x="3394676" y="912598"/>
             <a:ext cx="954107" cy="400238"/>
           </a:xfrm>
           <a:prstGeom prst="rect">
@@ -12574,7 +12574,7 @@
         </p:nvSpPr>
         <p:spPr>
           <a:xfrm>
-            <a:off x="3718597" y="912598"/>
+            <a:off x="4647435" y="912598"/>
             <a:ext cx="1467068" cy="400238"/>
           </a:xfrm>
           <a:prstGeom prst="rect">
@@ -12604,7 +12604,7 @@
         </p:nvSpPr>
         <p:spPr>
           <a:xfrm>
-            <a:off x="5233940" y="912598"/>
+            <a:off x="6541283" y="912598"/>
             <a:ext cx="1467068" cy="400238"/>
           </a:xfrm>
           <a:prstGeom prst="rect">
@@ -12634,7 +12634,7 @@
         </p:nvSpPr>
         <p:spPr>
           <a:xfrm>
-            <a:off x="6749283" y="912598"/>
+            <a:off x="8435131" y="912598"/>
             <a:ext cx="1183144" cy="400238"/>
           </a:xfrm>
           <a:prstGeom prst="rect">
@@ -12664,7 +12664,7 @@
         </p:nvSpPr>
         <p:spPr>
           <a:xfrm>
-            <a:off x="-2884008" y="4988248"/>
+            <a:off x="-3604380" y="4988248"/>
             <a:ext cx="824265" cy="400238"/>
           </a:xfrm>
           <a:prstGeom prst="rect">
@@ -12694,8 +12694,8 @@
         </p:nvSpPr>
         <p:spPr>
           <a:xfrm>
-            <a:off x="46800" y="7605076"/>
-            <a:ext cx="9047988" cy="1035682"/>
+            <a:off x="58490" y="7605076"/>
+            <a:ext cx="11308010" cy="1035682"/>
           </a:xfrm>
           <a:prstGeom prst="rect">
             <a:avLst/>
@@ -12742,8 +12742,8 @@
         </p:nvGrpSpPr>
         <p:grpSpPr>
           <a:xfrm>
-            <a:off x="-1903535" y="2318197"/>
-            <a:ext cx="540000" cy="598365"/>
+            <a:off x="-2379003" y="2318198"/>
+            <a:ext cx="674882" cy="598365"/>
             <a:chOff x="-1903535" y="2318197"/>
             <a:chExt cx="540000" cy="598365"/>
           </a:xfrm>
@@ -12858,8 +12858,8 @@
         </p:nvGrpSpPr>
         <p:grpSpPr>
           <a:xfrm>
-            <a:off x="6749283" y="7823734"/>
-            <a:ext cx="2020467" cy="598365"/>
+            <a:off x="8435131" y="7823735"/>
+            <a:ext cx="2525143" cy="598365"/>
             <a:chOff x="6749283" y="7823734"/>
             <a:chExt cx="2020467" cy="598365"/>
           </a:xfrm>
@@ -13221,8 +13221,8 @@
         </p:nvSpPr>
         <p:spPr>
           <a:xfrm>
-            <a:off x="1300028" y="7963496"/>
-            <a:ext cx="1880315" cy="400238"/>
+            <a:off x="1624752" y="7963496"/>
+            <a:ext cx="2349983" cy="400238"/>
           </a:xfrm>
           <a:prstGeom prst="rect">
             <a:avLst/>
@@ -13251,8 +13251,8 @@
         </p:nvSpPr>
         <p:spPr>
           <a:xfrm>
-            <a:off x="3685692" y="700593"/>
-            <a:ext cx="1518111" cy="824248"/>
+            <a:off x="4606311" y="700593"/>
+            <a:ext cx="1897307" cy="824248"/>
           </a:xfrm>
           <a:prstGeom prst="rect">
             <a:avLst/>
@@ -13298,7 +13298,7 @@
         </p:nvSpPr>
         <p:spPr>
           <a:xfrm>
-            <a:off x="9942490" y="2858197"/>
+            <a:off x="12425942" y="2858197"/>
             <a:ext cx="674736" cy="400238"/>
           </a:xfrm>
           <a:prstGeom prst="rect">
@@ -13328,7 +13328,7 @@
         </p:nvSpPr>
         <p:spPr>
           <a:xfrm>
-            <a:off x="625292" y="1917959"/>
+            <a:off x="781478" y="1917959"/>
             <a:ext cx="674736" cy="400238"/>
           </a:xfrm>
           <a:prstGeom prst="rect">
@@ -13358,7 +13358,7 @@
         </p:nvSpPr>
         <p:spPr>
           <a:xfrm>
-            <a:off x="1300028" y="2328017"/>
+            <a:off x="1624752" y="2328017"/>
             <a:ext cx="870879" cy="400238"/>
           </a:xfrm>
           <a:prstGeom prst="rect">
@@ -13392,7 +13392,7 @@
         </p:nvSpPr>
         <p:spPr>
           <a:xfrm>
-            <a:off x="2148944" y="2680776"/>
+            <a:off x="2685711" y="2680776"/>
             <a:ext cx="870879" cy="400238"/>
           </a:xfrm>
           <a:prstGeom prst="rect">
@@ -13422,7 +13422,7 @@
         </p:nvSpPr>
         <p:spPr>
           <a:xfrm>
-            <a:off x="2148944" y="3087999"/>
+            <a:off x="2685711" y="3087999"/>
             <a:ext cx="870879" cy="400238"/>
           </a:xfrm>
           <a:prstGeom prst="rect">
@@ -13452,7 +13452,7 @@
         </p:nvSpPr>
         <p:spPr>
           <a:xfrm>
-            <a:off x="2148944" y="3495223"/>
+            <a:off x="2685711" y="3495223"/>
             <a:ext cx="870879" cy="400238"/>
           </a:xfrm>
           <a:prstGeom prst="rect">
@@ -13482,7 +13482,7 @@
         </p:nvSpPr>
         <p:spPr>
           <a:xfrm>
-            <a:off x="1281097" y="3835110"/>
+            <a:off x="1601092" y="3835110"/>
             <a:ext cx="870879" cy="400238"/>
           </a:xfrm>
           <a:prstGeom prst="rect">
@@ -13512,7 +13512,7 @@
         </p:nvSpPr>
         <p:spPr>
           <a:xfrm>
-            <a:off x="2130013" y="4187869"/>
+            <a:off x="2662052" y="4187869"/>
             <a:ext cx="870879" cy="400238"/>
           </a:xfrm>
           <a:prstGeom prst="rect">
@@ -13542,7 +13542,7 @@
         </p:nvSpPr>
         <p:spPr>
           <a:xfrm>
-            <a:off x="2130013" y="4595092"/>
+            <a:off x="2662052" y="4595092"/>
             <a:ext cx="870879" cy="400238"/>
           </a:xfrm>
           <a:prstGeom prst="rect">
@@ -13572,7 +13572,7 @@
         </p:nvSpPr>
         <p:spPr>
           <a:xfrm>
-            <a:off x="1293976" y="5130906"/>
+            <a:off x="1617188" y="5130906"/>
             <a:ext cx="870879" cy="400238"/>
           </a:xfrm>
           <a:prstGeom prst="rect">
@@ -13869,7 +13869,7 @@
   <a:extraClrSchemeLst/>
   <a:extLst>
     <a:ext uri="{05A4C25C-085E-4340-85A3-A5531E510DB2}">
-      <thm15:themeFamily xmlns:thm15="http://schemas.microsoft.com/office/thememl/2012/main" xmlns="" name="Office Theme" id="{62F939B6-93AF-4DB8-9C6B-D6C7DFDC589F}" vid="{4A3C46E8-61CC-4603-A589-7422A47A8E4A}"/>
+      <thm15:themeFamily xmlns="" xmlns:thm15="http://schemas.microsoft.com/office/thememl/2012/main" name="Office Theme" id="{62F939B6-93AF-4DB8-9C6B-D6C7DFDC589F}" vid="{4A3C46E8-61CC-4603-A589-7422A47A8E4A}"/>
     </a:ext>
   </a:extLst>
 </a:theme>

--- a/線框圖/框線圖_考古題+技能樹.pptx
+++ b/線框圖/框線圖_考古題+技能樹.pptx
@@ -8,9 +8,11 @@
     <p:sldId id="257" r:id="rId2"/>
     <p:sldId id="258" r:id="rId3"/>
     <p:sldId id="260" r:id="rId4"/>
-    <p:sldId id="261" r:id="rId5"/>
+    <p:sldId id="264" r:id="rId5"/>
     <p:sldId id="262" r:id="rId6"/>
-    <p:sldId id="263" r:id="rId7"/>
+    <p:sldId id="261" r:id="rId7"/>
+    <p:sldId id="263" r:id="rId8"/>
+    <p:sldId id="265" r:id="rId9"/>
   </p:sldIdLst>
   <p:sldSz cx="11366500" cy="8640763"/>
   <p:notesSz cx="6858000" cy="9144000"/>
@@ -111,7 +113,7 @@
   </p:defaultTextStyle>
   <p:extLst>
     <p:ext uri="{EFAFB233-063F-42B5-8137-9DF3F51BA10A}">
-      <p15:sldGuideLst xmlns="" xmlns:p15="http://schemas.microsoft.com/office/powerpoint/2012/main"/>
+      <p15:sldGuideLst xmlns:p15="http://schemas.microsoft.com/office/powerpoint/2012/main" xmlns=""/>
     </p:ext>
   </p:extLst>
 </p:presentation>
@@ -7383,53 +7385,6 @@
           </a:p>
         </p:txBody>
       </p:sp>
-      <p:sp>
-        <p:nvSpPr>
-          <p:cNvPr id="55" name="矩形 54"/>
-          <p:cNvSpPr/>
-          <p:nvPr/>
-        </p:nvSpPr>
-        <p:spPr>
-          <a:xfrm>
-            <a:off x="3367233" y="643943"/>
-            <a:ext cx="1352045" cy="824248"/>
-          </a:xfrm>
-          <a:prstGeom prst="rect">
-            <a:avLst/>
-          </a:prstGeom>
-          <a:solidFill>
-            <a:schemeClr val="accent2">
-              <a:lumMod val="40000"/>
-              <a:lumOff val="60000"/>
-              <a:alpha val="29000"/>
-            </a:schemeClr>
-          </a:solidFill>
-        </p:spPr>
-        <p:style>
-          <a:lnRef idx="2">
-            <a:schemeClr val="accent1">
-              <a:shade val="50000"/>
-            </a:schemeClr>
-          </a:lnRef>
-          <a:fillRef idx="1">
-            <a:schemeClr val="accent1"/>
-          </a:fillRef>
-          <a:effectRef idx="0">
-            <a:schemeClr val="accent1"/>
-          </a:effectRef>
-          <a:fontRef idx="minor">
-            <a:schemeClr val="lt1"/>
-          </a:fontRef>
-        </p:style>
-        <p:txBody>
-          <a:bodyPr rtlCol="0" anchor="ctr"/>
-          <a:lstStyle/>
-          <a:p>
-            <a:pPr algn="ctr"/>
-            <a:endParaRPr lang="zh-TW" altLang="en-US"/>
-          </a:p>
-        </p:txBody>
-      </p:sp>
     </p:spTree>
     <p:extLst>
       <p:ext uri="{BB962C8B-B14F-4D97-AF65-F5344CB8AC3E}">
@@ -9315,57 +9270,10 @@
           </a:p>
         </p:txBody>
       </p:sp>
-      <p:sp>
-        <p:nvSpPr>
-          <p:cNvPr id="54" name="矩形 53"/>
-          <p:cNvSpPr/>
-          <p:nvPr/>
-        </p:nvSpPr>
-        <p:spPr>
-          <a:xfrm>
-            <a:off x="3367233" y="643943"/>
-            <a:ext cx="1352045" cy="824248"/>
-          </a:xfrm>
-          <a:prstGeom prst="rect">
-            <a:avLst/>
-          </a:prstGeom>
-          <a:solidFill>
-            <a:schemeClr val="accent2">
-              <a:lumMod val="40000"/>
-              <a:lumOff val="60000"/>
-              <a:alpha val="29000"/>
-            </a:schemeClr>
-          </a:solidFill>
-        </p:spPr>
-        <p:style>
-          <a:lnRef idx="2">
-            <a:schemeClr val="accent1">
-              <a:shade val="50000"/>
-            </a:schemeClr>
-          </a:lnRef>
-          <a:fillRef idx="1">
-            <a:schemeClr val="accent1"/>
-          </a:fillRef>
-          <a:effectRef idx="0">
-            <a:schemeClr val="accent1"/>
-          </a:effectRef>
-          <a:fontRef idx="minor">
-            <a:schemeClr val="lt1"/>
-          </a:fontRef>
-        </p:style>
-        <p:txBody>
-          <a:bodyPr rtlCol="0" anchor="ctr"/>
-          <a:lstStyle/>
-          <a:p>
-            <a:pPr algn="ctr"/>
-            <a:endParaRPr lang="zh-TW" altLang="en-US"/>
-          </a:p>
-        </p:txBody>
-      </p:sp>
     </p:spTree>
     <p:extLst>
       <p:ext uri="{BB962C8B-B14F-4D97-AF65-F5344CB8AC3E}">
-        <p14:creationId xmlns:p14="http://schemas.microsoft.com/office/powerpoint/2010/main" val="1019131348"/>
+        <p14:creationId xmlns:p14="http://schemas.microsoft.com/office/powerpoint/2010/main" val="4064292686"/>
       </p:ext>
     </p:extLst>
   </p:cSld>
@@ -12306,10 +12214,7 @@
             <a:avLst/>
           </a:prstGeom>
           <a:solidFill>
-            <a:schemeClr val="tx2">
-              <a:lumMod val="20000"/>
-              <a:lumOff val="80000"/>
-            </a:schemeClr>
+            <a:srgbClr val="FFA03C"/>
           </a:solidFill>
           <a:ln>
             <a:noFill/>
@@ -13243,27 +13148,846 @@
           </a:p>
         </p:txBody>
       </p:sp>
-      <p:sp>
-        <p:nvSpPr>
-          <p:cNvPr id="49" name="矩形 48"/>
+      <p:pic>
+        <p:nvPicPr>
+          <p:cNvPr id="53" name="圖片 52"/>
+          <p:cNvPicPr>
+            <a:picLocks noChangeAspect="1"/>
+          </p:cNvPicPr>
+          <p:nvPr/>
+        </p:nvPicPr>
+        <p:blipFill>
+          <a:blip r:embed="rId2">
+            <a:extLst>
+              <a:ext uri="{28A0092B-C50C-407E-A947-70E740481C1C}">
+                <a14:useLocalDpi xmlns:a14="http://schemas.microsoft.com/office/drawing/2010/main" val="0"/>
+              </a:ext>
+            </a:extLst>
+          </a:blip>
+          <a:stretch>
+            <a:fillRect/>
+          </a:stretch>
+        </p:blipFill>
+        <p:spPr>
+          <a:xfrm>
+            <a:off x="565049" y="1953530"/>
+            <a:ext cx="7567468" cy="4399942"/>
+          </a:xfrm>
+          <a:prstGeom prst="rect">
+            <a:avLst/>
+          </a:prstGeom>
+        </p:spPr>
+      </p:pic>
+    </p:spTree>
+    <p:extLst>
+      <p:ext uri="{BB962C8B-B14F-4D97-AF65-F5344CB8AC3E}">
+        <p14:creationId xmlns:p14="http://schemas.microsoft.com/office/powerpoint/2010/main" val="1019131348"/>
+      </p:ext>
+    </p:extLst>
+  </p:cSld>
+  <p:clrMapOvr>
+    <a:masterClrMapping/>
+  </p:clrMapOvr>
+  <p:timing>
+    <p:tnLst>
+      <p:par>
+        <p:cTn id="1" dur="indefinite" restart="never" nodeType="tmRoot"/>
+      </p:par>
+    </p:tnLst>
+  </p:timing>
+</p:sld>
+</file>
+
+<file path=ppt/slides/slide7.xml><?xml version="1.0" encoding="utf-8"?>
+<p:sld xmlns:a="http://schemas.openxmlformats.org/drawingml/2006/main" xmlns:r="http://schemas.openxmlformats.org/officeDocument/2006/relationships" xmlns:p="http://schemas.openxmlformats.org/presentationml/2006/main">
+  <p:cSld>
+    <p:spTree>
+      <p:nvGrpSpPr>
+        <p:cNvPr id="1" name=""/>
+        <p:cNvGrpSpPr/>
+        <p:nvPr/>
+      </p:nvGrpSpPr>
+      <p:grpSpPr>
+        <a:xfrm>
+          <a:off x="0" y="0"/>
+          <a:ext cx="0" cy="0"/>
+          <a:chOff x="0" y="0"/>
+          <a:chExt cx="0" cy="0"/>
+        </a:xfrm>
+      </p:grpSpPr>
+      <p:grpSp>
+        <p:nvGrpSpPr>
+          <p:cNvPr id="19" name="群組 18"/>
+          <p:cNvGrpSpPr/>
+          <p:nvPr/>
+        </p:nvGrpSpPr>
+        <p:grpSpPr>
+          <a:xfrm>
+            <a:off x="1" y="-5"/>
+            <a:ext cx="11363274" cy="8640768"/>
+            <a:chOff x="0" y="-5"/>
+            <a:chExt cx="9092207" cy="8640768"/>
+          </a:xfrm>
+        </p:grpSpPr>
+        <p:sp>
+          <p:nvSpPr>
+            <p:cNvPr id="4" name="矩形 3"/>
+            <p:cNvSpPr/>
+            <p:nvPr/>
+          </p:nvSpPr>
+          <p:spPr>
+            <a:xfrm>
+              <a:off x="0" y="0"/>
+              <a:ext cx="93600" cy="8640763"/>
+            </a:xfrm>
+            <a:prstGeom prst="rect">
+              <a:avLst/>
+            </a:prstGeom>
+            <a:solidFill>
+              <a:schemeClr val="accent6">
+                <a:lumMod val="40000"/>
+                <a:lumOff val="60000"/>
+              </a:schemeClr>
+            </a:solidFill>
+            <a:ln>
+              <a:noFill/>
+            </a:ln>
+          </p:spPr>
+          <p:style>
+            <a:lnRef idx="2">
+              <a:schemeClr val="accent1">
+                <a:shade val="50000"/>
+              </a:schemeClr>
+            </a:lnRef>
+            <a:fillRef idx="1">
+              <a:schemeClr val="accent1"/>
+            </a:fillRef>
+            <a:effectRef idx="0">
+              <a:schemeClr val="accent1"/>
+            </a:effectRef>
+            <a:fontRef idx="minor">
+              <a:schemeClr val="lt1"/>
+            </a:fontRef>
+          </p:style>
+          <p:txBody>
+            <a:bodyPr rtlCol="0" anchor="ctr"/>
+            <a:lstStyle/>
+            <a:p>
+              <a:pPr algn="ctr"/>
+              <a:endParaRPr lang="zh-TW" altLang="en-US"/>
+            </a:p>
+          </p:txBody>
+        </p:sp>
+        <p:sp>
+          <p:nvSpPr>
+            <p:cNvPr id="5" name="矩形 4"/>
+            <p:cNvSpPr/>
+            <p:nvPr/>
+          </p:nvSpPr>
+          <p:spPr>
+            <a:xfrm>
+              <a:off x="93600" y="-5"/>
+              <a:ext cx="565200" cy="8640763"/>
+            </a:xfrm>
+            <a:prstGeom prst="rect">
+              <a:avLst/>
+            </a:prstGeom>
+            <a:solidFill>
+              <a:schemeClr val="accent2">
+                <a:lumMod val="40000"/>
+                <a:lumOff val="60000"/>
+              </a:schemeClr>
+            </a:solidFill>
+            <a:ln>
+              <a:noFill/>
+            </a:ln>
+          </p:spPr>
+          <p:style>
+            <a:lnRef idx="2">
+              <a:schemeClr val="accent1">
+                <a:shade val="50000"/>
+              </a:schemeClr>
+            </a:lnRef>
+            <a:fillRef idx="1">
+              <a:schemeClr val="accent1"/>
+            </a:fillRef>
+            <a:effectRef idx="0">
+              <a:schemeClr val="accent1"/>
+            </a:effectRef>
+            <a:fontRef idx="minor">
+              <a:schemeClr val="lt1"/>
+            </a:fontRef>
+          </p:style>
+          <p:txBody>
+            <a:bodyPr rtlCol="0" anchor="ctr"/>
+            <a:lstStyle/>
+            <a:p>
+              <a:pPr algn="ctr"/>
+              <a:endParaRPr lang="zh-TW" altLang="en-US"/>
+            </a:p>
+          </p:txBody>
+        </p:sp>
+        <p:sp>
+          <p:nvSpPr>
+            <p:cNvPr id="6" name="矩形 5"/>
+            <p:cNvSpPr/>
+            <p:nvPr/>
+          </p:nvSpPr>
+          <p:spPr>
+            <a:xfrm>
+              <a:off x="652075" y="-1"/>
+              <a:ext cx="187200" cy="8640763"/>
+            </a:xfrm>
+            <a:prstGeom prst="rect">
+              <a:avLst/>
+            </a:prstGeom>
+            <a:solidFill>
+              <a:schemeClr val="accent1">
+                <a:lumMod val="20000"/>
+                <a:lumOff val="80000"/>
+              </a:schemeClr>
+            </a:solidFill>
+            <a:ln>
+              <a:noFill/>
+            </a:ln>
+          </p:spPr>
+          <p:style>
+            <a:lnRef idx="2">
+              <a:schemeClr val="accent1">
+                <a:shade val="50000"/>
+              </a:schemeClr>
+            </a:lnRef>
+            <a:fillRef idx="1">
+              <a:schemeClr val="accent1"/>
+            </a:fillRef>
+            <a:effectRef idx="0">
+              <a:schemeClr val="accent1"/>
+            </a:effectRef>
+            <a:fontRef idx="minor">
+              <a:schemeClr val="lt1"/>
+            </a:fontRef>
+          </p:style>
+          <p:txBody>
+            <a:bodyPr rtlCol="0" anchor="ctr"/>
+            <a:lstStyle/>
+            <a:p>
+              <a:pPr algn="ctr"/>
+              <a:endParaRPr lang="zh-TW" altLang="en-US"/>
+            </a:p>
+          </p:txBody>
+        </p:sp>
+        <p:sp>
+          <p:nvSpPr>
+            <p:cNvPr id="7" name="矩形 6"/>
+            <p:cNvSpPr/>
+            <p:nvPr/>
+          </p:nvSpPr>
+          <p:spPr>
+            <a:xfrm>
+              <a:off x="8998607" y="-2"/>
+              <a:ext cx="93600" cy="8640763"/>
+            </a:xfrm>
+            <a:prstGeom prst="rect">
+              <a:avLst/>
+            </a:prstGeom>
+            <a:solidFill>
+              <a:schemeClr val="accent6">
+                <a:lumMod val="40000"/>
+                <a:lumOff val="60000"/>
+              </a:schemeClr>
+            </a:solidFill>
+            <a:ln>
+              <a:noFill/>
+            </a:ln>
+          </p:spPr>
+          <p:style>
+            <a:lnRef idx="2">
+              <a:schemeClr val="accent1">
+                <a:shade val="50000"/>
+              </a:schemeClr>
+            </a:lnRef>
+            <a:fillRef idx="1">
+              <a:schemeClr val="accent1"/>
+            </a:fillRef>
+            <a:effectRef idx="0">
+              <a:schemeClr val="accent1"/>
+            </a:effectRef>
+            <a:fontRef idx="minor">
+              <a:schemeClr val="lt1"/>
+            </a:fontRef>
+          </p:style>
+          <p:txBody>
+            <a:bodyPr rtlCol="0" anchor="ctr"/>
+            <a:lstStyle/>
+            <a:p>
+              <a:pPr algn="ctr"/>
+              <a:endParaRPr lang="zh-TW" altLang="en-US"/>
+            </a:p>
+          </p:txBody>
+        </p:sp>
+        <p:sp>
+          <p:nvSpPr>
+            <p:cNvPr id="8" name="矩形 7"/>
+            <p:cNvSpPr/>
+            <p:nvPr/>
+          </p:nvSpPr>
+          <p:spPr>
+            <a:xfrm>
+              <a:off x="850695" y="-5"/>
+              <a:ext cx="565200" cy="8640763"/>
+            </a:xfrm>
+            <a:prstGeom prst="rect">
+              <a:avLst/>
+            </a:prstGeom>
+            <a:solidFill>
+              <a:schemeClr val="accent2">
+                <a:lumMod val="40000"/>
+                <a:lumOff val="60000"/>
+              </a:schemeClr>
+            </a:solidFill>
+            <a:ln>
+              <a:noFill/>
+            </a:ln>
+          </p:spPr>
+          <p:style>
+            <a:lnRef idx="2">
+              <a:schemeClr val="accent1">
+                <a:shade val="50000"/>
+              </a:schemeClr>
+            </a:lnRef>
+            <a:fillRef idx="1">
+              <a:schemeClr val="accent1"/>
+            </a:fillRef>
+            <a:effectRef idx="0">
+              <a:schemeClr val="accent1"/>
+            </a:effectRef>
+            <a:fontRef idx="minor">
+              <a:schemeClr val="lt1"/>
+            </a:fontRef>
+          </p:style>
+          <p:txBody>
+            <a:bodyPr rtlCol="0" anchor="ctr"/>
+            <a:lstStyle/>
+            <a:p>
+              <a:pPr algn="ctr"/>
+              <a:endParaRPr lang="zh-TW" altLang="en-US" dirty="0"/>
+            </a:p>
+          </p:txBody>
+        </p:sp>
+        <p:sp>
+          <p:nvSpPr>
+            <p:cNvPr id="9" name="矩形 8"/>
+            <p:cNvSpPr/>
+            <p:nvPr/>
+          </p:nvSpPr>
+          <p:spPr>
+            <a:xfrm>
+              <a:off x="1607790" y="-5"/>
+              <a:ext cx="565200" cy="8640763"/>
+            </a:xfrm>
+            <a:prstGeom prst="rect">
+              <a:avLst/>
+            </a:prstGeom>
+            <a:solidFill>
+              <a:schemeClr val="accent2">
+                <a:lumMod val="40000"/>
+                <a:lumOff val="60000"/>
+              </a:schemeClr>
+            </a:solidFill>
+            <a:ln>
+              <a:noFill/>
+            </a:ln>
+          </p:spPr>
+          <p:style>
+            <a:lnRef idx="2">
+              <a:schemeClr val="accent1">
+                <a:shade val="50000"/>
+              </a:schemeClr>
+            </a:lnRef>
+            <a:fillRef idx="1">
+              <a:schemeClr val="accent1"/>
+            </a:fillRef>
+            <a:effectRef idx="0">
+              <a:schemeClr val="accent1"/>
+            </a:effectRef>
+            <a:fontRef idx="minor">
+              <a:schemeClr val="lt1"/>
+            </a:fontRef>
+          </p:style>
+          <p:txBody>
+            <a:bodyPr rtlCol="0" anchor="ctr"/>
+            <a:lstStyle/>
+            <a:p>
+              <a:pPr algn="ctr"/>
+              <a:endParaRPr lang="zh-TW" altLang="en-US"/>
+            </a:p>
+          </p:txBody>
+        </p:sp>
+        <p:sp>
+          <p:nvSpPr>
+            <p:cNvPr id="10" name="矩形 9"/>
+            <p:cNvSpPr/>
+            <p:nvPr/>
+          </p:nvSpPr>
+          <p:spPr>
+            <a:xfrm>
+              <a:off x="2364885" y="-5"/>
+              <a:ext cx="565200" cy="8640763"/>
+            </a:xfrm>
+            <a:prstGeom prst="rect">
+              <a:avLst/>
+            </a:prstGeom>
+            <a:solidFill>
+              <a:schemeClr val="accent2">
+                <a:lumMod val="40000"/>
+                <a:lumOff val="60000"/>
+              </a:schemeClr>
+            </a:solidFill>
+            <a:ln>
+              <a:noFill/>
+            </a:ln>
+          </p:spPr>
+          <p:style>
+            <a:lnRef idx="2">
+              <a:schemeClr val="accent1">
+                <a:shade val="50000"/>
+              </a:schemeClr>
+            </a:lnRef>
+            <a:fillRef idx="1">
+              <a:schemeClr val="accent1"/>
+            </a:fillRef>
+            <a:effectRef idx="0">
+              <a:schemeClr val="accent1"/>
+            </a:effectRef>
+            <a:fontRef idx="minor">
+              <a:schemeClr val="lt1"/>
+            </a:fontRef>
+          </p:style>
+          <p:txBody>
+            <a:bodyPr rtlCol="0" anchor="ctr"/>
+            <a:lstStyle/>
+            <a:p>
+              <a:pPr algn="ctr"/>
+              <a:endParaRPr lang="zh-TW" altLang="en-US"/>
+            </a:p>
+          </p:txBody>
+        </p:sp>
+        <p:sp>
+          <p:nvSpPr>
+            <p:cNvPr id="11" name="矩形 10"/>
+            <p:cNvSpPr/>
+            <p:nvPr/>
+          </p:nvSpPr>
+          <p:spPr>
+            <a:xfrm>
+              <a:off x="3121980" y="-5"/>
+              <a:ext cx="565200" cy="8640763"/>
+            </a:xfrm>
+            <a:prstGeom prst="rect">
+              <a:avLst/>
+            </a:prstGeom>
+            <a:solidFill>
+              <a:schemeClr val="accent2">
+                <a:lumMod val="40000"/>
+                <a:lumOff val="60000"/>
+              </a:schemeClr>
+            </a:solidFill>
+            <a:ln>
+              <a:noFill/>
+            </a:ln>
+          </p:spPr>
+          <p:style>
+            <a:lnRef idx="2">
+              <a:schemeClr val="accent1">
+                <a:shade val="50000"/>
+              </a:schemeClr>
+            </a:lnRef>
+            <a:fillRef idx="1">
+              <a:schemeClr val="accent1"/>
+            </a:fillRef>
+            <a:effectRef idx="0">
+              <a:schemeClr val="accent1"/>
+            </a:effectRef>
+            <a:fontRef idx="minor">
+              <a:schemeClr val="lt1"/>
+            </a:fontRef>
+          </p:style>
+          <p:txBody>
+            <a:bodyPr rtlCol="0" anchor="ctr"/>
+            <a:lstStyle/>
+            <a:p>
+              <a:pPr algn="ctr"/>
+              <a:endParaRPr lang="zh-TW" altLang="en-US"/>
+            </a:p>
+          </p:txBody>
+        </p:sp>
+        <p:sp>
+          <p:nvSpPr>
+            <p:cNvPr id="12" name="矩形 11"/>
+            <p:cNvSpPr/>
+            <p:nvPr/>
+          </p:nvSpPr>
+          <p:spPr>
+            <a:xfrm>
+              <a:off x="3879075" y="-5"/>
+              <a:ext cx="565200" cy="8640763"/>
+            </a:xfrm>
+            <a:prstGeom prst="rect">
+              <a:avLst/>
+            </a:prstGeom>
+            <a:solidFill>
+              <a:schemeClr val="accent2">
+                <a:lumMod val="40000"/>
+                <a:lumOff val="60000"/>
+              </a:schemeClr>
+            </a:solidFill>
+            <a:ln>
+              <a:noFill/>
+            </a:ln>
+          </p:spPr>
+          <p:style>
+            <a:lnRef idx="2">
+              <a:schemeClr val="accent1">
+                <a:shade val="50000"/>
+              </a:schemeClr>
+            </a:lnRef>
+            <a:fillRef idx="1">
+              <a:schemeClr val="accent1"/>
+            </a:fillRef>
+            <a:effectRef idx="0">
+              <a:schemeClr val="accent1"/>
+            </a:effectRef>
+            <a:fontRef idx="minor">
+              <a:schemeClr val="lt1"/>
+            </a:fontRef>
+          </p:style>
+          <p:txBody>
+            <a:bodyPr rtlCol="0" anchor="ctr"/>
+            <a:lstStyle/>
+            <a:p>
+              <a:pPr algn="ctr"/>
+              <a:endParaRPr lang="zh-TW" altLang="en-US"/>
+            </a:p>
+          </p:txBody>
+        </p:sp>
+        <p:sp>
+          <p:nvSpPr>
+            <p:cNvPr id="13" name="矩形 12"/>
+            <p:cNvSpPr/>
+            <p:nvPr/>
+          </p:nvSpPr>
+          <p:spPr>
+            <a:xfrm>
+              <a:off x="4636170" y="-5"/>
+              <a:ext cx="565200" cy="8640763"/>
+            </a:xfrm>
+            <a:prstGeom prst="rect">
+              <a:avLst/>
+            </a:prstGeom>
+            <a:solidFill>
+              <a:schemeClr val="accent2">
+                <a:lumMod val="40000"/>
+                <a:lumOff val="60000"/>
+              </a:schemeClr>
+            </a:solidFill>
+            <a:ln>
+              <a:noFill/>
+            </a:ln>
+          </p:spPr>
+          <p:style>
+            <a:lnRef idx="2">
+              <a:schemeClr val="accent1">
+                <a:shade val="50000"/>
+              </a:schemeClr>
+            </a:lnRef>
+            <a:fillRef idx="1">
+              <a:schemeClr val="accent1"/>
+            </a:fillRef>
+            <a:effectRef idx="0">
+              <a:schemeClr val="accent1"/>
+            </a:effectRef>
+            <a:fontRef idx="minor">
+              <a:schemeClr val="lt1"/>
+            </a:fontRef>
+          </p:style>
+          <p:txBody>
+            <a:bodyPr rtlCol="0" anchor="ctr"/>
+            <a:lstStyle/>
+            <a:p>
+              <a:pPr algn="ctr"/>
+              <a:endParaRPr lang="zh-TW" altLang="en-US"/>
+            </a:p>
+          </p:txBody>
+        </p:sp>
+        <p:sp>
+          <p:nvSpPr>
+            <p:cNvPr id="14" name="矩形 13"/>
+            <p:cNvSpPr/>
+            <p:nvPr/>
+          </p:nvSpPr>
+          <p:spPr>
+            <a:xfrm>
+              <a:off x="5393265" y="-5"/>
+              <a:ext cx="565200" cy="8640763"/>
+            </a:xfrm>
+            <a:prstGeom prst="rect">
+              <a:avLst/>
+            </a:prstGeom>
+            <a:solidFill>
+              <a:schemeClr val="accent2">
+                <a:lumMod val="40000"/>
+                <a:lumOff val="60000"/>
+              </a:schemeClr>
+            </a:solidFill>
+            <a:ln>
+              <a:noFill/>
+            </a:ln>
+          </p:spPr>
+          <p:style>
+            <a:lnRef idx="2">
+              <a:schemeClr val="accent1">
+                <a:shade val="50000"/>
+              </a:schemeClr>
+            </a:lnRef>
+            <a:fillRef idx="1">
+              <a:schemeClr val="accent1"/>
+            </a:fillRef>
+            <a:effectRef idx="0">
+              <a:schemeClr val="accent1"/>
+            </a:effectRef>
+            <a:fontRef idx="minor">
+              <a:schemeClr val="lt1"/>
+            </a:fontRef>
+          </p:style>
+          <p:txBody>
+            <a:bodyPr rtlCol="0" anchor="ctr"/>
+            <a:lstStyle/>
+            <a:p>
+              <a:pPr algn="ctr"/>
+              <a:endParaRPr lang="zh-TW" altLang="en-US"/>
+            </a:p>
+          </p:txBody>
+        </p:sp>
+        <p:sp>
+          <p:nvSpPr>
+            <p:cNvPr id="15" name="矩形 14"/>
+            <p:cNvSpPr/>
+            <p:nvPr/>
+          </p:nvSpPr>
+          <p:spPr>
+            <a:xfrm>
+              <a:off x="6150360" y="-5"/>
+              <a:ext cx="565200" cy="8640763"/>
+            </a:xfrm>
+            <a:prstGeom prst="rect">
+              <a:avLst/>
+            </a:prstGeom>
+            <a:solidFill>
+              <a:schemeClr val="accent2">
+                <a:lumMod val="40000"/>
+                <a:lumOff val="60000"/>
+              </a:schemeClr>
+            </a:solidFill>
+            <a:ln>
+              <a:noFill/>
+            </a:ln>
+          </p:spPr>
+          <p:style>
+            <a:lnRef idx="2">
+              <a:schemeClr val="accent1">
+                <a:shade val="50000"/>
+              </a:schemeClr>
+            </a:lnRef>
+            <a:fillRef idx="1">
+              <a:schemeClr val="accent1"/>
+            </a:fillRef>
+            <a:effectRef idx="0">
+              <a:schemeClr val="accent1"/>
+            </a:effectRef>
+            <a:fontRef idx="minor">
+              <a:schemeClr val="lt1"/>
+            </a:fontRef>
+          </p:style>
+          <p:txBody>
+            <a:bodyPr rtlCol="0" anchor="ctr"/>
+            <a:lstStyle/>
+            <a:p>
+              <a:pPr algn="ctr"/>
+              <a:endParaRPr lang="zh-TW" altLang="en-US"/>
+            </a:p>
+          </p:txBody>
+        </p:sp>
+        <p:sp>
+          <p:nvSpPr>
+            <p:cNvPr id="16" name="矩形 15"/>
+            <p:cNvSpPr/>
+            <p:nvPr/>
+          </p:nvSpPr>
+          <p:spPr>
+            <a:xfrm>
+              <a:off x="6907455" y="-5"/>
+              <a:ext cx="565200" cy="8640763"/>
+            </a:xfrm>
+            <a:prstGeom prst="rect">
+              <a:avLst/>
+            </a:prstGeom>
+            <a:solidFill>
+              <a:schemeClr val="accent2">
+                <a:lumMod val="40000"/>
+                <a:lumOff val="60000"/>
+              </a:schemeClr>
+            </a:solidFill>
+            <a:ln>
+              <a:noFill/>
+            </a:ln>
+          </p:spPr>
+          <p:style>
+            <a:lnRef idx="2">
+              <a:schemeClr val="accent1">
+                <a:shade val="50000"/>
+              </a:schemeClr>
+            </a:lnRef>
+            <a:fillRef idx="1">
+              <a:schemeClr val="accent1"/>
+            </a:fillRef>
+            <a:effectRef idx="0">
+              <a:schemeClr val="accent1"/>
+            </a:effectRef>
+            <a:fontRef idx="minor">
+              <a:schemeClr val="lt1"/>
+            </a:fontRef>
+          </p:style>
+          <p:txBody>
+            <a:bodyPr rtlCol="0" anchor="ctr"/>
+            <a:lstStyle/>
+            <a:p>
+              <a:pPr algn="ctr"/>
+              <a:endParaRPr lang="zh-TW" altLang="en-US"/>
+            </a:p>
+          </p:txBody>
+        </p:sp>
+        <p:sp>
+          <p:nvSpPr>
+            <p:cNvPr id="17" name="矩形 16"/>
+            <p:cNvSpPr/>
+            <p:nvPr/>
+          </p:nvSpPr>
+          <p:spPr>
+            <a:xfrm>
+              <a:off x="7664550" y="-5"/>
+              <a:ext cx="565200" cy="8640763"/>
+            </a:xfrm>
+            <a:prstGeom prst="rect">
+              <a:avLst/>
+            </a:prstGeom>
+            <a:solidFill>
+              <a:schemeClr val="accent2">
+                <a:lumMod val="40000"/>
+                <a:lumOff val="60000"/>
+              </a:schemeClr>
+            </a:solidFill>
+            <a:ln>
+              <a:noFill/>
+            </a:ln>
+          </p:spPr>
+          <p:style>
+            <a:lnRef idx="2">
+              <a:schemeClr val="accent1">
+                <a:shade val="50000"/>
+              </a:schemeClr>
+            </a:lnRef>
+            <a:fillRef idx="1">
+              <a:schemeClr val="accent1"/>
+            </a:fillRef>
+            <a:effectRef idx="0">
+              <a:schemeClr val="accent1"/>
+            </a:effectRef>
+            <a:fontRef idx="minor">
+              <a:schemeClr val="lt1"/>
+            </a:fontRef>
+          </p:style>
+          <p:txBody>
+            <a:bodyPr rtlCol="0" anchor="ctr"/>
+            <a:lstStyle/>
+            <a:p>
+              <a:pPr algn="ctr"/>
+              <a:endParaRPr lang="zh-TW" altLang="en-US"/>
+            </a:p>
+          </p:txBody>
+        </p:sp>
+        <p:sp>
+          <p:nvSpPr>
+            <p:cNvPr id="18" name="矩形 17"/>
+            <p:cNvSpPr/>
+            <p:nvPr/>
+          </p:nvSpPr>
+          <p:spPr>
+            <a:xfrm>
+              <a:off x="8421649" y="-5"/>
+              <a:ext cx="565200" cy="8640763"/>
+            </a:xfrm>
+            <a:prstGeom prst="rect">
+              <a:avLst/>
+            </a:prstGeom>
+            <a:solidFill>
+              <a:schemeClr val="accent2">
+                <a:lumMod val="40000"/>
+                <a:lumOff val="60000"/>
+              </a:schemeClr>
+            </a:solidFill>
+            <a:ln>
+              <a:noFill/>
+            </a:ln>
+          </p:spPr>
+          <p:style>
+            <a:lnRef idx="2">
+              <a:schemeClr val="accent1">
+                <a:shade val="50000"/>
+              </a:schemeClr>
+            </a:lnRef>
+            <a:fillRef idx="1">
+              <a:schemeClr val="accent1"/>
+            </a:fillRef>
+            <a:effectRef idx="0">
+              <a:schemeClr val="accent1"/>
+            </a:effectRef>
+            <a:fontRef idx="minor">
+              <a:schemeClr val="lt1"/>
+            </a:fontRef>
+          </p:style>
+          <p:txBody>
+            <a:bodyPr rtlCol="0" anchor="ctr"/>
+            <a:lstStyle/>
+            <a:p>
+              <a:pPr algn="ctr"/>
+              <a:endParaRPr lang="zh-TW" altLang="en-US"/>
+            </a:p>
+          </p:txBody>
+        </p:sp>
+      </p:grpSp>
+      <p:sp>
+        <p:nvSpPr>
+          <p:cNvPr id="29" name="矩形 28"/>
           <p:cNvSpPr/>
           <p:nvPr/>
         </p:nvSpPr>
         <p:spPr>
           <a:xfrm>
-            <a:off x="4606311" y="700593"/>
-            <a:ext cx="1897307" cy="824248"/>
+            <a:off x="58490" y="0"/>
+            <a:ext cx="11304785" cy="1481070"/>
           </a:xfrm>
           <a:prstGeom prst="rect">
             <a:avLst/>
           </a:prstGeom>
           <a:solidFill>
-            <a:schemeClr val="accent2">
-              <a:lumMod val="40000"/>
-              <a:lumOff val="60000"/>
-              <a:alpha val="29000"/>
+            <a:schemeClr val="tx2">
+              <a:lumMod val="20000"/>
+              <a:lumOff val="80000"/>
             </a:schemeClr>
           </a:solidFill>
+          <a:ln>
+            <a:noFill/>
+          </a:ln>
         </p:spPr>
         <p:style>
           <a:lnRef idx="2">
@@ -13292,6 +14016,909 @@
       </p:sp>
       <p:sp>
         <p:nvSpPr>
+          <p:cNvPr id="2" name="文字方塊 1"/>
+          <p:cNvSpPr txBox="1"/>
+          <p:nvPr/>
+        </p:nvSpPr>
+        <p:spPr>
+          <a:xfrm>
+            <a:off x="233959" y="543396"/>
+            <a:ext cx="2432076" cy="769441"/>
+          </a:xfrm>
+          <a:prstGeom prst="rect">
+            <a:avLst/>
+          </a:prstGeom>
+          <a:noFill/>
+        </p:spPr>
+        <p:txBody>
+          <a:bodyPr wrap="none" rtlCol="0">
+            <a:spAutoFit/>
+          </a:bodyPr>
+          <a:lstStyle/>
+          <a:p>
+            <a:r>
+              <a:rPr lang="zh-TW" altLang="en-US" sz="4400" b="1" dirty="0" smtClean="0">
+                <a:latin typeface="Blackadder ITC" panose="04020505051007020D02" pitchFamily="82" charset="0"/>
+              </a:rPr>
+              <a:t>資</a:t>
+            </a:r>
+            <a:r>
+              <a:rPr lang="zh-TW" altLang="en-US" sz="4400" b="1" dirty="0">
+                <a:latin typeface="Blackadder ITC" panose="04020505051007020D02" pitchFamily="82" charset="0"/>
+              </a:rPr>
+              <a:t>工</a:t>
+            </a:r>
+            <a:r>
+              <a:rPr lang="en-US" altLang="zh-TW" sz="4400" b="1" dirty="0" smtClean="0">
+                <a:latin typeface="Blackadder ITC" panose="04020505051007020D02" pitchFamily="82" charset="0"/>
+              </a:rPr>
+              <a:t>plugin</a:t>
+            </a:r>
+            <a:endParaRPr lang="zh-TW" altLang="en-US" sz="4400" b="1" dirty="0">
+              <a:latin typeface="Blackadder ITC" panose="04020505051007020D02" pitchFamily="82" charset="0"/>
+            </a:endParaRPr>
+          </a:p>
+        </p:txBody>
+      </p:sp>
+      <p:sp>
+        <p:nvSpPr>
+          <p:cNvPr id="3" name="文字方塊 2"/>
+          <p:cNvSpPr txBox="1"/>
+          <p:nvPr/>
+        </p:nvSpPr>
+        <p:spPr>
+          <a:xfrm>
+            <a:off x="-4395300" y="2716443"/>
+            <a:ext cx="954107" cy="400238"/>
+          </a:xfrm>
+          <a:prstGeom prst="rect">
+            <a:avLst/>
+          </a:prstGeom>
+          <a:noFill/>
+        </p:spPr>
+        <p:txBody>
+          <a:bodyPr wrap="none" rtlCol="0">
+            <a:spAutoFit/>
+          </a:bodyPr>
+          <a:lstStyle/>
+          <a:p>
+            <a:r>
+              <a:rPr lang="zh-TW" altLang="en-US" dirty="0" smtClean="0"/>
+              <a:t>考古題</a:t>
+            </a:r>
+            <a:endParaRPr lang="zh-TW" altLang="en-US" dirty="0"/>
+          </a:p>
+        </p:txBody>
+      </p:sp>
+      <p:sp>
+        <p:nvSpPr>
+          <p:cNvPr id="20" name="文字方塊 19"/>
+          <p:cNvSpPr txBox="1"/>
+          <p:nvPr/>
+        </p:nvSpPr>
+        <p:spPr>
+          <a:xfrm>
+            <a:off x="9974138" y="912598"/>
+            <a:ext cx="824265" cy="400238"/>
+          </a:xfrm>
+          <a:prstGeom prst="rect">
+            <a:avLst/>
+          </a:prstGeom>
+          <a:noFill/>
+        </p:spPr>
+        <p:txBody>
+          <a:bodyPr wrap="none" rtlCol="0">
+            <a:spAutoFit/>
+          </a:bodyPr>
+          <a:lstStyle/>
+          <a:p>
+            <a:r>
+              <a:rPr lang="en-US" altLang="zh-TW" dirty="0" smtClean="0"/>
+              <a:t>About</a:t>
+            </a:r>
+            <a:endParaRPr lang="zh-TW" altLang="en-US" dirty="0"/>
+          </a:p>
+        </p:txBody>
+      </p:sp>
+      <p:sp>
+        <p:nvSpPr>
+          <p:cNvPr id="21" name="文字方塊 20"/>
+          <p:cNvSpPr txBox="1"/>
+          <p:nvPr/>
+        </p:nvSpPr>
+        <p:spPr>
+          <a:xfrm>
+            <a:off x="-5283829" y="6353472"/>
+            <a:ext cx="1467068" cy="400238"/>
+          </a:xfrm>
+          <a:prstGeom prst="rect">
+            <a:avLst/>
+          </a:prstGeom>
+          <a:noFill/>
+        </p:spPr>
+        <p:txBody>
+          <a:bodyPr wrap="none" rtlCol="0">
+            <a:spAutoFit/>
+          </a:bodyPr>
+          <a:lstStyle/>
+          <a:p>
+            <a:r>
+              <a:rPr lang="zh-TW" altLang="en-US" dirty="0" smtClean="0"/>
+              <a:t>課外技能樹</a:t>
+            </a:r>
+            <a:endParaRPr lang="zh-TW" altLang="en-US" dirty="0"/>
+          </a:p>
+        </p:txBody>
+      </p:sp>
+      <p:sp>
+        <p:nvSpPr>
+          <p:cNvPr id="22" name="文字方塊 21"/>
+          <p:cNvSpPr txBox="1"/>
+          <p:nvPr/>
+        </p:nvSpPr>
+        <p:spPr>
+          <a:xfrm>
+            <a:off x="-3981996" y="7404957"/>
+            <a:ext cx="1183144" cy="400238"/>
+          </a:xfrm>
+          <a:prstGeom prst="rect">
+            <a:avLst/>
+          </a:prstGeom>
+          <a:noFill/>
+        </p:spPr>
+        <p:txBody>
+          <a:bodyPr wrap="none" rtlCol="0">
+            <a:spAutoFit/>
+          </a:bodyPr>
+          <a:lstStyle/>
+          <a:p>
+            <a:r>
+              <a:rPr lang="en-US" altLang="zh-TW" dirty="0" smtClean="0"/>
+              <a:t>Free time</a:t>
+            </a:r>
+            <a:endParaRPr lang="zh-TW" altLang="en-US" dirty="0"/>
+          </a:p>
+        </p:txBody>
+      </p:sp>
+      <p:sp>
+        <p:nvSpPr>
+          <p:cNvPr id="23" name="文字方塊 22"/>
+          <p:cNvSpPr txBox="1"/>
+          <p:nvPr/>
+        </p:nvSpPr>
+        <p:spPr>
+          <a:xfrm>
+            <a:off x="-4212518" y="3623025"/>
+            <a:ext cx="1467068" cy="400238"/>
+          </a:xfrm>
+          <a:prstGeom prst="rect">
+            <a:avLst/>
+          </a:prstGeom>
+          <a:noFill/>
+        </p:spPr>
+        <p:txBody>
+          <a:bodyPr wrap="none" rtlCol="0">
+            <a:spAutoFit/>
+          </a:bodyPr>
+          <a:lstStyle/>
+          <a:p>
+            <a:r>
+              <a:rPr lang="zh-TW" altLang="en-US" dirty="0" smtClean="0"/>
+              <a:t>課程技能樹</a:t>
+            </a:r>
+            <a:endParaRPr lang="zh-TW" altLang="en-US" dirty="0"/>
+          </a:p>
+        </p:txBody>
+      </p:sp>
+      <p:sp>
+        <p:nvSpPr>
+          <p:cNvPr id="24" name="文字方塊 23"/>
+          <p:cNvSpPr txBox="1"/>
+          <p:nvPr/>
+        </p:nvSpPr>
+        <p:spPr>
+          <a:xfrm>
+            <a:off x="3394676" y="912598"/>
+            <a:ext cx="954107" cy="400238"/>
+          </a:xfrm>
+          <a:prstGeom prst="rect">
+            <a:avLst/>
+          </a:prstGeom>
+          <a:noFill/>
+        </p:spPr>
+        <p:txBody>
+          <a:bodyPr wrap="none" rtlCol="0">
+            <a:spAutoFit/>
+          </a:bodyPr>
+          <a:lstStyle/>
+          <a:p>
+            <a:r>
+              <a:rPr lang="zh-TW" altLang="en-US" dirty="0" smtClean="0"/>
+              <a:t>考古題</a:t>
+            </a:r>
+            <a:endParaRPr lang="zh-TW" altLang="en-US" dirty="0"/>
+          </a:p>
+        </p:txBody>
+      </p:sp>
+      <p:sp>
+        <p:nvSpPr>
+          <p:cNvPr id="25" name="文字方塊 24"/>
+          <p:cNvSpPr txBox="1"/>
+          <p:nvPr/>
+        </p:nvSpPr>
+        <p:spPr>
+          <a:xfrm>
+            <a:off x="4647435" y="912598"/>
+            <a:ext cx="1467068" cy="400238"/>
+          </a:xfrm>
+          <a:prstGeom prst="rect">
+            <a:avLst/>
+          </a:prstGeom>
+          <a:noFill/>
+        </p:spPr>
+        <p:txBody>
+          <a:bodyPr wrap="none" rtlCol="0">
+            <a:spAutoFit/>
+          </a:bodyPr>
+          <a:lstStyle/>
+          <a:p>
+            <a:r>
+              <a:rPr lang="zh-TW" altLang="en-US" dirty="0" smtClean="0"/>
+              <a:t>課程技能樹</a:t>
+            </a:r>
+            <a:endParaRPr lang="zh-TW" altLang="en-US" dirty="0"/>
+          </a:p>
+        </p:txBody>
+      </p:sp>
+      <p:sp>
+        <p:nvSpPr>
+          <p:cNvPr id="26" name="文字方塊 25"/>
+          <p:cNvSpPr txBox="1"/>
+          <p:nvPr/>
+        </p:nvSpPr>
+        <p:spPr>
+          <a:xfrm>
+            <a:off x="6541283" y="912598"/>
+            <a:ext cx="1467068" cy="400238"/>
+          </a:xfrm>
+          <a:prstGeom prst="rect">
+            <a:avLst/>
+          </a:prstGeom>
+          <a:noFill/>
+        </p:spPr>
+        <p:txBody>
+          <a:bodyPr wrap="none" rtlCol="0">
+            <a:spAutoFit/>
+          </a:bodyPr>
+          <a:lstStyle/>
+          <a:p>
+            <a:r>
+              <a:rPr lang="zh-TW" altLang="en-US" dirty="0" smtClean="0"/>
+              <a:t>課外技能樹</a:t>
+            </a:r>
+            <a:endParaRPr lang="zh-TW" altLang="en-US" dirty="0"/>
+          </a:p>
+        </p:txBody>
+      </p:sp>
+      <p:sp>
+        <p:nvSpPr>
+          <p:cNvPr id="27" name="文字方塊 26"/>
+          <p:cNvSpPr txBox="1"/>
+          <p:nvPr/>
+        </p:nvSpPr>
+        <p:spPr>
+          <a:xfrm>
+            <a:off x="8435131" y="912598"/>
+            <a:ext cx="1183144" cy="400238"/>
+          </a:xfrm>
+          <a:prstGeom prst="rect">
+            <a:avLst/>
+          </a:prstGeom>
+          <a:noFill/>
+        </p:spPr>
+        <p:txBody>
+          <a:bodyPr wrap="none" rtlCol="0">
+            <a:spAutoFit/>
+          </a:bodyPr>
+          <a:lstStyle/>
+          <a:p>
+            <a:r>
+              <a:rPr lang="en-US" altLang="zh-TW" dirty="0" smtClean="0"/>
+              <a:t>Free time</a:t>
+            </a:r>
+            <a:endParaRPr lang="zh-TW" altLang="en-US" dirty="0"/>
+          </a:p>
+        </p:txBody>
+      </p:sp>
+      <p:sp>
+        <p:nvSpPr>
+          <p:cNvPr id="28" name="文字方塊 27"/>
+          <p:cNvSpPr txBox="1"/>
+          <p:nvPr/>
+        </p:nvSpPr>
+        <p:spPr>
+          <a:xfrm>
+            <a:off x="-3604380" y="4988248"/>
+            <a:ext cx="824265" cy="400238"/>
+          </a:xfrm>
+          <a:prstGeom prst="rect">
+            <a:avLst/>
+          </a:prstGeom>
+          <a:noFill/>
+        </p:spPr>
+        <p:txBody>
+          <a:bodyPr wrap="none" rtlCol="0">
+            <a:spAutoFit/>
+          </a:bodyPr>
+          <a:lstStyle/>
+          <a:p>
+            <a:r>
+              <a:rPr lang="en-US" altLang="zh-TW" dirty="0" smtClean="0"/>
+              <a:t>About</a:t>
+            </a:r>
+            <a:endParaRPr lang="zh-TW" altLang="en-US" dirty="0"/>
+          </a:p>
+        </p:txBody>
+      </p:sp>
+      <p:sp>
+        <p:nvSpPr>
+          <p:cNvPr id="30" name="矩形 29"/>
+          <p:cNvSpPr/>
+          <p:nvPr/>
+        </p:nvSpPr>
+        <p:spPr>
+          <a:xfrm>
+            <a:off x="58490" y="7605076"/>
+            <a:ext cx="11308010" cy="1035682"/>
+          </a:xfrm>
+          <a:prstGeom prst="rect">
+            <a:avLst/>
+          </a:prstGeom>
+          <a:solidFill>
+            <a:schemeClr val="bg2">
+              <a:lumMod val="75000"/>
+            </a:schemeClr>
+          </a:solidFill>
+          <a:ln>
+            <a:noFill/>
+          </a:ln>
+        </p:spPr>
+        <p:style>
+          <a:lnRef idx="2">
+            <a:schemeClr val="accent1">
+              <a:shade val="50000"/>
+            </a:schemeClr>
+          </a:lnRef>
+          <a:fillRef idx="1">
+            <a:schemeClr val="accent1"/>
+          </a:fillRef>
+          <a:effectRef idx="0">
+            <a:schemeClr val="accent1"/>
+          </a:effectRef>
+          <a:fontRef idx="minor">
+            <a:schemeClr val="lt1"/>
+          </a:fontRef>
+        </p:style>
+        <p:txBody>
+          <a:bodyPr rtlCol="0" anchor="ctr"/>
+          <a:lstStyle/>
+          <a:p>
+            <a:pPr algn="ctr"/>
+            <a:endParaRPr lang="zh-TW" altLang="en-US"/>
+          </a:p>
+        </p:txBody>
+      </p:sp>
+      <p:grpSp>
+        <p:nvGrpSpPr>
+          <p:cNvPr id="36" name="群組 35"/>
+          <p:cNvGrpSpPr/>
+          <p:nvPr/>
+        </p:nvGrpSpPr>
+        <p:grpSpPr>
+          <a:xfrm>
+            <a:off x="-2379003" y="2318198"/>
+            <a:ext cx="674882" cy="598365"/>
+            <a:chOff x="-1903535" y="2318197"/>
+            <a:chExt cx="540000" cy="598365"/>
+          </a:xfrm>
+        </p:grpSpPr>
+        <p:sp>
+          <p:nvSpPr>
+            <p:cNvPr id="31" name="矩形 30"/>
+            <p:cNvSpPr/>
+            <p:nvPr/>
+          </p:nvSpPr>
+          <p:spPr>
+            <a:xfrm>
+              <a:off x="-1903535" y="2318197"/>
+              <a:ext cx="540000" cy="540000"/>
+            </a:xfrm>
+            <a:prstGeom prst="rect">
+              <a:avLst/>
+            </a:prstGeom>
+            <a:noFill/>
+          </p:spPr>
+          <p:style>
+            <a:lnRef idx="2">
+              <a:schemeClr val="accent1">
+                <a:shade val="50000"/>
+              </a:schemeClr>
+            </a:lnRef>
+            <a:fillRef idx="1">
+              <a:schemeClr val="accent1"/>
+            </a:fillRef>
+            <a:effectRef idx="0">
+              <a:schemeClr val="accent1"/>
+            </a:effectRef>
+            <a:fontRef idx="minor">
+              <a:schemeClr val="lt1"/>
+            </a:fontRef>
+          </p:style>
+          <p:txBody>
+            <a:bodyPr rtlCol="0" anchor="ctr"/>
+            <a:lstStyle/>
+            <a:p>
+              <a:pPr algn="ctr"/>
+              <a:endParaRPr lang="zh-TW" altLang="en-US"/>
+            </a:p>
+          </p:txBody>
+        </p:sp>
+        <p:cxnSp>
+          <p:nvCxnSpPr>
+            <p:cNvPr id="33" name="直線接點 32"/>
+            <p:cNvCxnSpPr/>
+            <p:nvPr/>
+          </p:nvCxnSpPr>
+          <p:spPr>
+            <a:xfrm>
+              <a:off x="-1903535" y="2318197"/>
+              <a:ext cx="540000" cy="598365"/>
+            </a:xfrm>
+            <a:prstGeom prst="line">
+              <a:avLst/>
+            </a:prstGeom>
+          </p:spPr>
+          <p:style>
+            <a:lnRef idx="1">
+              <a:schemeClr val="accent1"/>
+            </a:lnRef>
+            <a:fillRef idx="0">
+              <a:schemeClr val="accent1"/>
+            </a:fillRef>
+            <a:effectRef idx="0">
+              <a:schemeClr val="accent1"/>
+            </a:effectRef>
+            <a:fontRef idx="minor">
+              <a:schemeClr val="tx1"/>
+            </a:fontRef>
+          </p:style>
+        </p:cxnSp>
+        <p:cxnSp>
+          <p:nvCxnSpPr>
+            <p:cNvPr id="35" name="直線接點 34"/>
+            <p:cNvCxnSpPr/>
+            <p:nvPr/>
+          </p:nvCxnSpPr>
+          <p:spPr>
+            <a:xfrm flipH="1">
+              <a:off x="-1903535" y="2318197"/>
+              <a:ext cx="540000" cy="540000"/>
+            </a:xfrm>
+            <a:prstGeom prst="line">
+              <a:avLst/>
+            </a:prstGeom>
+          </p:spPr>
+          <p:style>
+            <a:lnRef idx="1">
+              <a:schemeClr val="accent1"/>
+            </a:lnRef>
+            <a:fillRef idx="0">
+              <a:schemeClr val="accent1"/>
+            </a:fillRef>
+            <a:effectRef idx="0">
+              <a:schemeClr val="accent1"/>
+            </a:effectRef>
+            <a:fontRef idx="minor">
+              <a:schemeClr val="tx1"/>
+            </a:fontRef>
+          </p:style>
+        </p:cxnSp>
+      </p:grpSp>
+      <p:grpSp>
+        <p:nvGrpSpPr>
+          <p:cNvPr id="50" name="群組 49"/>
+          <p:cNvGrpSpPr/>
+          <p:nvPr/>
+        </p:nvGrpSpPr>
+        <p:grpSpPr>
+          <a:xfrm>
+            <a:off x="8435131" y="7823735"/>
+            <a:ext cx="2525143" cy="598365"/>
+            <a:chOff x="6749283" y="7823734"/>
+            <a:chExt cx="2020467" cy="598365"/>
+          </a:xfrm>
+        </p:grpSpPr>
+        <p:grpSp>
+          <p:nvGrpSpPr>
+            <p:cNvPr id="37" name="群組 36"/>
+            <p:cNvGrpSpPr/>
+            <p:nvPr/>
+          </p:nvGrpSpPr>
+          <p:grpSpPr>
+            <a:xfrm>
+              <a:off x="8229750" y="7823734"/>
+              <a:ext cx="540000" cy="598365"/>
+              <a:chOff x="-1903535" y="2318197"/>
+              <a:chExt cx="540000" cy="598365"/>
+            </a:xfrm>
+          </p:grpSpPr>
+          <p:sp>
+            <p:nvSpPr>
+              <p:cNvPr id="38" name="矩形 37"/>
+              <p:cNvSpPr/>
+              <p:nvPr/>
+            </p:nvSpPr>
+            <p:spPr>
+              <a:xfrm>
+                <a:off x="-1903535" y="2318197"/>
+                <a:ext cx="540000" cy="540000"/>
+              </a:xfrm>
+              <a:prstGeom prst="rect">
+                <a:avLst/>
+              </a:prstGeom>
+              <a:noFill/>
+            </p:spPr>
+            <p:style>
+              <a:lnRef idx="2">
+                <a:schemeClr val="accent1">
+                  <a:shade val="50000"/>
+                </a:schemeClr>
+              </a:lnRef>
+              <a:fillRef idx="1">
+                <a:schemeClr val="accent1"/>
+              </a:fillRef>
+              <a:effectRef idx="0">
+                <a:schemeClr val="accent1"/>
+              </a:effectRef>
+              <a:fontRef idx="minor">
+                <a:schemeClr val="lt1"/>
+              </a:fontRef>
+            </p:style>
+            <p:txBody>
+              <a:bodyPr rtlCol="0" anchor="ctr"/>
+              <a:lstStyle/>
+              <a:p>
+                <a:pPr algn="ctr"/>
+                <a:endParaRPr lang="zh-TW" altLang="en-US"/>
+              </a:p>
+            </p:txBody>
+          </p:sp>
+          <p:cxnSp>
+            <p:nvCxnSpPr>
+              <p:cNvPr id="39" name="直線接點 38"/>
+              <p:cNvCxnSpPr/>
+              <p:nvPr/>
+            </p:nvCxnSpPr>
+            <p:spPr>
+              <a:xfrm>
+                <a:off x="-1903535" y="2318197"/>
+                <a:ext cx="540000" cy="598365"/>
+              </a:xfrm>
+              <a:prstGeom prst="line">
+                <a:avLst/>
+              </a:prstGeom>
+            </p:spPr>
+            <p:style>
+              <a:lnRef idx="1">
+                <a:schemeClr val="accent1"/>
+              </a:lnRef>
+              <a:fillRef idx="0">
+                <a:schemeClr val="accent1"/>
+              </a:fillRef>
+              <a:effectRef idx="0">
+                <a:schemeClr val="accent1"/>
+              </a:effectRef>
+              <a:fontRef idx="minor">
+                <a:schemeClr val="tx1"/>
+              </a:fontRef>
+            </p:style>
+          </p:cxnSp>
+          <p:cxnSp>
+            <p:nvCxnSpPr>
+              <p:cNvPr id="40" name="直線接點 39"/>
+              <p:cNvCxnSpPr/>
+              <p:nvPr/>
+            </p:nvCxnSpPr>
+            <p:spPr>
+              <a:xfrm flipH="1">
+                <a:off x="-1903535" y="2318197"/>
+                <a:ext cx="540000" cy="540000"/>
+              </a:xfrm>
+              <a:prstGeom prst="line">
+                <a:avLst/>
+              </a:prstGeom>
+            </p:spPr>
+            <p:style>
+              <a:lnRef idx="1">
+                <a:schemeClr val="accent1"/>
+              </a:lnRef>
+              <a:fillRef idx="0">
+                <a:schemeClr val="accent1"/>
+              </a:fillRef>
+              <a:effectRef idx="0">
+                <a:schemeClr val="accent1"/>
+              </a:effectRef>
+              <a:fontRef idx="minor">
+                <a:schemeClr val="tx1"/>
+              </a:fontRef>
+            </p:style>
+          </p:cxnSp>
+        </p:grpSp>
+        <p:grpSp>
+          <p:nvGrpSpPr>
+            <p:cNvPr id="41" name="群組 40"/>
+            <p:cNvGrpSpPr/>
+            <p:nvPr/>
+          </p:nvGrpSpPr>
+          <p:grpSpPr>
+            <a:xfrm>
+              <a:off x="7489517" y="7823734"/>
+              <a:ext cx="540000" cy="598365"/>
+              <a:chOff x="-1903535" y="2318197"/>
+              <a:chExt cx="540000" cy="598365"/>
+            </a:xfrm>
+          </p:grpSpPr>
+          <p:sp>
+            <p:nvSpPr>
+              <p:cNvPr id="42" name="矩形 41"/>
+              <p:cNvSpPr/>
+              <p:nvPr/>
+            </p:nvSpPr>
+            <p:spPr>
+              <a:xfrm>
+                <a:off x="-1903535" y="2318197"/>
+                <a:ext cx="540000" cy="540000"/>
+              </a:xfrm>
+              <a:prstGeom prst="rect">
+                <a:avLst/>
+              </a:prstGeom>
+              <a:noFill/>
+            </p:spPr>
+            <p:style>
+              <a:lnRef idx="2">
+                <a:schemeClr val="accent1">
+                  <a:shade val="50000"/>
+                </a:schemeClr>
+              </a:lnRef>
+              <a:fillRef idx="1">
+                <a:schemeClr val="accent1"/>
+              </a:fillRef>
+              <a:effectRef idx="0">
+                <a:schemeClr val="accent1"/>
+              </a:effectRef>
+              <a:fontRef idx="minor">
+                <a:schemeClr val="lt1"/>
+              </a:fontRef>
+            </p:style>
+            <p:txBody>
+              <a:bodyPr rtlCol="0" anchor="ctr"/>
+              <a:lstStyle/>
+              <a:p>
+                <a:pPr algn="ctr"/>
+                <a:endParaRPr lang="zh-TW" altLang="en-US"/>
+              </a:p>
+            </p:txBody>
+          </p:sp>
+          <p:cxnSp>
+            <p:nvCxnSpPr>
+              <p:cNvPr id="43" name="直線接點 42"/>
+              <p:cNvCxnSpPr/>
+              <p:nvPr/>
+            </p:nvCxnSpPr>
+            <p:spPr>
+              <a:xfrm>
+                <a:off x="-1903535" y="2318197"/>
+                <a:ext cx="540000" cy="598365"/>
+              </a:xfrm>
+              <a:prstGeom prst="line">
+                <a:avLst/>
+              </a:prstGeom>
+            </p:spPr>
+            <p:style>
+              <a:lnRef idx="1">
+                <a:schemeClr val="accent1"/>
+              </a:lnRef>
+              <a:fillRef idx="0">
+                <a:schemeClr val="accent1"/>
+              </a:fillRef>
+              <a:effectRef idx="0">
+                <a:schemeClr val="accent1"/>
+              </a:effectRef>
+              <a:fontRef idx="minor">
+                <a:schemeClr val="tx1"/>
+              </a:fontRef>
+            </p:style>
+          </p:cxnSp>
+          <p:cxnSp>
+            <p:nvCxnSpPr>
+              <p:cNvPr id="44" name="直線接點 43"/>
+              <p:cNvCxnSpPr/>
+              <p:nvPr/>
+            </p:nvCxnSpPr>
+            <p:spPr>
+              <a:xfrm flipH="1">
+                <a:off x="-1903535" y="2318197"/>
+                <a:ext cx="540000" cy="540000"/>
+              </a:xfrm>
+              <a:prstGeom prst="line">
+                <a:avLst/>
+              </a:prstGeom>
+            </p:spPr>
+            <p:style>
+              <a:lnRef idx="1">
+                <a:schemeClr val="accent1"/>
+              </a:lnRef>
+              <a:fillRef idx="0">
+                <a:schemeClr val="accent1"/>
+              </a:fillRef>
+              <a:effectRef idx="0">
+                <a:schemeClr val="accent1"/>
+              </a:effectRef>
+              <a:fontRef idx="minor">
+                <a:schemeClr val="tx1"/>
+              </a:fontRef>
+            </p:style>
+          </p:cxnSp>
+        </p:grpSp>
+        <p:grpSp>
+          <p:nvGrpSpPr>
+            <p:cNvPr id="45" name="群組 44"/>
+            <p:cNvGrpSpPr/>
+            <p:nvPr/>
+          </p:nvGrpSpPr>
+          <p:grpSpPr>
+            <a:xfrm>
+              <a:off x="6749283" y="7823734"/>
+              <a:ext cx="540000" cy="598365"/>
+              <a:chOff x="-1903535" y="2318197"/>
+              <a:chExt cx="540000" cy="598365"/>
+            </a:xfrm>
+          </p:grpSpPr>
+          <p:sp>
+            <p:nvSpPr>
+              <p:cNvPr id="46" name="矩形 45"/>
+              <p:cNvSpPr/>
+              <p:nvPr/>
+            </p:nvSpPr>
+            <p:spPr>
+              <a:xfrm>
+                <a:off x="-1903535" y="2318197"/>
+                <a:ext cx="540000" cy="540000"/>
+              </a:xfrm>
+              <a:prstGeom prst="rect">
+                <a:avLst/>
+              </a:prstGeom>
+              <a:noFill/>
+            </p:spPr>
+            <p:style>
+              <a:lnRef idx="2">
+                <a:schemeClr val="accent1">
+                  <a:shade val="50000"/>
+                </a:schemeClr>
+              </a:lnRef>
+              <a:fillRef idx="1">
+                <a:schemeClr val="accent1"/>
+              </a:fillRef>
+              <a:effectRef idx="0">
+                <a:schemeClr val="accent1"/>
+              </a:effectRef>
+              <a:fontRef idx="minor">
+                <a:schemeClr val="lt1"/>
+              </a:fontRef>
+            </p:style>
+            <p:txBody>
+              <a:bodyPr rtlCol="0" anchor="ctr"/>
+              <a:lstStyle/>
+              <a:p>
+                <a:pPr algn="ctr"/>
+                <a:endParaRPr lang="zh-TW" altLang="en-US"/>
+              </a:p>
+            </p:txBody>
+          </p:sp>
+          <p:cxnSp>
+            <p:nvCxnSpPr>
+              <p:cNvPr id="47" name="直線接點 46"/>
+              <p:cNvCxnSpPr/>
+              <p:nvPr/>
+            </p:nvCxnSpPr>
+            <p:spPr>
+              <a:xfrm>
+                <a:off x="-1903535" y="2318197"/>
+                <a:ext cx="540000" cy="598365"/>
+              </a:xfrm>
+              <a:prstGeom prst="line">
+                <a:avLst/>
+              </a:prstGeom>
+            </p:spPr>
+            <p:style>
+              <a:lnRef idx="1">
+                <a:schemeClr val="accent1"/>
+              </a:lnRef>
+              <a:fillRef idx="0">
+                <a:schemeClr val="accent1"/>
+              </a:fillRef>
+              <a:effectRef idx="0">
+                <a:schemeClr val="accent1"/>
+              </a:effectRef>
+              <a:fontRef idx="minor">
+                <a:schemeClr val="tx1"/>
+              </a:fontRef>
+            </p:style>
+          </p:cxnSp>
+          <p:cxnSp>
+            <p:nvCxnSpPr>
+              <p:cNvPr id="48" name="直線接點 47"/>
+              <p:cNvCxnSpPr/>
+              <p:nvPr/>
+            </p:nvCxnSpPr>
+            <p:spPr>
+              <a:xfrm flipH="1">
+                <a:off x="-1903535" y="2318197"/>
+                <a:ext cx="540000" cy="540000"/>
+              </a:xfrm>
+              <a:prstGeom prst="line">
+                <a:avLst/>
+              </a:prstGeom>
+            </p:spPr>
+            <p:style>
+              <a:lnRef idx="1">
+                <a:schemeClr val="accent1"/>
+              </a:lnRef>
+              <a:fillRef idx="0">
+                <a:schemeClr val="accent1"/>
+              </a:fillRef>
+              <a:effectRef idx="0">
+                <a:schemeClr val="accent1"/>
+              </a:effectRef>
+              <a:fontRef idx="minor">
+                <a:schemeClr val="tx1"/>
+              </a:fontRef>
+            </p:style>
+          </p:cxnSp>
+        </p:grpSp>
+      </p:grpSp>
+      <p:sp>
+        <p:nvSpPr>
+          <p:cNvPr id="51" name="文字方塊 50"/>
+          <p:cNvSpPr txBox="1"/>
+          <p:nvPr/>
+        </p:nvSpPr>
+        <p:spPr>
+          <a:xfrm>
+            <a:off x="1624752" y="7963496"/>
+            <a:ext cx="2349983" cy="400238"/>
+          </a:xfrm>
+          <a:prstGeom prst="rect">
+            <a:avLst/>
+          </a:prstGeom>
+          <a:noFill/>
+        </p:spPr>
+        <p:txBody>
+          <a:bodyPr wrap="square" rtlCol="0">
+            <a:spAutoFit/>
+          </a:bodyPr>
+          <a:lstStyle/>
+          <a:p>
+            <a:r>
+              <a:rPr lang="en-US" altLang="zh-TW" dirty="0" smtClean="0"/>
+              <a:t>Footer</a:t>
+            </a:r>
+            <a:endParaRPr lang="zh-TW" altLang="en-US" dirty="0"/>
+          </a:p>
+        </p:txBody>
+      </p:sp>
+      <p:sp>
+        <p:nvSpPr>
           <p:cNvPr id="32" name="文字方塊 31"/>
           <p:cNvSpPr txBox="1"/>
           <p:nvPr/>
@@ -13611,6 +15238,155 @@
       </p:par>
     </p:tnLst>
   </p:timing>
+</p:sld>
+</file>
+
+<file path=ppt/slides/slide8.xml><?xml version="1.0" encoding="utf-8"?>
+<p:sld xmlns:a="http://schemas.openxmlformats.org/drawingml/2006/main" xmlns:r="http://schemas.openxmlformats.org/officeDocument/2006/relationships" xmlns:p="http://schemas.openxmlformats.org/presentationml/2006/main">
+  <p:cSld>
+    <p:spTree>
+      <p:nvGrpSpPr>
+        <p:cNvPr id="1" name=""/>
+        <p:cNvGrpSpPr/>
+        <p:nvPr/>
+      </p:nvGrpSpPr>
+      <p:grpSpPr>
+        <a:xfrm>
+          <a:off x="0" y="0"/>
+          <a:ext cx="0" cy="0"/>
+          <a:chOff x="0" y="0"/>
+          <a:chExt cx="0" cy="0"/>
+        </a:xfrm>
+      </p:grpSpPr>
+      <p:sp>
+        <p:nvSpPr>
+          <p:cNvPr id="13" name="標題 12"/>
+          <p:cNvSpPr>
+            <a:spLocks noGrp="1"/>
+          </p:cNvSpPr>
+          <p:nvPr>
+            <p:ph type="title"/>
+          </p:nvPr>
+        </p:nvSpPr>
+        <p:spPr/>
+        <p:txBody>
+          <a:bodyPr/>
+          <a:lstStyle/>
+          <a:p>
+            <a:endParaRPr lang="zh-TW" altLang="en-US"/>
+          </a:p>
+        </p:txBody>
+      </p:sp>
+      <p:sp>
+        <p:nvSpPr>
+          <p:cNvPr id="14" name="內容版面配置區 13"/>
+          <p:cNvSpPr>
+            <a:spLocks noGrp="1"/>
+          </p:cNvSpPr>
+          <p:nvPr>
+            <p:ph sz="half" idx="1"/>
+          </p:nvPr>
+        </p:nvSpPr>
+        <p:spPr/>
+        <p:txBody>
+          <a:bodyPr/>
+          <a:lstStyle/>
+          <a:p>
+            <a:r>
+              <a:rPr lang="zh-TW" altLang="en-US" dirty="0"/>
+              <a:t>使用技術為</a:t>
+            </a:r>
+            <a:r>
+              <a:rPr lang="en-US" altLang="zh-TW" dirty="0" err="1"/>
+              <a:t>html+css+bootstrap</a:t>
+            </a:r>
+            <a:endParaRPr lang="en-US" altLang="zh-TW" dirty="0" smtClean="0"/>
+          </a:p>
+          <a:p>
+            <a:r>
+              <a:rPr lang="en-US" altLang="zh-TW" dirty="0" err="1" smtClean="0"/>
+              <a:t>Nav</a:t>
+            </a:r>
+            <a:r>
+              <a:rPr lang="zh-TW" altLang="en-US" dirty="0" smtClean="0"/>
+              <a:t>背景顏色使用</a:t>
+            </a:r>
+            <a:r>
+              <a:rPr lang="en-US" altLang="zh-TW" dirty="0"/>
+              <a:t>#</a:t>
+            </a:r>
+            <a:r>
+              <a:rPr lang="en-US" altLang="zh-TW" dirty="0" smtClean="0"/>
+              <a:t>FFA042</a:t>
+            </a:r>
+          </a:p>
+          <a:p>
+            <a:r>
+              <a:rPr lang="en-US" altLang="zh-TW" dirty="0" err="1" smtClean="0"/>
+              <a:t>Nav</a:t>
+            </a:r>
+            <a:r>
+              <a:rPr lang="zh-TW" altLang="en-US" dirty="0" smtClean="0"/>
+              <a:t>按鈕使用</a:t>
+            </a:r>
+            <a:r>
+              <a:rPr lang="en-US" altLang="zh-TW" dirty="0" smtClean="0"/>
+              <a:t>bootstrap</a:t>
+            </a:r>
+            <a:r>
+              <a:rPr lang="zh-TW" altLang="en-US" dirty="0" smtClean="0"/>
+              <a:t>的</a:t>
+            </a:r>
+            <a:r>
+              <a:rPr lang="en-US" altLang="zh-TW" dirty="0" smtClean="0"/>
+              <a:t>button</a:t>
+            </a:r>
+          </a:p>
+          <a:p>
+            <a:endParaRPr lang="en-US" altLang="zh-TW" dirty="0" smtClean="0"/>
+          </a:p>
+          <a:p>
+            <a:r>
+              <a:rPr lang="en-US" altLang="zh-TW" dirty="0" smtClean="0"/>
+              <a:t>Footer</a:t>
+            </a:r>
+            <a:r>
+              <a:rPr lang="zh-TW" altLang="en-US" dirty="0" smtClean="0"/>
+              <a:t>背景顏色使用灰色</a:t>
+            </a:r>
+            <a:endParaRPr lang="zh-TW" altLang="en-US" dirty="0"/>
+          </a:p>
+        </p:txBody>
+      </p:sp>
+      <p:sp>
+        <p:nvSpPr>
+          <p:cNvPr id="15" name="內容版面配置區 14"/>
+          <p:cNvSpPr>
+            <a:spLocks noGrp="1"/>
+          </p:cNvSpPr>
+          <p:nvPr>
+            <p:ph sz="half" idx="2"/>
+          </p:nvPr>
+        </p:nvSpPr>
+        <p:spPr/>
+        <p:txBody>
+          <a:bodyPr/>
+          <a:lstStyle/>
+          <a:p>
+            <a:endParaRPr lang="zh-TW" altLang="en-US"/>
+          </a:p>
+        </p:txBody>
+      </p:sp>
+    </p:spTree>
+    <p:extLst>
+      <p:ext uri="{BB962C8B-B14F-4D97-AF65-F5344CB8AC3E}">
+        <p14:creationId xmlns:p14="http://schemas.microsoft.com/office/powerpoint/2010/main" val="598637958"/>
+      </p:ext>
+    </p:extLst>
+  </p:cSld>
+  <p:clrMapOvr>
+    <a:masterClrMapping/>
+  </p:clrMapOvr>
 </p:sld>
 </file>
 
@@ -13869,7 +15645,7 @@
   <a:extraClrSchemeLst/>
   <a:extLst>
     <a:ext uri="{05A4C25C-085E-4340-85A3-A5531E510DB2}">
-      <thm15:themeFamily xmlns="" xmlns:thm15="http://schemas.microsoft.com/office/thememl/2012/main" name="Office Theme" id="{62F939B6-93AF-4DB8-9C6B-D6C7DFDC589F}" vid="{4A3C46E8-61CC-4603-A589-7422A47A8E4A}"/>
+      <thm15:themeFamily xmlns:thm15="http://schemas.microsoft.com/office/thememl/2012/main" xmlns="" name="Office Theme" id="{62F939B6-93AF-4DB8-9C6B-D6C7DFDC589F}" vid="{4A3C46E8-61CC-4603-A589-7422A47A8E4A}"/>
     </a:ext>
   </a:extLst>
 </a:theme>

--- a/線框圖/框線圖_考古題+技能樹.pptx
+++ b/線框圖/框線圖_考古題+技能樹.pptx
@@ -10,9 +10,14 @@
     <p:sldId id="260" r:id="rId4"/>
     <p:sldId id="264" r:id="rId5"/>
     <p:sldId id="262" r:id="rId6"/>
-    <p:sldId id="261" r:id="rId7"/>
-    <p:sldId id="263" r:id="rId8"/>
-    <p:sldId id="265" r:id="rId9"/>
+    <p:sldId id="267" r:id="rId7"/>
+    <p:sldId id="261" r:id="rId8"/>
+    <p:sldId id="263" r:id="rId9"/>
+    <p:sldId id="266" r:id="rId10"/>
+    <p:sldId id="268" r:id="rId11"/>
+    <p:sldId id="269" r:id="rId12"/>
+    <p:sldId id="270" r:id="rId13"/>
+    <p:sldId id="265" r:id="rId14"/>
   </p:sldIdLst>
   <p:sldSz cx="11366500" cy="8640763"/>
   <p:notesSz cx="6858000" cy="9144000"/>
@@ -113,7 +118,7 @@
   </p:defaultTextStyle>
   <p:extLst>
     <p:ext uri="{EFAFB233-063F-42B5-8137-9DF3F51BA10A}">
-      <p15:sldGuideLst xmlns:p15="http://schemas.microsoft.com/office/powerpoint/2012/main" xmlns=""/>
+      <p15:sldGuideLst xmlns="" xmlns:p15="http://schemas.microsoft.com/office/powerpoint/2012/main"/>
     </p:ext>
   </p:extLst>
 </p:presentation>
@@ -3745,6 +3750,640 @@
       </p:par>
     </p:tnLst>
   </p:timing>
+</p:sld>
+</file>
+
+<file path=ppt/slides/slide10.xml><?xml version="1.0" encoding="utf-8"?>
+<p:sld xmlns:a="http://schemas.openxmlformats.org/drawingml/2006/main" xmlns:r="http://schemas.openxmlformats.org/officeDocument/2006/relationships" xmlns:p="http://schemas.openxmlformats.org/presentationml/2006/main">
+  <p:cSld>
+    <p:spTree>
+      <p:nvGrpSpPr>
+        <p:cNvPr id="1" name=""/>
+        <p:cNvGrpSpPr/>
+        <p:nvPr/>
+      </p:nvGrpSpPr>
+      <p:grpSpPr>
+        <a:xfrm>
+          <a:off x="0" y="0"/>
+          <a:ext cx="0" cy="0"/>
+          <a:chOff x="0" y="0"/>
+          <a:chExt cx="0" cy="0"/>
+        </a:xfrm>
+      </p:grpSpPr>
+      <p:sp>
+        <p:nvSpPr>
+          <p:cNvPr id="7" name="標題 6"/>
+          <p:cNvSpPr>
+            <a:spLocks noGrp="1"/>
+          </p:cNvSpPr>
+          <p:nvPr>
+            <p:ph type="title"/>
+          </p:nvPr>
+        </p:nvSpPr>
+        <p:spPr/>
+        <p:txBody>
+          <a:bodyPr/>
+          <a:lstStyle/>
+          <a:p>
+            <a:r>
+              <a:rPr lang="zh-TW" altLang="en-US" dirty="0" smtClean="0"/>
+              <a:t>設計概念</a:t>
+            </a:r>
+            <a:endParaRPr lang="zh-TW" altLang="en-US" dirty="0"/>
+          </a:p>
+        </p:txBody>
+      </p:sp>
+      <p:sp>
+        <p:nvSpPr>
+          <p:cNvPr id="8" name="內容版面配置區 7"/>
+          <p:cNvSpPr>
+            <a:spLocks noGrp="1"/>
+          </p:cNvSpPr>
+          <p:nvPr>
+            <p:ph idx="1"/>
+          </p:nvPr>
+        </p:nvSpPr>
+        <p:spPr/>
+        <p:txBody>
+          <a:bodyPr>
+            <a:normAutofit fontScale="92500" lnSpcReduction="20000"/>
+          </a:bodyPr>
+          <a:lstStyle/>
+          <a:p>
+            <a:r>
+              <a:rPr lang="zh-TW" altLang="en-US" dirty="0">
+                <a:latin typeface="標楷體" pitchFamily="65" charset="-120"/>
+                <a:ea typeface="標楷體" pitchFamily="65" charset="-120"/>
+              </a:rPr>
+              <a:t>這次其中專題需要選擇生活中的問題進行解決，而我們互相討論之後覺得資工系的網站還有得擴充，所以就以這方面進行專題，我們想補充的主要有三個部分：</a:t>
+            </a:r>
+            <a:endParaRPr lang="zh-TW" altLang="en-US" dirty="0">
+              <a:latin typeface="標楷體" pitchFamily="65" charset="-120"/>
+              <a:ea typeface="標楷體" pitchFamily="65" charset="-120"/>
+            </a:endParaRPr>
+          </a:p>
+          <a:p>
+            <a:r>
+              <a:rPr lang="zh-TW" altLang="en-US" dirty="0">
+                <a:latin typeface="標楷體" pitchFamily="65" charset="-120"/>
+                <a:ea typeface="標楷體" pitchFamily="65" charset="-120"/>
+              </a:rPr>
+              <a:t>第一部分是考古題，資工系有許多經典的科目會進行考試，而擁有考古題的人代表著掌握了先機，掌握先機的人往往能更好的準備與考到更好的成績，但也有些人苦於沒有得到學長姊的傳承</a:t>
+            </a:r>
+            <a:r>
+              <a:rPr lang="en-US" altLang="zh-TW" dirty="0">
+                <a:latin typeface="標楷體" pitchFamily="65" charset="-120"/>
+                <a:ea typeface="標楷體" pitchFamily="65" charset="-120"/>
+              </a:rPr>
+              <a:t>(</a:t>
+            </a:r>
+            <a:r>
+              <a:rPr lang="zh-TW" altLang="en-US" dirty="0">
+                <a:latin typeface="標楷體" pitchFamily="65" charset="-120"/>
+                <a:ea typeface="標楷體" pitchFamily="65" charset="-120"/>
+              </a:rPr>
+              <a:t>像是中途轉進來的學生</a:t>
+            </a:r>
+            <a:r>
+              <a:rPr lang="en-US" altLang="zh-TW" dirty="0">
+                <a:latin typeface="標楷體" pitchFamily="65" charset="-120"/>
+                <a:ea typeface="標楷體" pitchFamily="65" charset="-120"/>
+              </a:rPr>
+              <a:t>)</a:t>
+            </a:r>
+            <a:r>
+              <a:rPr lang="zh-TW" altLang="en-US" dirty="0">
+                <a:latin typeface="標楷體" pitchFamily="65" charset="-120"/>
+                <a:ea typeface="標楷體" pitchFamily="65" charset="-120"/>
+              </a:rPr>
+              <a:t>，所以就在此設一個頁面分享。</a:t>
+            </a:r>
+            <a:endParaRPr lang="zh-TW" altLang="en-US" dirty="0">
+              <a:latin typeface="標楷體" pitchFamily="65" charset="-120"/>
+              <a:ea typeface="標楷體" pitchFamily="65" charset="-120"/>
+            </a:endParaRPr>
+          </a:p>
+          <a:p>
+            <a:r>
+              <a:rPr lang="zh-TW" altLang="en-US" dirty="0">
+                <a:latin typeface="標楷體" pitchFamily="65" charset="-120"/>
+                <a:ea typeface="標楷體" pitchFamily="65" charset="-120"/>
+              </a:rPr>
+              <a:t>第二部分是課程的技能樹，有些學校課程的排序不盡人意，有些需要很多基礎的課程排在大二，而大三上些基礎的課程，所以我們想在此以自身的經驗排一下學校課程的技能樹，讓學弟妹們能夠知道，某些課程需要具備那些基礎能力才能更有助於學到東西。</a:t>
+            </a:r>
+            <a:endParaRPr lang="zh-TW" altLang="en-US" dirty="0">
+              <a:latin typeface="標楷體" pitchFamily="65" charset="-120"/>
+              <a:ea typeface="標楷體" pitchFamily="65" charset="-120"/>
+            </a:endParaRPr>
+          </a:p>
+          <a:p>
+            <a:r>
+              <a:rPr lang="zh-TW" altLang="en-US" dirty="0">
+                <a:latin typeface="標楷體" pitchFamily="65" charset="-120"/>
+                <a:ea typeface="標楷體" pitchFamily="65" charset="-120"/>
+              </a:rPr>
+              <a:t>第三部分是課外的技能樹，學校不可能什麼都教，而對於學資工的人而言，需要用的東西往往都是學校沒教的，因此我們想以目前所了解的一些課外知識排個技能樹出來，並且附上那些技能的學習網站，讓有志學習的人能夠有清楚的路走。</a:t>
+            </a:r>
+            <a:endParaRPr lang="zh-TW" altLang="en-US" dirty="0">
+              <a:latin typeface="標楷體" pitchFamily="65" charset="-120"/>
+              <a:ea typeface="標楷體" pitchFamily="65" charset="-120"/>
+            </a:endParaRPr>
+          </a:p>
+          <a:p>
+            <a:r>
+              <a:rPr lang="zh-TW" altLang="en-US" dirty="0"/>
+              <a:t/>
+            </a:r>
+            <a:br>
+              <a:rPr lang="zh-TW" altLang="en-US" dirty="0"/>
+            </a:br>
+            <a:endParaRPr lang="zh-TW" altLang="en-US" dirty="0"/>
+          </a:p>
+        </p:txBody>
+      </p:sp>
+    </p:spTree>
+    <p:extLst>
+      <p:ext uri="{BB962C8B-B14F-4D97-AF65-F5344CB8AC3E}">
+        <p14:creationId xmlns:p14="http://schemas.microsoft.com/office/powerpoint/2010/main" val="3120312669"/>
+      </p:ext>
+    </p:extLst>
+  </p:cSld>
+  <p:clrMapOvr>
+    <a:masterClrMapping/>
+  </p:clrMapOvr>
+</p:sld>
+</file>
+
+<file path=ppt/slides/slide11.xml><?xml version="1.0" encoding="utf-8"?>
+<p:sld xmlns:a="http://schemas.openxmlformats.org/drawingml/2006/main" xmlns:r="http://schemas.openxmlformats.org/officeDocument/2006/relationships" xmlns:p="http://schemas.openxmlformats.org/presentationml/2006/main">
+  <p:cSld>
+    <p:spTree>
+      <p:nvGrpSpPr>
+        <p:cNvPr id="1" name=""/>
+        <p:cNvGrpSpPr/>
+        <p:nvPr/>
+      </p:nvGrpSpPr>
+      <p:grpSpPr>
+        <a:xfrm>
+          <a:off x="0" y="0"/>
+          <a:ext cx="0" cy="0"/>
+          <a:chOff x="0" y="0"/>
+          <a:chExt cx="0" cy="0"/>
+        </a:xfrm>
+      </p:grpSpPr>
+      <p:sp>
+        <p:nvSpPr>
+          <p:cNvPr id="2" name="標題 1"/>
+          <p:cNvSpPr>
+            <a:spLocks noGrp="1"/>
+          </p:cNvSpPr>
+          <p:nvPr>
+            <p:ph type="title"/>
+          </p:nvPr>
+        </p:nvSpPr>
+        <p:spPr/>
+        <p:txBody>
+          <a:bodyPr/>
+          <a:lstStyle/>
+          <a:p>
+            <a:r>
+              <a:rPr lang="zh-TW" altLang="en-US" dirty="0" smtClean="0"/>
+              <a:t>主體架構</a:t>
+            </a:r>
+            <a:endParaRPr lang="zh-TW" altLang="en-US" dirty="0"/>
+          </a:p>
+        </p:txBody>
+      </p:sp>
+      <p:sp>
+        <p:nvSpPr>
+          <p:cNvPr id="3" name="內容版面配置區 2"/>
+          <p:cNvSpPr>
+            <a:spLocks noGrp="1"/>
+          </p:cNvSpPr>
+          <p:nvPr>
+            <p:ph idx="1"/>
+          </p:nvPr>
+        </p:nvSpPr>
+        <p:spPr/>
+        <p:txBody>
+          <a:bodyPr/>
+          <a:lstStyle/>
+          <a:p>
+            <a:r>
+              <a:rPr lang="zh-TW" altLang="en-US" dirty="0"/>
+              <a:t>主要分三層式架構，上層為</a:t>
+            </a:r>
+            <a:r>
+              <a:rPr lang="en-US" altLang="zh-TW" dirty="0" err="1"/>
+              <a:t>navbar</a:t>
+            </a:r>
+            <a:r>
+              <a:rPr lang="zh-TW" altLang="en-US" dirty="0"/>
+              <a:t>，中間為內容，下層為</a:t>
+            </a:r>
+            <a:r>
+              <a:rPr lang="en-US" altLang="zh-TW" dirty="0"/>
+              <a:t>footer</a:t>
+            </a:r>
+            <a:r>
+              <a:rPr lang="zh-TW" altLang="en-US" dirty="0"/>
+              <a:t>。</a:t>
+            </a:r>
+            <a:endParaRPr lang="zh-TW" altLang="en-US" dirty="0"/>
+          </a:p>
+          <a:p>
+            <a:r>
+              <a:rPr lang="en-US" altLang="zh-TW" dirty="0" err="1"/>
+              <a:t>navbar</a:t>
+            </a:r>
+            <a:r>
+              <a:rPr lang="zh-TW" altLang="en-US" dirty="0"/>
+              <a:t>是主選單，能夠選擇進入</a:t>
+            </a:r>
+            <a:r>
+              <a:rPr lang="en-US" altLang="zh-TW" dirty="0"/>
+              <a:t>5</a:t>
+            </a:r>
+            <a:r>
+              <a:rPr lang="zh-TW" altLang="en-US" dirty="0"/>
+              <a:t>個主功能頁面，分別是</a:t>
+            </a:r>
+            <a:r>
+              <a:rPr lang="en-US" altLang="zh-TW" dirty="0"/>
+              <a:t>1.</a:t>
+            </a:r>
+            <a:r>
+              <a:rPr lang="zh-TW" altLang="en-US" dirty="0"/>
+              <a:t>考古題、</a:t>
+            </a:r>
+            <a:r>
+              <a:rPr lang="en-US" altLang="zh-TW" dirty="0"/>
+              <a:t>2.</a:t>
+            </a:r>
+            <a:r>
+              <a:rPr lang="zh-TW" altLang="en-US" dirty="0"/>
+              <a:t>課程技能樹、</a:t>
+            </a:r>
+            <a:r>
+              <a:rPr lang="en-US" altLang="zh-TW" dirty="0"/>
+              <a:t>3.</a:t>
+            </a:r>
+            <a:r>
+              <a:rPr lang="zh-TW" altLang="en-US" dirty="0"/>
+              <a:t>課外技能樹、</a:t>
+            </a:r>
+            <a:r>
+              <a:rPr lang="en-US" altLang="zh-TW" dirty="0"/>
+              <a:t>4.Free time</a:t>
+            </a:r>
+            <a:r>
+              <a:rPr lang="zh-TW" altLang="en-US" dirty="0"/>
+              <a:t>、</a:t>
+            </a:r>
+            <a:r>
+              <a:rPr lang="en-US" altLang="zh-TW" dirty="0"/>
+              <a:t>5.About</a:t>
+            </a:r>
+            <a:r>
+              <a:rPr lang="zh-TW" altLang="en-US" dirty="0"/>
+              <a:t>。這五個頁面各有不同的內容。</a:t>
+            </a:r>
+            <a:endParaRPr lang="zh-TW" altLang="en-US" dirty="0"/>
+          </a:p>
+          <a:p>
+            <a:r>
+              <a:rPr lang="en-US" altLang="zh-TW" dirty="0"/>
+              <a:t>footer</a:t>
+            </a:r>
+            <a:r>
+              <a:rPr lang="zh-TW" altLang="en-US" dirty="0"/>
+              <a:t>作為網頁的補充說明，有三個分享的</a:t>
+            </a:r>
+            <a:r>
+              <a:rPr lang="en-US" altLang="zh-TW" dirty="0"/>
+              <a:t>icon</a:t>
+            </a:r>
+            <a:r>
+              <a:rPr lang="zh-TW" altLang="en-US" dirty="0"/>
+              <a:t>。</a:t>
+            </a:r>
+            <a:endParaRPr lang="zh-TW" altLang="en-US" dirty="0"/>
+          </a:p>
+          <a:p>
+            <a:r>
+              <a:rPr lang="zh-TW" altLang="en-US" dirty="0"/>
+              <a:t/>
+            </a:r>
+            <a:br>
+              <a:rPr lang="zh-TW" altLang="en-US" dirty="0"/>
+            </a:br>
+            <a:endParaRPr lang="zh-TW" altLang="en-US" dirty="0"/>
+          </a:p>
+        </p:txBody>
+      </p:sp>
+    </p:spTree>
+    <p:extLst>
+      <p:ext uri="{BB962C8B-B14F-4D97-AF65-F5344CB8AC3E}">
+        <p14:creationId xmlns:p14="http://schemas.microsoft.com/office/powerpoint/2010/main" val="4124736607"/>
+      </p:ext>
+    </p:extLst>
+  </p:cSld>
+  <p:clrMapOvr>
+    <a:masterClrMapping/>
+  </p:clrMapOvr>
+</p:sld>
+</file>
+
+<file path=ppt/slides/slide12.xml><?xml version="1.0" encoding="utf-8"?>
+<p:sld xmlns:a="http://schemas.openxmlformats.org/drawingml/2006/main" xmlns:r="http://schemas.openxmlformats.org/officeDocument/2006/relationships" xmlns:p="http://schemas.openxmlformats.org/presentationml/2006/main">
+  <p:cSld>
+    <p:spTree>
+      <p:nvGrpSpPr>
+        <p:cNvPr id="1" name=""/>
+        <p:cNvGrpSpPr/>
+        <p:nvPr/>
+      </p:nvGrpSpPr>
+      <p:grpSpPr>
+        <a:xfrm>
+          <a:off x="0" y="0"/>
+          <a:ext cx="0" cy="0"/>
+          <a:chOff x="0" y="0"/>
+          <a:chExt cx="0" cy="0"/>
+        </a:xfrm>
+      </p:grpSpPr>
+      <p:sp>
+        <p:nvSpPr>
+          <p:cNvPr id="2" name="標題 1"/>
+          <p:cNvSpPr>
+            <a:spLocks noGrp="1"/>
+          </p:cNvSpPr>
+          <p:nvPr>
+            <p:ph type="title"/>
+          </p:nvPr>
+        </p:nvSpPr>
+        <p:spPr/>
+        <p:txBody>
+          <a:bodyPr/>
+          <a:lstStyle/>
+          <a:p>
+            <a:r>
+              <a:rPr lang="zh-TW" altLang="en-US" dirty="0" smtClean="0"/>
+              <a:t>使用技術</a:t>
+            </a:r>
+            <a:endParaRPr lang="zh-TW" altLang="en-US" dirty="0"/>
+          </a:p>
+        </p:txBody>
+      </p:sp>
+      <p:sp>
+        <p:nvSpPr>
+          <p:cNvPr id="3" name="內容版面配置區 2"/>
+          <p:cNvSpPr>
+            <a:spLocks noGrp="1"/>
+          </p:cNvSpPr>
+          <p:nvPr>
+            <p:ph idx="1"/>
+          </p:nvPr>
+        </p:nvSpPr>
+        <p:spPr/>
+        <p:txBody>
+          <a:bodyPr/>
+          <a:lstStyle/>
+          <a:p>
+            <a:r>
+              <a:rPr lang="zh-TW" altLang="en-US" dirty="0"/>
+              <a:t>使用技術為</a:t>
+            </a:r>
+            <a:r>
+              <a:rPr lang="en-US" altLang="zh-TW" dirty="0" err="1"/>
+              <a:t>html+css+bootstrap</a:t>
+            </a:r>
+            <a:endParaRPr lang="en-US" altLang="zh-TW" dirty="0"/>
+          </a:p>
+          <a:p>
+            <a:endParaRPr lang="zh-TW" altLang="en-US" dirty="0"/>
+          </a:p>
+        </p:txBody>
+      </p:sp>
+    </p:spTree>
+    <p:extLst>
+      <p:ext uri="{BB962C8B-B14F-4D97-AF65-F5344CB8AC3E}">
+        <p14:creationId xmlns:p14="http://schemas.microsoft.com/office/powerpoint/2010/main" val="2920430264"/>
+      </p:ext>
+    </p:extLst>
+  </p:cSld>
+  <p:clrMapOvr>
+    <a:masterClrMapping/>
+  </p:clrMapOvr>
+</p:sld>
+</file>
+
+<file path=ppt/slides/slide13.xml><?xml version="1.0" encoding="utf-8"?>
+<p:sld xmlns:a="http://schemas.openxmlformats.org/drawingml/2006/main" xmlns:r="http://schemas.openxmlformats.org/officeDocument/2006/relationships" xmlns:p="http://schemas.openxmlformats.org/presentationml/2006/main">
+  <p:cSld>
+    <p:spTree>
+      <p:nvGrpSpPr>
+        <p:cNvPr id="1" name=""/>
+        <p:cNvGrpSpPr/>
+        <p:nvPr/>
+      </p:nvGrpSpPr>
+      <p:grpSpPr>
+        <a:xfrm>
+          <a:off x="0" y="0"/>
+          <a:ext cx="0" cy="0"/>
+          <a:chOff x="0" y="0"/>
+          <a:chExt cx="0" cy="0"/>
+        </a:xfrm>
+      </p:grpSpPr>
+      <p:sp>
+        <p:nvSpPr>
+          <p:cNvPr id="13" name="標題 12"/>
+          <p:cNvSpPr>
+            <a:spLocks noGrp="1"/>
+          </p:cNvSpPr>
+          <p:nvPr>
+            <p:ph type="title"/>
+          </p:nvPr>
+        </p:nvSpPr>
+        <p:spPr/>
+        <p:txBody>
+          <a:bodyPr/>
+          <a:lstStyle/>
+          <a:p>
+            <a:r>
+              <a:rPr lang="en-US" altLang="zh-TW" dirty="0" smtClean="0"/>
+              <a:t>CSS</a:t>
+            </a:r>
+            <a:r>
+              <a:rPr lang="zh-TW" altLang="en-US" dirty="0" smtClean="0"/>
+              <a:t>部分</a:t>
+            </a:r>
+            <a:endParaRPr lang="zh-TW" altLang="en-US" dirty="0"/>
+          </a:p>
+        </p:txBody>
+      </p:sp>
+      <p:sp>
+        <p:nvSpPr>
+          <p:cNvPr id="14" name="內容版面配置區 13"/>
+          <p:cNvSpPr>
+            <a:spLocks noGrp="1"/>
+          </p:cNvSpPr>
+          <p:nvPr>
+            <p:ph sz="half" idx="1"/>
+          </p:nvPr>
+        </p:nvSpPr>
+        <p:spPr/>
+        <p:txBody>
+          <a:bodyPr/>
+          <a:lstStyle/>
+          <a:p>
+            <a:r>
+              <a:rPr lang="en-US" altLang="zh-TW" dirty="0" err="1" smtClean="0"/>
+              <a:t>Nav</a:t>
+            </a:r>
+            <a:r>
+              <a:rPr lang="zh-TW" altLang="en-US" dirty="0" smtClean="0"/>
+              <a:t>背景顏色使用</a:t>
+            </a:r>
+            <a:r>
+              <a:rPr lang="en-US" altLang="zh-TW" dirty="0"/>
+              <a:t>#</a:t>
+            </a:r>
+            <a:r>
+              <a:rPr lang="en-US" altLang="zh-TW" dirty="0" smtClean="0"/>
+              <a:t>FFA042</a:t>
+            </a:r>
+          </a:p>
+          <a:p>
+            <a:r>
+              <a:rPr lang="en-US" altLang="zh-TW" smtClean="0"/>
+              <a:t>Footer</a:t>
+            </a:r>
+            <a:r>
+              <a:rPr lang="zh-TW" altLang="en-US" dirty="0" smtClean="0"/>
+              <a:t>背景顏色使用</a:t>
+            </a:r>
+            <a:r>
+              <a:rPr lang="zh-TW" altLang="en-US" dirty="0" smtClean="0"/>
+              <a:t>灰色</a:t>
+            </a:r>
+            <a:endParaRPr lang="en-US" altLang="zh-TW" dirty="0" smtClean="0"/>
+          </a:p>
+          <a:p>
+            <a:r>
+              <a:rPr lang="en-US" altLang="zh-TW" dirty="0" smtClean="0"/>
+              <a:t>Logo</a:t>
+            </a:r>
+            <a:r>
+              <a:rPr lang="zh-TW" altLang="en-US" dirty="0" smtClean="0"/>
+              <a:t>字體</a:t>
+            </a:r>
+            <a:r>
+              <a:rPr lang="en-US" altLang="zh-TW" dirty="0" smtClean="0"/>
+              <a:t>36</a:t>
+            </a:r>
+            <a:r>
+              <a:rPr lang="zh-TW" altLang="en-US" dirty="0" smtClean="0"/>
+              <a:t>，字形</a:t>
+            </a:r>
+            <a:endParaRPr lang="en-US" altLang="zh-TW" dirty="0" smtClean="0"/>
+          </a:p>
+          <a:p>
+            <a:pPr marL="0" indent="0">
+              <a:buNone/>
+            </a:pPr>
+            <a:r>
+              <a:rPr lang="zh-TW" altLang="en-US" dirty="0" smtClean="0"/>
+              <a:t>   </a:t>
+            </a:r>
+            <a:r>
+              <a:rPr lang="en-US" altLang="zh-TW" dirty="0" smtClean="0"/>
+              <a:t>Indie Flower</a:t>
+            </a:r>
+            <a:r>
+              <a:rPr lang="zh-TW" altLang="en-US" dirty="0" smtClean="0"/>
+              <a:t> </a:t>
+            </a:r>
+            <a:r>
+              <a:rPr lang="en-US" altLang="zh-TW" dirty="0" smtClean="0"/>
+              <a:t>+</a:t>
+            </a:r>
+            <a:r>
+              <a:rPr lang="zh-TW" altLang="en-US" dirty="0" smtClean="0"/>
+              <a:t> </a:t>
+            </a:r>
+            <a:r>
+              <a:rPr lang="en-US" altLang="zh-TW" dirty="0" smtClean="0"/>
+              <a:t>cursive</a:t>
+            </a:r>
+            <a:endParaRPr lang="en-US" altLang="zh-TW" dirty="0" smtClean="0"/>
+          </a:p>
+          <a:p>
+            <a:r>
+              <a:rPr lang="zh-TW" altLang="en-US" dirty="0" smtClean="0"/>
+              <a:t>中間內容</a:t>
+            </a:r>
+            <a:r>
+              <a:rPr lang="en-US" altLang="zh-TW" dirty="0" smtClean="0"/>
+              <a:t>min-height:500px</a:t>
+            </a:r>
+          </a:p>
+          <a:p>
+            <a:r>
+              <a:rPr lang="zh-TW" altLang="en-US" dirty="0" smtClean="0"/>
+              <a:t>寬度使用預設的</a:t>
+            </a:r>
+            <a:r>
+              <a:rPr lang="en-US" altLang="zh-TW" dirty="0" smtClean="0"/>
+              <a:t>1200px</a:t>
+            </a:r>
+            <a:r>
+              <a:rPr lang="zh-TW" altLang="en-US" dirty="0" smtClean="0"/>
+              <a:t>，有</a:t>
+            </a:r>
+            <a:r>
+              <a:rPr lang="en-US" altLang="zh-TW" dirty="0" smtClean="0"/>
+              <a:t>RWD</a:t>
+            </a:r>
+            <a:r>
+              <a:rPr lang="zh-TW" altLang="en-US" dirty="0" smtClean="0"/>
+              <a:t>效果但是沒有仔細校調</a:t>
+            </a:r>
+            <a:endParaRPr lang="en-US" altLang="zh-TW" dirty="0" smtClean="0"/>
+          </a:p>
+          <a:p>
+            <a:endParaRPr lang="en-US" altLang="zh-TW" dirty="0" smtClean="0"/>
+          </a:p>
+        </p:txBody>
+      </p:sp>
+      <p:sp>
+        <p:nvSpPr>
+          <p:cNvPr id="15" name="內容版面配置區 14"/>
+          <p:cNvSpPr>
+            <a:spLocks noGrp="1"/>
+          </p:cNvSpPr>
+          <p:nvPr>
+            <p:ph sz="half" idx="2"/>
+          </p:nvPr>
+        </p:nvSpPr>
+        <p:spPr/>
+        <p:txBody>
+          <a:bodyPr/>
+          <a:lstStyle/>
+          <a:p>
+            <a:endParaRPr lang="zh-TW" altLang="en-US"/>
+          </a:p>
+        </p:txBody>
+      </p:sp>
+    </p:spTree>
+    <p:extLst>
+      <p:ext uri="{BB962C8B-B14F-4D97-AF65-F5344CB8AC3E}">
+        <p14:creationId xmlns:p14="http://schemas.microsoft.com/office/powerpoint/2010/main" val="598637958"/>
+      </p:ext>
+    </p:extLst>
+  </p:cSld>
+  <p:clrMapOvr>
+    <a:masterClrMapping/>
+  </p:clrMapOvr>
 </p:sld>
 </file>
 
@@ -11011,53 +11650,6 @@
       </p:sp>
       <p:sp>
         <p:nvSpPr>
-          <p:cNvPr id="49" name="矩形 48"/>
-          <p:cNvSpPr/>
-          <p:nvPr/>
-        </p:nvSpPr>
-        <p:spPr>
-          <a:xfrm>
-            <a:off x="6537824" y="700593"/>
-            <a:ext cx="1897307" cy="824248"/>
-          </a:xfrm>
-          <a:prstGeom prst="rect">
-            <a:avLst/>
-          </a:prstGeom>
-          <a:solidFill>
-            <a:schemeClr val="accent2">
-              <a:lumMod val="40000"/>
-              <a:lumOff val="60000"/>
-              <a:alpha val="29000"/>
-            </a:schemeClr>
-          </a:solidFill>
-        </p:spPr>
-        <p:style>
-          <a:lnRef idx="2">
-            <a:schemeClr val="accent1">
-              <a:shade val="50000"/>
-            </a:schemeClr>
-          </a:lnRef>
-          <a:fillRef idx="1">
-            <a:schemeClr val="accent1"/>
-          </a:fillRef>
-          <a:effectRef idx="0">
-            <a:schemeClr val="accent1"/>
-          </a:effectRef>
-          <a:fontRef idx="minor">
-            <a:schemeClr val="lt1"/>
-          </a:fontRef>
-        </p:style>
-        <p:txBody>
-          <a:bodyPr rtlCol="0" anchor="ctr"/>
-          <a:lstStyle/>
-          <a:p>
-            <a:pPr algn="ctr"/>
-            <a:endParaRPr lang="zh-TW" altLang="en-US"/>
-          </a:p>
-        </p:txBody>
-      </p:sp>
-      <p:sp>
-        <p:nvSpPr>
           <p:cNvPr id="32" name="文字方塊 31"/>
           <p:cNvSpPr txBox="1"/>
           <p:nvPr/>
@@ -12214,7 +12806,7 @@
             <a:avLst/>
           </a:prstGeom>
           <a:solidFill>
-            <a:srgbClr val="FFA03C"/>
+            <a:srgbClr val="FFA042"/>
           </a:solidFill>
           <a:ln>
             <a:noFill/>
@@ -13148,40 +13740,366 @@
           </a:p>
         </p:txBody>
       </p:sp>
-      <p:pic>
-        <p:nvPicPr>
-          <p:cNvPr id="53" name="圖片 52"/>
-          <p:cNvPicPr>
-            <a:picLocks noChangeAspect="1"/>
-          </p:cNvPicPr>
+      <p:sp>
+        <p:nvSpPr>
+          <p:cNvPr id="32" name="文字方塊 31"/>
+          <p:cNvSpPr txBox="1"/>
           <p:nvPr/>
-        </p:nvPicPr>
-        <p:blipFill>
-          <a:blip r:embed="rId2">
-            <a:extLst>
-              <a:ext uri="{28A0092B-C50C-407E-A947-70E740481C1C}">
-                <a14:useLocalDpi xmlns:a14="http://schemas.microsoft.com/office/drawing/2010/main" val="0"/>
-              </a:ext>
-            </a:extLst>
-          </a:blip>
-          <a:stretch>
-            <a:fillRect/>
-          </a:stretch>
-        </p:blipFill>
+        </p:nvSpPr>
         <p:spPr>
           <a:xfrm>
-            <a:off x="565049" y="1953530"/>
-            <a:ext cx="7567468" cy="4399942"/>
+            <a:off x="12425942" y="2858197"/>
+            <a:ext cx="674736" cy="400238"/>
           </a:xfrm>
           <a:prstGeom prst="rect">
             <a:avLst/>
           </a:prstGeom>
+          <a:noFill/>
         </p:spPr>
-      </p:pic>
+        <p:txBody>
+          <a:bodyPr wrap="none" rtlCol="0">
+            <a:spAutoFit/>
+          </a:bodyPr>
+          <a:lstStyle/>
+          <a:p>
+            <a:r>
+              <a:rPr lang="en-US" altLang="zh-TW" dirty="0" smtClean="0"/>
+              <a:t>Root</a:t>
+            </a:r>
+            <a:endParaRPr lang="zh-TW" altLang="en-US" dirty="0"/>
+          </a:p>
+        </p:txBody>
+      </p:sp>
+      <p:sp>
+        <p:nvSpPr>
+          <p:cNvPr id="52" name="文字方塊 51"/>
+          <p:cNvSpPr txBox="1"/>
+          <p:nvPr/>
+        </p:nvSpPr>
+        <p:spPr>
+          <a:xfrm>
+            <a:off x="781478" y="1917959"/>
+            <a:ext cx="674736" cy="400238"/>
+          </a:xfrm>
+          <a:prstGeom prst="rect">
+            <a:avLst/>
+          </a:prstGeom>
+          <a:noFill/>
+        </p:spPr>
+        <p:txBody>
+          <a:bodyPr wrap="none" rtlCol="0">
+            <a:spAutoFit/>
+          </a:bodyPr>
+          <a:lstStyle/>
+          <a:p>
+            <a:r>
+              <a:rPr lang="en-US" altLang="zh-TW" dirty="0" smtClean="0"/>
+              <a:t>Root</a:t>
+            </a:r>
+            <a:endParaRPr lang="zh-TW" altLang="en-US" dirty="0"/>
+          </a:p>
+        </p:txBody>
+      </p:sp>
+      <p:sp>
+        <p:nvSpPr>
+          <p:cNvPr id="53" name="文字方塊 52"/>
+          <p:cNvSpPr txBox="1"/>
+          <p:nvPr/>
+        </p:nvSpPr>
+        <p:spPr>
+          <a:xfrm>
+            <a:off x="1624752" y="2328017"/>
+            <a:ext cx="870879" cy="400238"/>
+          </a:xfrm>
+          <a:prstGeom prst="rect">
+            <a:avLst/>
+          </a:prstGeom>
+          <a:noFill/>
+        </p:spPr>
+        <p:txBody>
+          <a:bodyPr wrap="none" rtlCol="0">
+            <a:spAutoFit/>
+          </a:bodyPr>
+          <a:lstStyle/>
+          <a:p>
+            <a:r>
+              <a:rPr lang="en-US" altLang="zh-TW" dirty="0"/>
+              <a:t>L</a:t>
+            </a:r>
+            <a:r>
+              <a:rPr lang="en-US" altLang="zh-TW" dirty="0" smtClean="0"/>
+              <a:t>ayer1</a:t>
+            </a:r>
+            <a:endParaRPr lang="zh-TW" altLang="en-US" dirty="0"/>
+          </a:p>
+        </p:txBody>
+      </p:sp>
+      <p:sp>
+        <p:nvSpPr>
+          <p:cNvPr id="54" name="文字方塊 53"/>
+          <p:cNvSpPr txBox="1"/>
+          <p:nvPr/>
+        </p:nvSpPr>
+        <p:spPr>
+          <a:xfrm>
+            <a:off x="2685712" y="2680776"/>
+            <a:ext cx="2566857" cy="400238"/>
+          </a:xfrm>
+          <a:prstGeom prst="rect">
+            <a:avLst/>
+          </a:prstGeom>
+          <a:noFill/>
+        </p:spPr>
+        <p:txBody>
+          <a:bodyPr wrap="none" rtlCol="0">
+            <a:spAutoFit/>
+          </a:bodyPr>
+          <a:lstStyle/>
+          <a:p>
+            <a:r>
+              <a:rPr lang="en-US" altLang="zh-TW" dirty="0" smtClean="0"/>
+              <a:t>Layer2(</a:t>
+            </a:r>
+            <a:r>
+              <a:rPr lang="zh-TW" altLang="en-US" dirty="0" smtClean="0"/>
+              <a:t>連結教學網站</a:t>
+            </a:r>
+            <a:r>
+              <a:rPr lang="en-US" altLang="zh-TW" dirty="0" smtClean="0"/>
+              <a:t>)</a:t>
+            </a:r>
+            <a:endParaRPr lang="zh-TW" altLang="en-US" dirty="0"/>
+          </a:p>
+        </p:txBody>
+      </p:sp>
+      <p:sp>
+        <p:nvSpPr>
+          <p:cNvPr id="55" name="文字方塊 54"/>
+          <p:cNvSpPr txBox="1"/>
+          <p:nvPr/>
+        </p:nvSpPr>
+        <p:spPr>
+          <a:xfrm>
+            <a:off x="2685712" y="3087999"/>
+            <a:ext cx="2566857" cy="400238"/>
+          </a:xfrm>
+          <a:prstGeom prst="rect">
+            <a:avLst/>
+          </a:prstGeom>
+          <a:noFill/>
+        </p:spPr>
+        <p:txBody>
+          <a:bodyPr wrap="none" rtlCol="0">
+            <a:spAutoFit/>
+          </a:bodyPr>
+          <a:lstStyle/>
+          <a:p>
+            <a:r>
+              <a:rPr lang="en-US" altLang="zh-TW" dirty="0"/>
+              <a:t>Layer2(</a:t>
+            </a:r>
+            <a:r>
+              <a:rPr lang="zh-TW" altLang="en-US" dirty="0"/>
+              <a:t>連結教學網站</a:t>
+            </a:r>
+            <a:r>
+              <a:rPr lang="en-US" altLang="zh-TW" dirty="0" smtClean="0"/>
+              <a:t>)</a:t>
+            </a:r>
+            <a:endParaRPr lang="zh-TW" altLang="en-US" dirty="0"/>
+          </a:p>
+        </p:txBody>
+      </p:sp>
+      <p:sp>
+        <p:nvSpPr>
+          <p:cNvPr id="57" name="文字方塊 56"/>
+          <p:cNvSpPr txBox="1"/>
+          <p:nvPr/>
+        </p:nvSpPr>
+        <p:spPr>
+          <a:xfrm>
+            <a:off x="2685712" y="3495223"/>
+            <a:ext cx="2566857" cy="400238"/>
+          </a:xfrm>
+          <a:prstGeom prst="rect">
+            <a:avLst/>
+          </a:prstGeom>
+          <a:noFill/>
+        </p:spPr>
+        <p:txBody>
+          <a:bodyPr wrap="none" rtlCol="0">
+            <a:spAutoFit/>
+          </a:bodyPr>
+          <a:lstStyle/>
+          <a:p>
+            <a:r>
+              <a:rPr lang="en-US" altLang="zh-TW" dirty="0"/>
+              <a:t>Layer2(</a:t>
+            </a:r>
+            <a:r>
+              <a:rPr lang="zh-TW" altLang="en-US" dirty="0"/>
+              <a:t>連結教學網站</a:t>
+            </a:r>
+            <a:r>
+              <a:rPr lang="en-US" altLang="zh-TW" dirty="0" smtClean="0"/>
+              <a:t>)</a:t>
+            </a:r>
+            <a:endParaRPr lang="zh-TW" altLang="en-US" dirty="0"/>
+          </a:p>
+        </p:txBody>
+      </p:sp>
+      <p:sp>
+        <p:nvSpPr>
+          <p:cNvPr id="61" name="文字方塊 60"/>
+          <p:cNvSpPr txBox="1"/>
+          <p:nvPr/>
+        </p:nvSpPr>
+        <p:spPr>
+          <a:xfrm>
+            <a:off x="1601092" y="3835110"/>
+            <a:ext cx="870879" cy="400238"/>
+          </a:xfrm>
+          <a:prstGeom prst="rect">
+            <a:avLst/>
+          </a:prstGeom>
+          <a:noFill/>
+        </p:spPr>
+        <p:txBody>
+          <a:bodyPr wrap="none" rtlCol="0">
+            <a:spAutoFit/>
+          </a:bodyPr>
+          <a:lstStyle/>
+          <a:p>
+            <a:r>
+              <a:rPr lang="en-US" altLang="zh-TW" dirty="0" smtClean="0"/>
+              <a:t>Layer1</a:t>
+            </a:r>
+            <a:endParaRPr lang="zh-TW" altLang="en-US" dirty="0"/>
+          </a:p>
+        </p:txBody>
+      </p:sp>
+      <p:sp>
+        <p:nvSpPr>
+          <p:cNvPr id="62" name="文字方塊 61"/>
+          <p:cNvSpPr txBox="1"/>
+          <p:nvPr/>
+        </p:nvSpPr>
+        <p:spPr>
+          <a:xfrm>
+            <a:off x="2662052" y="4187869"/>
+            <a:ext cx="2566857" cy="400238"/>
+          </a:xfrm>
+          <a:prstGeom prst="rect">
+            <a:avLst/>
+          </a:prstGeom>
+          <a:noFill/>
+        </p:spPr>
+        <p:txBody>
+          <a:bodyPr wrap="none" rtlCol="0">
+            <a:spAutoFit/>
+          </a:bodyPr>
+          <a:lstStyle/>
+          <a:p>
+            <a:r>
+              <a:rPr lang="en-US" altLang="zh-TW" dirty="0"/>
+              <a:t>Layer2(</a:t>
+            </a:r>
+            <a:r>
+              <a:rPr lang="zh-TW" altLang="en-US" dirty="0"/>
+              <a:t>連結教學網站</a:t>
+            </a:r>
+            <a:r>
+              <a:rPr lang="en-US" altLang="zh-TW" dirty="0"/>
+              <a:t>)</a:t>
+            </a:r>
+            <a:endParaRPr lang="zh-TW" altLang="en-US" dirty="0"/>
+          </a:p>
+        </p:txBody>
+      </p:sp>
+      <p:sp>
+        <p:nvSpPr>
+          <p:cNvPr id="63" name="文字方塊 62"/>
+          <p:cNvSpPr txBox="1"/>
+          <p:nvPr/>
+        </p:nvSpPr>
+        <p:spPr>
+          <a:xfrm>
+            <a:off x="2662052" y="4595092"/>
+            <a:ext cx="2566857" cy="400238"/>
+          </a:xfrm>
+          <a:prstGeom prst="rect">
+            <a:avLst/>
+          </a:prstGeom>
+          <a:noFill/>
+        </p:spPr>
+        <p:txBody>
+          <a:bodyPr wrap="none" rtlCol="0">
+            <a:spAutoFit/>
+          </a:bodyPr>
+          <a:lstStyle/>
+          <a:p>
+            <a:r>
+              <a:rPr lang="en-US" altLang="zh-TW" dirty="0"/>
+              <a:t>Layer2(</a:t>
+            </a:r>
+            <a:r>
+              <a:rPr lang="zh-TW" altLang="en-US" dirty="0"/>
+              <a:t>連結教學網站</a:t>
+            </a:r>
+            <a:r>
+              <a:rPr lang="en-US" altLang="zh-TW" dirty="0" smtClean="0"/>
+              <a:t>)</a:t>
+            </a:r>
+            <a:endParaRPr lang="zh-TW" altLang="en-US" dirty="0"/>
+          </a:p>
+        </p:txBody>
+      </p:sp>
+      <p:sp>
+        <p:nvSpPr>
+          <p:cNvPr id="64" name="文字方塊 63"/>
+          <p:cNvSpPr txBox="1"/>
+          <p:nvPr/>
+        </p:nvSpPr>
+        <p:spPr>
+          <a:xfrm>
+            <a:off x="1617188" y="5130906"/>
+            <a:ext cx="2624565" cy="400238"/>
+          </a:xfrm>
+          <a:prstGeom prst="rect">
+            <a:avLst/>
+          </a:prstGeom>
+          <a:noFill/>
+        </p:spPr>
+        <p:txBody>
+          <a:bodyPr wrap="none" rtlCol="0">
+            <a:spAutoFit/>
+          </a:bodyPr>
+          <a:lstStyle/>
+          <a:p>
+            <a:r>
+              <a:rPr lang="en-US" altLang="zh-TW" dirty="0" smtClean="0"/>
+              <a:t>Layer1</a:t>
+            </a:r>
+            <a:r>
+              <a:rPr lang="en-US" altLang="zh-TW" dirty="0"/>
+              <a:t> (</a:t>
+            </a:r>
+            <a:r>
+              <a:rPr lang="zh-TW" altLang="en-US" dirty="0"/>
+              <a:t>連結教學網站</a:t>
+            </a:r>
+            <a:r>
+              <a:rPr lang="en-US" altLang="zh-TW" dirty="0"/>
+              <a:t>)</a:t>
+            </a:r>
+            <a:endParaRPr lang="zh-TW" altLang="en-US" dirty="0"/>
+          </a:p>
+        </p:txBody>
+      </p:sp>
     </p:spTree>
     <p:extLst>
       <p:ext uri="{BB962C8B-B14F-4D97-AF65-F5344CB8AC3E}">
-        <p14:creationId xmlns:p14="http://schemas.microsoft.com/office/powerpoint/2010/main" val="1019131348"/>
+        <p14:creationId xmlns:p14="http://schemas.microsoft.com/office/powerpoint/2010/main" val="2806673815"/>
       </p:ext>
     </p:extLst>
   </p:cSld>
@@ -13980,10 +14898,7 @@
             <a:avLst/>
           </a:prstGeom>
           <a:solidFill>
-            <a:schemeClr val="tx2">
-              <a:lumMod val="20000"/>
-              <a:lumOff val="80000"/>
-            </a:schemeClr>
+            <a:srgbClr val="FFA03C"/>
           </a:solidFill>
           <a:ln>
             <a:noFill/>
@@ -14917,314 +15832,40 @@
           </a:p>
         </p:txBody>
       </p:sp>
-      <p:sp>
-        <p:nvSpPr>
-          <p:cNvPr id="32" name="文字方塊 31"/>
-          <p:cNvSpPr txBox="1"/>
+      <p:pic>
+        <p:nvPicPr>
+          <p:cNvPr id="53" name="圖片 52"/>
+          <p:cNvPicPr>
+            <a:picLocks noChangeAspect="1"/>
+          </p:cNvPicPr>
           <p:nvPr/>
-        </p:nvSpPr>
+        </p:nvPicPr>
+        <p:blipFill>
+          <a:blip r:embed="rId2">
+            <a:extLst>
+              <a:ext uri="{28A0092B-C50C-407E-A947-70E740481C1C}">
+                <a14:useLocalDpi xmlns:a14="http://schemas.microsoft.com/office/drawing/2010/main" val="0"/>
+              </a:ext>
+            </a:extLst>
+          </a:blip>
+          <a:stretch>
+            <a:fillRect/>
+          </a:stretch>
+        </p:blipFill>
         <p:spPr>
           <a:xfrm>
-            <a:off x="12425942" y="2858197"/>
-            <a:ext cx="674736" cy="400238"/>
+            <a:off x="565049" y="1953530"/>
+            <a:ext cx="7567468" cy="4399942"/>
           </a:xfrm>
           <a:prstGeom prst="rect">
             <a:avLst/>
           </a:prstGeom>
-          <a:noFill/>
         </p:spPr>
-        <p:txBody>
-          <a:bodyPr wrap="none" rtlCol="0">
-            <a:spAutoFit/>
-          </a:bodyPr>
-          <a:lstStyle/>
-          <a:p>
-            <a:r>
-              <a:rPr lang="en-US" altLang="zh-TW" dirty="0" smtClean="0"/>
-              <a:t>Root</a:t>
-            </a:r>
-            <a:endParaRPr lang="zh-TW" altLang="en-US" dirty="0"/>
-          </a:p>
-        </p:txBody>
-      </p:sp>
-      <p:sp>
-        <p:nvSpPr>
-          <p:cNvPr id="52" name="文字方塊 51"/>
-          <p:cNvSpPr txBox="1"/>
-          <p:nvPr/>
-        </p:nvSpPr>
-        <p:spPr>
-          <a:xfrm>
-            <a:off x="781478" y="1917959"/>
-            <a:ext cx="674736" cy="400238"/>
-          </a:xfrm>
-          <a:prstGeom prst="rect">
-            <a:avLst/>
-          </a:prstGeom>
-          <a:noFill/>
-        </p:spPr>
-        <p:txBody>
-          <a:bodyPr wrap="none" rtlCol="0">
-            <a:spAutoFit/>
-          </a:bodyPr>
-          <a:lstStyle/>
-          <a:p>
-            <a:r>
-              <a:rPr lang="en-US" altLang="zh-TW" dirty="0" smtClean="0"/>
-              <a:t>Root</a:t>
-            </a:r>
-            <a:endParaRPr lang="zh-TW" altLang="en-US" dirty="0"/>
-          </a:p>
-        </p:txBody>
-      </p:sp>
-      <p:sp>
-        <p:nvSpPr>
-          <p:cNvPr id="53" name="文字方塊 52"/>
-          <p:cNvSpPr txBox="1"/>
-          <p:nvPr/>
-        </p:nvSpPr>
-        <p:spPr>
-          <a:xfrm>
-            <a:off x="1624752" y="2328017"/>
-            <a:ext cx="870879" cy="400238"/>
-          </a:xfrm>
-          <a:prstGeom prst="rect">
-            <a:avLst/>
-          </a:prstGeom>
-          <a:noFill/>
-        </p:spPr>
-        <p:txBody>
-          <a:bodyPr wrap="none" rtlCol="0">
-            <a:spAutoFit/>
-          </a:bodyPr>
-          <a:lstStyle/>
-          <a:p>
-            <a:r>
-              <a:rPr lang="en-US" altLang="zh-TW" dirty="0"/>
-              <a:t>L</a:t>
-            </a:r>
-            <a:r>
-              <a:rPr lang="en-US" altLang="zh-TW" dirty="0" smtClean="0"/>
-              <a:t>ayer1</a:t>
-            </a:r>
-            <a:endParaRPr lang="zh-TW" altLang="en-US" dirty="0"/>
-          </a:p>
-        </p:txBody>
-      </p:sp>
-      <p:sp>
-        <p:nvSpPr>
-          <p:cNvPr id="54" name="文字方塊 53"/>
-          <p:cNvSpPr txBox="1"/>
-          <p:nvPr/>
-        </p:nvSpPr>
-        <p:spPr>
-          <a:xfrm>
-            <a:off x="2685711" y="2680776"/>
-            <a:ext cx="870879" cy="400238"/>
-          </a:xfrm>
-          <a:prstGeom prst="rect">
-            <a:avLst/>
-          </a:prstGeom>
-          <a:noFill/>
-        </p:spPr>
-        <p:txBody>
-          <a:bodyPr wrap="none" rtlCol="0">
-            <a:spAutoFit/>
-          </a:bodyPr>
-          <a:lstStyle/>
-          <a:p>
-            <a:r>
-              <a:rPr lang="en-US" altLang="zh-TW" dirty="0" smtClean="0"/>
-              <a:t>Layer2</a:t>
-            </a:r>
-            <a:endParaRPr lang="zh-TW" altLang="en-US" dirty="0"/>
-          </a:p>
-        </p:txBody>
-      </p:sp>
-      <p:sp>
-        <p:nvSpPr>
-          <p:cNvPr id="55" name="文字方塊 54"/>
-          <p:cNvSpPr txBox="1"/>
-          <p:nvPr/>
-        </p:nvSpPr>
-        <p:spPr>
-          <a:xfrm>
-            <a:off x="2685711" y="3087999"/>
-            <a:ext cx="870879" cy="400238"/>
-          </a:xfrm>
-          <a:prstGeom prst="rect">
-            <a:avLst/>
-          </a:prstGeom>
-          <a:noFill/>
-        </p:spPr>
-        <p:txBody>
-          <a:bodyPr wrap="none" rtlCol="0">
-            <a:spAutoFit/>
-          </a:bodyPr>
-          <a:lstStyle/>
-          <a:p>
-            <a:r>
-              <a:rPr lang="en-US" altLang="zh-TW" dirty="0" smtClean="0"/>
-              <a:t>Layer2</a:t>
-            </a:r>
-            <a:endParaRPr lang="zh-TW" altLang="en-US" dirty="0"/>
-          </a:p>
-        </p:txBody>
-      </p:sp>
-      <p:sp>
-        <p:nvSpPr>
-          <p:cNvPr id="57" name="文字方塊 56"/>
-          <p:cNvSpPr txBox="1"/>
-          <p:nvPr/>
-        </p:nvSpPr>
-        <p:spPr>
-          <a:xfrm>
-            <a:off x="2685711" y="3495223"/>
-            <a:ext cx="870879" cy="400238"/>
-          </a:xfrm>
-          <a:prstGeom prst="rect">
-            <a:avLst/>
-          </a:prstGeom>
-          <a:noFill/>
-        </p:spPr>
-        <p:txBody>
-          <a:bodyPr wrap="none" rtlCol="0">
-            <a:spAutoFit/>
-          </a:bodyPr>
-          <a:lstStyle/>
-          <a:p>
-            <a:r>
-              <a:rPr lang="en-US" altLang="zh-TW" dirty="0" smtClean="0"/>
-              <a:t>Layer2</a:t>
-            </a:r>
-            <a:endParaRPr lang="zh-TW" altLang="en-US" dirty="0"/>
-          </a:p>
-        </p:txBody>
-      </p:sp>
-      <p:sp>
-        <p:nvSpPr>
-          <p:cNvPr id="61" name="文字方塊 60"/>
-          <p:cNvSpPr txBox="1"/>
-          <p:nvPr/>
-        </p:nvSpPr>
-        <p:spPr>
-          <a:xfrm>
-            <a:off x="1601092" y="3835110"/>
-            <a:ext cx="870879" cy="400238"/>
-          </a:xfrm>
-          <a:prstGeom prst="rect">
-            <a:avLst/>
-          </a:prstGeom>
-          <a:noFill/>
-        </p:spPr>
-        <p:txBody>
-          <a:bodyPr wrap="none" rtlCol="0">
-            <a:spAutoFit/>
-          </a:bodyPr>
-          <a:lstStyle/>
-          <a:p>
-            <a:r>
-              <a:rPr lang="en-US" altLang="zh-TW" dirty="0" smtClean="0"/>
-              <a:t>Layer1</a:t>
-            </a:r>
-            <a:endParaRPr lang="zh-TW" altLang="en-US" dirty="0"/>
-          </a:p>
-        </p:txBody>
-      </p:sp>
-      <p:sp>
-        <p:nvSpPr>
-          <p:cNvPr id="62" name="文字方塊 61"/>
-          <p:cNvSpPr txBox="1"/>
-          <p:nvPr/>
-        </p:nvSpPr>
-        <p:spPr>
-          <a:xfrm>
-            <a:off x="2662052" y="4187869"/>
-            <a:ext cx="870879" cy="400238"/>
-          </a:xfrm>
-          <a:prstGeom prst="rect">
-            <a:avLst/>
-          </a:prstGeom>
-          <a:noFill/>
-        </p:spPr>
-        <p:txBody>
-          <a:bodyPr wrap="none" rtlCol="0">
-            <a:spAutoFit/>
-          </a:bodyPr>
-          <a:lstStyle/>
-          <a:p>
-            <a:r>
-              <a:rPr lang="en-US" altLang="zh-TW" dirty="0" smtClean="0"/>
-              <a:t>Layer2</a:t>
-            </a:r>
-            <a:endParaRPr lang="zh-TW" altLang="en-US" dirty="0"/>
-          </a:p>
-        </p:txBody>
-      </p:sp>
-      <p:sp>
-        <p:nvSpPr>
-          <p:cNvPr id="63" name="文字方塊 62"/>
-          <p:cNvSpPr txBox="1"/>
-          <p:nvPr/>
-        </p:nvSpPr>
-        <p:spPr>
-          <a:xfrm>
-            <a:off x="2662052" y="4595092"/>
-            <a:ext cx="870879" cy="400238"/>
-          </a:xfrm>
-          <a:prstGeom prst="rect">
-            <a:avLst/>
-          </a:prstGeom>
-          <a:noFill/>
-        </p:spPr>
-        <p:txBody>
-          <a:bodyPr wrap="none" rtlCol="0">
-            <a:spAutoFit/>
-          </a:bodyPr>
-          <a:lstStyle/>
-          <a:p>
-            <a:r>
-              <a:rPr lang="en-US" altLang="zh-TW" dirty="0" smtClean="0"/>
-              <a:t>Layer2</a:t>
-            </a:r>
-            <a:endParaRPr lang="zh-TW" altLang="en-US" dirty="0"/>
-          </a:p>
-        </p:txBody>
-      </p:sp>
-      <p:sp>
-        <p:nvSpPr>
-          <p:cNvPr id="64" name="文字方塊 63"/>
-          <p:cNvSpPr txBox="1"/>
-          <p:nvPr/>
-        </p:nvSpPr>
-        <p:spPr>
-          <a:xfrm>
-            <a:off x="1617188" y="5130906"/>
-            <a:ext cx="870879" cy="400238"/>
-          </a:xfrm>
-          <a:prstGeom prst="rect">
-            <a:avLst/>
-          </a:prstGeom>
-          <a:noFill/>
-        </p:spPr>
-        <p:txBody>
-          <a:bodyPr wrap="none" rtlCol="0">
-            <a:spAutoFit/>
-          </a:bodyPr>
-          <a:lstStyle/>
-          <a:p>
-            <a:r>
-              <a:rPr lang="en-US" altLang="zh-TW" dirty="0" smtClean="0"/>
-              <a:t>Layer1</a:t>
-            </a:r>
-            <a:endParaRPr lang="zh-TW" altLang="en-US" dirty="0"/>
-          </a:p>
-        </p:txBody>
-      </p:sp>
+      </p:pic>
     </p:spTree>
     <p:extLst>
       <p:ext uri="{BB962C8B-B14F-4D97-AF65-F5344CB8AC3E}">
-        <p14:creationId xmlns:p14="http://schemas.microsoft.com/office/powerpoint/2010/main" val="3781622151"/>
+        <p14:creationId xmlns:p14="http://schemas.microsoft.com/office/powerpoint/2010/main" val="1019131348"/>
       </p:ext>
     </p:extLst>
   </p:cSld>
@@ -15258,135 +15899,4069 @@
           <a:chExt cx="0" cy="0"/>
         </a:xfrm>
       </p:grpSpPr>
-      <p:sp>
-        <p:nvSpPr>
-          <p:cNvPr id="13" name="標題 12"/>
-          <p:cNvSpPr>
-            <a:spLocks noGrp="1"/>
-          </p:cNvSpPr>
-          <p:nvPr>
-            <p:ph type="title"/>
-          </p:nvPr>
-        </p:nvSpPr>
-        <p:spPr/>
-        <p:txBody>
-          <a:bodyPr/>
-          <a:lstStyle/>
-          <a:p>
+      <p:grpSp>
+        <p:nvGrpSpPr>
+          <p:cNvPr id="19" name="群組 18"/>
+          <p:cNvGrpSpPr/>
+          <p:nvPr/>
+        </p:nvGrpSpPr>
+        <p:grpSpPr>
+          <a:xfrm>
+            <a:off x="1" y="-5"/>
+            <a:ext cx="11363274" cy="8640768"/>
+            <a:chOff x="0" y="-5"/>
+            <a:chExt cx="9092207" cy="8640768"/>
+          </a:xfrm>
+        </p:grpSpPr>
+        <p:sp>
+          <p:nvSpPr>
+            <p:cNvPr id="4" name="矩形 3"/>
+            <p:cNvSpPr/>
+            <p:nvPr/>
+          </p:nvSpPr>
+          <p:spPr>
+            <a:xfrm>
+              <a:off x="0" y="0"/>
+              <a:ext cx="93600" cy="8640763"/>
+            </a:xfrm>
+            <a:prstGeom prst="rect">
+              <a:avLst/>
+            </a:prstGeom>
+            <a:solidFill>
+              <a:schemeClr val="accent6">
+                <a:lumMod val="40000"/>
+                <a:lumOff val="60000"/>
+              </a:schemeClr>
+            </a:solidFill>
+            <a:ln>
+              <a:noFill/>
+            </a:ln>
+          </p:spPr>
+          <p:style>
+            <a:lnRef idx="2">
+              <a:schemeClr val="accent1">
+                <a:shade val="50000"/>
+              </a:schemeClr>
+            </a:lnRef>
+            <a:fillRef idx="1">
+              <a:schemeClr val="accent1"/>
+            </a:fillRef>
+            <a:effectRef idx="0">
+              <a:schemeClr val="accent1"/>
+            </a:effectRef>
+            <a:fontRef idx="minor">
+              <a:schemeClr val="lt1"/>
+            </a:fontRef>
+          </p:style>
+          <p:txBody>
+            <a:bodyPr rtlCol="0" anchor="ctr"/>
+            <a:lstStyle/>
+            <a:p>
+              <a:pPr algn="ctr"/>
+              <a:endParaRPr lang="zh-TW" altLang="en-US"/>
+            </a:p>
+          </p:txBody>
+        </p:sp>
+        <p:sp>
+          <p:nvSpPr>
+            <p:cNvPr id="5" name="矩形 4"/>
+            <p:cNvSpPr/>
+            <p:nvPr/>
+          </p:nvSpPr>
+          <p:spPr>
+            <a:xfrm>
+              <a:off x="93600" y="-5"/>
+              <a:ext cx="565200" cy="8640763"/>
+            </a:xfrm>
+            <a:prstGeom prst="rect">
+              <a:avLst/>
+            </a:prstGeom>
+            <a:solidFill>
+              <a:schemeClr val="accent2">
+                <a:lumMod val="40000"/>
+                <a:lumOff val="60000"/>
+              </a:schemeClr>
+            </a:solidFill>
+            <a:ln>
+              <a:noFill/>
+            </a:ln>
+          </p:spPr>
+          <p:style>
+            <a:lnRef idx="2">
+              <a:schemeClr val="accent1">
+                <a:shade val="50000"/>
+              </a:schemeClr>
+            </a:lnRef>
+            <a:fillRef idx="1">
+              <a:schemeClr val="accent1"/>
+            </a:fillRef>
+            <a:effectRef idx="0">
+              <a:schemeClr val="accent1"/>
+            </a:effectRef>
+            <a:fontRef idx="minor">
+              <a:schemeClr val="lt1"/>
+            </a:fontRef>
+          </p:style>
+          <p:txBody>
+            <a:bodyPr rtlCol="0" anchor="ctr"/>
+            <a:lstStyle/>
+            <a:p>
+              <a:pPr algn="ctr"/>
+              <a:endParaRPr lang="zh-TW" altLang="en-US"/>
+            </a:p>
+          </p:txBody>
+        </p:sp>
+        <p:sp>
+          <p:nvSpPr>
+            <p:cNvPr id="6" name="矩形 5"/>
+            <p:cNvSpPr/>
+            <p:nvPr/>
+          </p:nvSpPr>
+          <p:spPr>
+            <a:xfrm>
+              <a:off x="652075" y="-1"/>
+              <a:ext cx="187200" cy="8640763"/>
+            </a:xfrm>
+            <a:prstGeom prst="rect">
+              <a:avLst/>
+            </a:prstGeom>
+            <a:solidFill>
+              <a:schemeClr val="accent1">
+                <a:lumMod val="20000"/>
+                <a:lumOff val="80000"/>
+              </a:schemeClr>
+            </a:solidFill>
+            <a:ln>
+              <a:noFill/>
+            </a:ln>
+          </p:spPr>
+          <p:style>
+            <a:lnRef idx="2">
+              <a:schemeClr val="accent1">
+                <a:shade val="50000"/>
+              </a:schemeClr>
+            </a:lnRef>
+            <a:fillRef idx="1">
+              <a:schemeClr val="accent1"/>
+            </a:fillRef>
+            <a:effectRef idx="0">
+              <a:schemeClr val="accent1"/>
+            </a:effectRef>
+            <a:fontRef idx="minor">
+              <a:schemeClr val="lt1"/>
+            </a:fontRef>
+          </p:style>
+          <p:txBody>
+            <a:bodyPr rtlCol="0" anchor="ctr"/>
+            <a:lstStyle/>
+            <a:p>
+              <a:pPr algn="ctr"/>
+              <a:endParaRPr lang="zh-TW" altLang="en-US"/>
+            </a:p>
+          </p:txBody>
+        </p:sp>
+        <p:sp>
+          <p:nvSpPr>
+            <p:cNvPr id="7" name="矩形 6"/>
+            <p:cNvSpPr/>
+            <p:nvPr/>
+          </p:nvSpPr>
+          <p:spPr>
+            <a:xfrm>
+              <a:off x="8998607" y="-2"/>
+              <a:ext cx="93600" cy="8640763"/>
+            </a:xfrm>
+            <a:prstGeom prst="rect">
+              <a:avLst/>
+            </a:prstGeom>
+            <a:solidFill>
+              <a:schemeClr val="accent6">
+                <a:lumMod val="40000"/>
+                <a:lumOff val="60000"/>
+              </a:schemeClr>
+            </a:solidFill>
+            <a:ln>
+              <a:noFill/>
+            </a:ln>
+          </p:spPr>
+          <p:style>
+            <a:lnRef idx="2">
+              <a:schemeClr val="accent1">
+                <a:shade val="50000"/>
+              </a:schemeClr>
+            </a:lnRef>
+            <a:fillRef idx="1">
+              <a:schemeClr val="accent1"/>
+            </a:fillRef>
+            <a:effectRef idx="0">
+              <a:schemeClr val="accent1"/>
+            </a:effectRef>
+            <a:fontRef idx="minor">
+              <a:schemeClr val="lt1"/>
+            </a:fontRef>
+          </p:style>
+          <p:txBody>
+            <a:bodyPr rtlCol="0" anchor="ctr"/>
+            <a:lstStyle/>
+            <a:p>
+              <a:pPr algn="ctr"/>
+              <a:endParaRPr lang="zh-TW" altLang="en-US"/>
+            </a:p>
+          </p:txBody>
+        </p:sp>
+        <p:sp>
+          <p:nvSpPr>
+            <p:cNvPr id="8" name="矩形 7"/>
+            <p:cNvSpPr/>
+            <p:nvPr/>
+          </p:nvSpPr>
+          <p:spPr>
+            <a:xfrm>
+              <a:off x="850695" y="-5"/>
+              <a:ext cx="565200" cy="8640763"/>
+            </a:xfrm>
+            <a:prstGeom prst="rect">
+              <a:avLst/>
+            </a:prstGeom>
+            <a:solidFill>
+              <a:schemeClr val="accent2">
+                <a:lumMod val="40000"/>
+                <a:lumOff val="60000"/>
+              </a:schemeClr>
+            </a:solidFill>
+            <a:ln>
+              <a:noFill/>
+            </a:ln>
+          </p:spPr>
+          <p:style>
+            <a:lnRef idx="2">
+              <a:schemeClr val="accent1">
+                <a:shade val="50000"/>
+              </a:schemeClr>
+            </a:lnRef>
+            <a:fillRef idx="1">
+              <a:schemeClr val="accent1"/>
+            </a:fillRef>
+            <a:effectRef idx="0">
+              <a:schemeClr val="accent1"/>
+            </a:effectRef>
+            <a:fontRef idx="minor">
+              <a:schemeClr val="lt1"/>
+            </a:fontRef>
+          </p:style>
+          <p:txBody>
+            <a:bodyPr rtlCol="0" anchor="ctr"/>
+            <a:lstStyle/>
+            <a:p>
+              <a:pPr algn="ctr"/>
+              <a:endParaRPr lang="zh-TW" altLang="en-US" dirty="0"/>
+            </a:p>
+          </p:txBody>
+        </p:sp>
+        <p:sp>
+          <p:nvSpPr>
+            <p:cNvPr id="9" name="矩形 8"/>
+            <p:cNvSpPr/>
+            <p:nvPr/>
+          </p:nvSpPr>
+          <p:spPr>
+            <a:xfrm>
+              <a:off x="1607790" y="-5"/>
+              <a:ext cx="565200" cy="8640763"/>
+            </a:xfrm>
+            <a:prstGeom prst="rect">
+              <a:avLst/>
+            </a:prstGeom>
+            <a:solidFill>
+              <a:schemeClr val="accent2">
+                <a:lumMod val="40000"/>
+                <a:lumOff val="60000"/>
+              </a:schemeClr>
+            </a:solidFill>
+            <a:ln>
+              <a:noFill/>
+            </a:ln>
+          </p:spPr>
+          <p:style>
+            <a:lnRef idx="2">
+              <a:schemeClr val="accent1">
+                <a:shade val="50000"/>
+              </a:schemeClr>
+            </a:lnRef>
+            <a:fillRef idx="1">
+              <a:schemeClr val="accent1"/>
+            </a:fillRef>
+            <a:effectRef idx="0">
+              <a:schemeClr val="accent1"/>
+            </a:effectRef>
+            <a:fontRef idx="minor">
+              <a:schemeClr val="lt1"/>
+            </a:fontRef>
+          </p:style>
+          <p:txBody>
+            <a:bodyPr rtlCol="0" anchor="ctr"/>
+            <a:lstStyle/>
+            <a:p>
+              <a:pPr algn="ctr"/>
+              <a:endParaRPr lang="zh-TW" altLang="en-US"/>
+            </a:p>
+          </p:txBody>
+        </p:sp>
+        <p:sp>
+          <p:nvSpPr>
+            <p:cNvPr id="10" name="矩形 9"/>
+            <p:cNvSpPr/>
+            <p:nvPr/>
+          </p:nvSpPr>
+          <p:spPr>
+            <a:xfrm>
+              <a:off x="2364885" y="-5"/>
+              <a:ext cx="565200" cy="8640763"/>
+            </a:xfrm>
+            <a:prstGeom prst="rect">
+              <a:avLst/>
+            </a:prstGeom>
+            <a:solidFill>
+              <a:schemeClr val="accent2">
+                <a:lumMod val="40000"/>
+                <a:lumOff val="60000"/>
+              </a:schemeClr>
+            </a:solidFill>
+            <a:ln>
+              <a:noFill/>
+            </a:ln>
+          </p:spPr>
+          <p:style>
+            <a:lnRef idx="2">
+              <a:schemeClr val="accent1">
+                <a:shade val="50000"/>
+              </a:schemeClr>
+            </a:lnRef>
+            <a:fillRef idx="1">
+              <a:schemeClr val="accent1"/>
+            </a:fillRef>
+            <a:effectRef idx="0">
+              <a:schemeClr val="accent1"/>
+            </a:effectRef>
+            <a:fontRef idx="minor">
+              <a:schemeClr val="lt1"/>
+            </a:fontRef>
+          </p:style>
+          <p:txBody>
+            <a:bodyPr rtlCol="0" anchor="ctr"/>
+            <a:lstStyle/>
+            <a:p>
+              <a:pPr algn="ctr"/>
+              <a:endParaRPr lang="zh-TW" altLang="en-US"/>
+            </a:p>
+          </p:txBody>
+        </p:sp>
+        <p:sp>
+          <p:nvSpPr>
+            <p:cNvPr id="11" name="矩形 10"/>
+            <p:cNvSpPr/>
+            <p:nvPr/>
+          </p:nvSpPr>
+          <p:spPr>
+            <a:xfrm>
+              <a:off x="3121980" y="-5"/>
+              <a:ext cx="565200" cy="8640763"/>
+            </a:xfrm>
+            <a:prstGeom prst="rect">
+              <a:avLst/>
+            </a:prstGeom>
+            <a:solidFill>
+              <a:schemeClr val="accent2">
+                <a:lumMod val="40000"/>
+                <a:lumOff val="60000"/>
+              </a:schemeClr>
+            </a:solidFill>
+            <a:ln>
+              <a:noFill/>
+            </a:ln>
+          </p:spPr>
+          <p:style>
+            <a:lnRef idx="2">
+              <a:schemeClr val="accent1">
+                <a:shade val="50000"/>
+              </a:schemeClr>
+            </a:lnRef>
+            <a:fillRef idx="1">
+              <a:schemeClr val="accent1"/>
+            </a:fillRef>
+            <a:effectRef idx="0">
+              <a:schemeClr val="accent1"/>
+            </a:effectRef>
+            <a:fontRef idx="minor">
+              <a:schemeClr val="lt1"/>
+            </a:fontRef>
+          </p:style>
+          <p:txBody>
+            <a:bodyPr rtlCol="0" anchor="ctr"/>
+            <a:lstStyle/>
+            <a:p>
+              <a:pPr algn="ctr"/>
+              <a:endParaRPr lang="zh-TW" altLang="en-US"/>
+            </a:p>
+          </p:txBody>
+        </p:sp>
+        <p:sp>
+          <p:nvSpPr>
+            <p:cNvPr id="12" name="矩形 11"/>
+            <p:cNvSpPr/>
+            <p:nvPr/>
+          </p:nvSpPr>
+          <p:spPr>
+            <a:xfrm>
+              <a:off x="3879075" y="-5"/>
+              <a:ext cx="565200" cy="8640763"/>
+            </a:xfrm>
+            <a:prstGeom prst="rect">
+              <a:avLst/>
+            </a:prstGeom>
+            <a:solidFill>
+              <a:schemeClr val="accent2">
+                <a:lumMod val="40000"/>
+                <a:lumOff val="60000"/>
+              </a:schemeClr>
+            </a:solidFill>
+            <a:ln>
+              <a:noFill/>
+            </a:ln>
+          </p:spPr>
+          <p:style>
+            <a:lnRef idx="2">
+              <a:schemeClr val="accent1">
+                <a:shade val="50000"/>
+              </a:schemeClr>
+            </a:lnRef>
+            <a:fillRef idx="1">
+              <a:schemeClr val="accent1"/>
+            </a:fillRef>
+            <a:effectRef idx="0">
+              <a:schemeClr val="accent1"/>
+            </a:effectRef>
+            <a:fontRef idx="minor">
+              <a:schemeClr val="lt1"/>
+            </a:fontRef>
+          </p:style>
+          <p:txBody>
+            <a:bodyPr rtlCol="0" anchor="ctr"/>
+            <a:lstStyle/>
+            <a:p>
+              <a:pPr algn="ctr"/>
+              <a:endParaRPr lang="zh-TW" altLang="en-US"/>
+            </a:p>
+          </p:txBody>
+        </p:sp>
+        <p:sp>
+          <p:nvSpPr>
+            <p:cNvPr id="13" name="矩形 12"/>
+            <p:cNvSpPr/>
+            <p:nvPr/>
+          </p:nvSpPr>
+          <p:spPr>
+            <a:xfrm>
+              <a:off x="4636170" y="-5"/>
+              <a:ext cx="565200" cy="8640763"/>
+            </a:xfrm>
+            <a:prstGeom prst="rect">
+              <a:avLst/>
+            </a:prstGeom>
+            <a:solidFill>
+              <a:schemeClr val="accent2">
+                <a:lumMod val="40000"/>
+                <a:lumOff val="60000"/>
+              </a:schemeClr>
+            </a:solidFill>
+            <a:ln>
+              <a:noFill/>
+            </a:ln>
+          </p:spPr>
+          <p:style>
+            <a:lnRef idx="2">
+              <a:schemeClr val="accent1">
+                <a:shade val="50000"/>
+              </a:schemeClr>
+            </a:lnRef>
+            <a:fillRef idx="1">
+              <a:schemeClr val="accent1"/>
+            </a:fillRef>
+            <a:effectRef idx="0">
+              <a:schemeClr val="accent1"/>
+            </a:effectRef>
+            <a:fontRef idx="minor">
+              <a:schemeClr val="lt1"/>
+            </a:fontRef>
+          </p:style>
+          <p:txBody>
+            <a:bodyPr rtlCol="0" anchor="ctr"/>
+            <a:lstStyle/>
+            <a:p>
+              <a:pPr algn="ctr"/>
+              <a:endParaRPr lang="zh-TW" altLang="en-US"/>
+            </a:p>
+          </p:txBody>
+        </p:sp>
+        <p:sp>
+          <p:nvSpPr>
+            <p:cNvPr id="14" name="矩形 13"/>
+            <p:cNvSpPr/>
+            <p:nvPr/>
+          </p:nvSpPr>
+          <p:spPr>
+            <a:xfrm>
+              <a:off x="5393265" y="-5"/>
+              <a:ext cx="565200" cy="8640763"/>
+            </a:xfrm>
+            <a:prstGeom prst="rect">
+              <a:avLst/>
+            </a:prstGeom>
+            <a:solidFill>
+              <a:schemeClr val="accent2">
+                <a:lumMod val="40000"/>
+                <a:lumOff val="60000"/>
+              </a:schemeClr>
+            </a:solidFill>
+            <a:ln>
+              <a:noFill/>
+            </a:ln>
+          </p:spPr>
+          <p:style>
+            <a:lnRef idx="2">
+              <a:schemeClr val="accent1">
+                <a:shade val="50000"/>
+              </a:schemeClr>
+            </a:lnRef>
+            <a:fillRef idx="1">
+              <a:schemeClr val="accent1"/>
+            </a:fillRef>
+            <a:effectRef idx="0">
+              <a:schemeClr val="accent1"/>
+            </a:effectRef>
+            <a:fontRef idx="minor">
+              <a:schemeClr val="lt1"/>
+            </a:fontRef>
+          </p:style>
+          <p:txBody>
+            <a:bodyPr rtlCol="0" anchor="ctr"/>
+            <a:lstStyle/>
+            <a:p>
+              <a:pPr algn="ctr"/>
+              <a:endParaRPr lang="zh-TW" altLang="en-US"/>
+            </a:p>
+          </p:txBody>
+        </p:sp>
+        <p:sp>
+          <p:nvSpPr>
+            <p:cNvPr id="15" name="矩形 14"/>
+            <p:cNvSpPr/>
+            <p:nvPr/>
+          </p:nvSpPr>
+          <p:spPr>
+            <a:xfrm>
+              <a:off x="6150360" y="-5"/>
+              <a:ext cx="565200" cy="8640763"/>
+            </a:xfrm>
+            <a:prstGeom prst="rect">
+              <a:avLst/>
+            </a:prstGeom>
+            <a:solidFill>
+              <a:schemeClr val="accent2">
+                <a:lumMod val="40000"/>
+                <a:lumOff val="60000"/>
+              </a:schemeClr>
+            </a:solidFill>
+            <a:ln>
+              <a:noFill/>
+            </a:ln>
+          </p:spPr>
+          <p:style>
+            <a:lnRef idx="2">
+              <a:schemeClr val="accent1">
+                <a:shade val="50000"/>
+              </a:schemeClr>
+            </a:lnRef>
+            <a:fillRef idx="1">
+              <a:schemeClr val="accent1"/>
+            </a:fillRef>
+            <a:effectRef idx="0">
+              <a:schemeClr val="accent1"/>
+            </a:effectRef>
+            <a:fontRef idx="minor">
+              <a:schemeClr val="lt1"/>
+            </a:fontRef>
+          </p:style>
+          <p:txBody>
+            <a:bodyPr rtlCol="0" anchor="ctr"/>
+            <a:lstStyle/>
+            <a:p>
+              <a:pPr algn="ctr"/>
+              <a:endParaRPr lang="zh-TW" altLang="en-US"/>
+            </a:p>
+          </p:txBody>
+        </p:sp>
+        <p:sp>
+          <p:nvSpPr>
+            <p:cNvPr id="16" name="矩形 15"/>
+            <p:cNvSpPr/>
+            <p:nvPr/>
+          </p:nvSpPr>
+          <p:spPr>
+            <a:xfrm>
+              <a:off x="6907455" y="-5"/>
+              <a:ext cx="565200" cy="8640763"/>
+            </a:xfrm>
+            <a:prstGeom prst="rect">
+              <a:avLst/>
+            </a:prstGeom>
+            <a:solidFill>
+              <a:schemeClr val="accent2">
+                <a:lumMod val="40000"/>
+                <a:lumOff val="60000"/>
+              </a:schemeClr>
+            </a:solidFill>
+            <a:ln>
+              <a:noFill/>
+            </a:ln>
+          </p:spPr>
+          <p:style>
+            <a:lnRef idx="2">
+              <a:schemeClr val="accent1">
+                <a:shade val="50000"/>
+              </a:schemeClr>
+            </a:lnRef>
+            <a:fillRef idx="1">
+              <a:schemeClr val="accent1"/>
+            </a:fillRef>
+            <a:effectRef idx="0">
+              <a:schemeClr val="accent1"/>
+            </a:effectRef>
+            <a:fontRef idx="minor">
+              <a:schemeClr val="lt1"/>
+            </a:fontRef>
+          </p:style>
+          <p:txBody>
+            <a:bodyPr rtlCol="0" anchor="ctr"/>
+            <a:lstStyle/>
+            <a:p>
+              <a:pPr algn="ctr"/>
+              <a:endParaRPr lang="zh-TW" altLang="en-US"/>
+            </a:p>
+          </p:txBody>
+        </p:sp>
+        <p:sp>
+          <p:nvSpPr>
+            <p:cNvPr id="17" name="矩形 16"/>
+            <p:cNvSpPr/>
+            <p:nvPr/>
+          </p:nvSpPr>
+          <p:spPr>
+            <a:xfrm>
+              <a:off x="7664550" y="-5"/>
+              <a:ext cx="565200" cy="8640763"/>
+            </a:xfrm>
+            <a:prstGeom prst="rect">
+              <a:avLst/>
+            </a:prstGeom>
+            <a:solidFill>
+              <a:schemeClr val="accent2">
+                <a:lumMod val="40000"/>
+                <a:lumOff val="60000"/>
+              </a:schemeClr>
+            </a:solidFill>
+            <a:ln>
+              <a:noFill/>
+            </a:ln>
+          </p:spPr>
+          <p:style>
+            <a:lnRef idx="2">
+              <a:schemeClr val="accent1">
+                <a:shade val="50000"/>
+              </a:schemeClr>
+            </a:lnRef>
+            <a:fillRef idx="1">
+              <a:schemeClr val="accent1"/>
+            </a:fillRef>
+            <a:effectRef idx="0">
+              <a:schemeClr val="accent1"/>
+            </a:effectRef>
+            <a:fontRef idx="minor">
+              <a:schemeClr val="lt1"/>
+            </a:fontRef>
+          </p:style>
+          <p:txBody>
+            <a:bodyPr rtlCol="0" anchor="ctr"/>
+            <a:lstStyle/>
+            <a:p>
+              <a:pPr algn="ctr"/>
+              <a:endParaRPr lang="zh-TW" altLang="en-US"/>
+            </a:p>
+          </p:txBody>
+        </p:sp>
+        <p:sp>
+          <p:nvSpPr>
+            <p:cNvPr id="18" name="矩形 17"/>
+            <p:cNvSpPr/>
+            <p:nvPr/>
+          </p:nvSpPr>
+          <p:spPr>
+            <a:xfrm>
+              <a:off x="8421649" y="-5"/>
+              <a:ext cx="565200" cy="8640763"/>
+            </a:xfrm>
+            <a:prstGeom prst="rect">
+              <a:avLst/>
+            </a:prstGeom>
+            <a:solidFill>
+              <a:schemeClr val="accent2">
+                <a:lumMod val="40000"/>
+                <a:lumOff val="60000"/>
+              </a:schemeClr>
+            </a:solidFill>
+            <a:ln>
+              <a:noFill/>
+            </a:ln>
+          </p:spPr>
+          <p:style>
+            <a:lnRef idx="2">
+              <a:schemeClr val="accent1">
+                <a:shade val="50000"/>
+              </a:schemeClr>
+            </a:lnRef>
+            <a:fillRef idx="1">
+              <a:schemeClr val="accent1"/>
+            </a:fillRef>
+            <a:effectRef idx="0">
+              <a:schemeClr val="accent1"/>
+            </a:effectRef>
+            <a:fontRef idx="minor">
+              <a:schemeClr val="lt1"/>
+            </a:fontRef>
+          </p:style>
+          <p:txBody>
+            <a:bodyPr rtlCol="0" anchor="ctr"/>
+            <a:lstStyle/>
+            <a:p>
+              <a:pPr algn="ctr"/>
+              <a:endParaRPr lang="zh-TW" altLang="en-US"/>
+            </a:p>
+          </p:txBody>
+        </p:sp>
+      </p:grpSp>
+      <p:sp>
+        <p:nvSpPr>
+          <p:cNvPr id="29" name="矩形 28"/>
+          <p:cNvSpPr/>
+          <p:nvPr/>
+        </p:nvSpPr>
+        <p:spPr>
+          <a:xfrm>
+            <a:off x="58490" y="0"/>
+            <a:ext cx="11304785" cy="1481070"/>
+          </a:xfrm>
+          <a:prstGeom prst="rect">
+            <a:avLst/>
+          </a:prstGeom>
+          <a:solidFill>
+            <a:schemeClr val="tx2">
+              <a:lumMod val="20000"/>
+              <a:lumOff val="80000"/>
+            </a:schemeClr>
+          </a:solidFill>
+          <a:ln>
+            <a:noFill/>
+          </a:ln>
+        </p:spPr>
+        <p:style>
+          <a:lnRef idx="2">
+            <a:schemeClr val="accent1">
+              <a:shade val="50000"/>
+            </a:schemeClr>
+          </a:lnRef>
+          <a:fillRef idx="1">
+            <a:schemeClr val="accent1"/>
+          </a:fillRef>
+          <a:effectRef idx="0">
+            <a:schemeClr val="accent1"/>
+          </a:effectRef>
+          <a:fontRef idx="minor">
+            <a:schemeClr val="lt1"/>
+          </a:fontRef>
+        </p:style>
+        <p:txBody>
+          <a:bodyPr rtlCol="0" anchor="ctr"/>
+          <a:lstStyle/>
+          <a:p>
+            <a:pPr algn="ctr"/>
             <a:endParaRPr lang="zh-TW" altLang="en-US"/>
           </a:p>
         </p:txBody>
       </p:sp>
       <p:sp>
         <p:nvSpPr>
-          <p:cNvPr id="14" name="內容版面配置區 13"/>
-          <p:cNvSpPr>
-            <a:spLocks noGrp="1"/>
-          </p:cNvSpPr>
-          <p:nvPr>
-            <p:ph sz="half" idx="1"/>
-          </p:nvPr>
-        </p:nvSpPr>
-        <p:spPr/>
-        <p:txBody>
-          <a:bodyPr/>
-          <a:lstStyle/>
-          <a:p>
-            <a:r>
-              <a:rPr lang="zh-TW" altLang="en-US" dirty="0"/>
-              <a:t>使用技術為</a:t>
-            </a:r>
-            <a:r>
-              <a:rPr lang="en-US" altLang="zh-TW" dirty="0" err="1"/>
-              <a:t>html+css+bootstrap</a:t>
-            </a:r>
-            <a:endParaRPr lang="en-US" altLang="zh-TW" dirty="0" smtClean="0"/>
-          </a:p>
-          <a:p>
-            <a:r>
-              <a:rPr lang="en-US" altLang="zh-TW" dirty="0" err="1" smtClean="0"/>
-              <a:t>Nav</a:t>
-            </a:r>
+          <p:cNvPr id="2" name="文字方塊 1"/>
+          <p:cNvSpPr txBox="1"/>
+          <p:nvPr/>
+        </p:nvSpPr>
+        <p:spPr>
+          <a:xfrm>
+            <a:off x="233959" y="543396"/>
+            <a:ext cx="2432076" cy="769441"/>
+          </a:xfrm>
+          <a:prstGeom prst="rect">
+            <a:avLst/>
+          </a:prstGeom>
+          <a:noFill/>
+        </p:spPr>
+        <p:txBody>
+          <a:bodyPr wrap="none" rtlCol="0">
+            <a:spAutoFit/>
+          </a:bodyPr>
+          <a:lstStyle/>
+          <a:p>
+            <a:r>
+              <a:rPr lang="zh-TW" altLang="en-US" sz="4400" b="1" dirty="0" smtClean="0">
+                <a:latin typeface="Blackadder ITC" panose="04020505051007020D02" pitchFamily="82" charset="0"/>
+              </a:rPr>
+              <a:t>資</a:t>
+            </a:r>
+            <a:r>
+              <a:rPr lang="zh-TW" altLang="en-US" sz="4400" b="1" dirty="0">
+                <a:latin typeface="Blackadder ITC" panose="04020505051007020D02" pitchFamily="82" charset="0"/>
+              </a:rPr>
+              <a:t>工</a:t>
+            </a:r>
+            <a:r>
+              <a:rPr lang="en-US" altLang="zh-TW" sz="4400" b="1" dirty="0" smtClean="0">
+                <a:latin typeface="Blackadder ITC" panose="04020505051007020D02" pitchFamily="82" charset="0"/>
+              </a:rPr>
+              <a:t>plugin</a:t>
+            </a:r>
+            <a:endParaRPr lang="zh-TW" altLang="en-US" sz="4400" b="1" dirty="0">
+              <a:latin typeface="Blackadder ITC" panose="04020505051007020D02" pitchFamily="82" charset="0"/>
+            </a:endParaRPr>
+          </a:p>
+        </p:txBody>
+      </p:sp>
+      <p:sp>
+        <p:nvSpPr>
+          <p:cNvPr id="3" name="文字方塊 2"/>
+          <p:cNvSpPr txBox="1"/>
+          <p:nvPr/>
+        </p:nvSpPr>
+        <p:spPr>
+          <a:xfrm>
+            <a:off x="-4395300" y="2716443"/>
+            <a:ext cx="954107" cy="400238"/>
+          </a:xfrm>
+          <a:prstGeom prst="rect">
+            <a:avLst/>
+          </a:prstGeom>
+          <a:noFill/>
+        </p:spPr>
+        <p:txBody>
+          <a:bodyPr wrap="none" rtlCol="0">
+            <a:spAutoFit/>
+          </a:bodyPr>
+          <a:lstStyle/>
+          <a:p>
             <a:r>
               <a:rPr lang="zh-TW" altLang="en-US" dirty="0" smtClean="0"/>
-              <a:t>背景顏色使用</a:t>
-            </a:r>
-            <a:r>
-              <a:rPr lang="en-US" altLang="zh-TW" dirty="0"/>
-              <a:t>#</a:t>
-            </a:r>
+              <a:t>考古題</a:t>
+            </a:r>
+            <a:endParaRPr lang="zh-TW" altLang="en-US" dirty="0"/>
+          </a:p>
+        </p:txBody>
+      </p:sp>
+      <p:sp>
+        <p:nvSpPr>
+          <p:cNvPr id="20" name="文字方塊 19"/>
+          <p:cNvSpPr txBox="1"/>
+          <p:nvPr/>
+        </p:nvSpPr>
+        <p:spPr>
+          <a:xfrm>
+            <a:off x="9974138" y="912598"/>
+            <a:ext cx="824265" cy="400238"/>
+          </a:xfrm>
+          <a:prstGeom prst="rect">
+            <a:avLst/>
+          </a:prstGeom>
+          <a:noFill/>
+        </p:spPr>
+        <p:txBody>
+          <a:bodyPr wrap="none" rtlCol="0">
+            <a:spAutoFit/>
+          </a:bodyPr>
+          <a:lstStyle/>
+          <a:p>
             <a:r>
               <a:rPr lang="en-US" altLang="zh-TW" dirty="0" smtClean="0"/>
-              <a:t>FFA042</a:t>
-            </a:r>
-          </a:p>
-          <a:p>
-            <a:r>
-              <a:rPr lang="en-US" altLang="zh-TW" dirty="0" err="1" smtClean="0"/>
-              <a:t>Nav</a:t>
-            </a:r>
+              <a:t>About</a:t>
+            </a:r>
+            <a:endParaRPr lang="zh-TW" altLang="en-US" dirty="0"/>
+          </a:p>
+        </p:txBody>
+      </p:sp>
+      <p:sp>
+        <p:nvSpPr>
+          <p:cNvPr id="21" name="文字方塊 20"/>
+          <p:cNvSpPr txBox="1"/>
+          <p:nvPr/>
+        </p:nvSpPr>
+        <p:spPr>
+          <a:xfrm>
+            <a:off x="-5283829" y="6353472"/>
+            <a:ext cx="1467068" cy="400238"/>
+          </a:xfrm>
+          <a:prstGeom prst="rect">
+            <a:avLst/>
+          </a:prstGeom>
+          <a:noFill/>
+        </p:spPr>
+        <p:txBody>
+          <a:bodyPr wrap="none" rtlCol="0">
+            <a:spAutoFit/>
+          </a:bodyPr>
+          <a:lstStyle/>
+          <a:p>
             <a:r>
               <a:rPr lang="zh-TW" altLang="en-US" dirty="0" smtClean="0"/>
-              <a:t>按鈕使用</a:t>
-            </a:r>
+              <a:t>課外技能樹</a:t>
+            </a:r>
+            <a:endParaRPr lang="zh-TW" altLang="en-US" dirty="0"/>
+          </a:p>
+        </p:txBody>
+      </p:sp>
+      <p:sp>
+        <p:nvSpPr>
+          <p:cNvPr id="22" name="文字方塊 21"/>
+          <p:cNvSpPr txBox="1"/>
+          <p:nvPr/>
+        </p:nvSpPr>
+        <p:spPr>
+          <a:xfrm>
+            <a:off x="-3981996" y="7404957"/>
+            <a:ext cx="1183144" cy="400238"/>
+          </a:xfrm>
+          <a:prstGeom prst="rect">
+            <a:avLst/>
+          </a:prstGeom>
+          <a:noFill/>
+        </p:spPr>
+        <p:txBody>
+          <a:bodyPr wrap="none" rtlCol="0">
+            <a:spAutoFit/>
+          </a:bodyPr>
+          <a:lstStyle/>
+          <a:p>
             <a:r>
               <a:rPr lang="en-US" altLang="zh-TW" dirty="0" smtClean="0"/>
-              <a:t>bootstrap</a:t>
-            </a:r>
+              <a:t>Free time</a:t>
+            </a:r>
+            <a:endParaRPr lang="zh-TW" altLang="en-US" dirty="0"/>
+          </a:p>
+        </p:txBody>
+      </p:sp>
+      <p:sp>
+        <p:nvSpPr>
+          <p:cNvPr id="23" name="文字方塊 22"/>
+          <p:cNvSpPr txBox="1"/>
+          <p:nvPr/>
+        </p:nvSpPr>
+        <p:spPr>
+          <a:xfrm>
+            <a:off x="-4212518" y="3623025"/>
+            <a:ext cx="1467068" cy="400238"/>
+          </a:xfrm>
+          <a:prstGeom prst="rect">
+            <a:avLst/>
+          </a:prstGeom>
+          <a:noFill/>
+        </p:spPr>
+        <p:txBody>
+          <a:bodyPr wrap="none" rtlCol="0">
+            <a:spAutoFit/>
+          </a:bodyPr>
+          <a:lstStyle/>
+          <a:p>
             <a:r>
               <a:rPr lang="zh-TW" altLang="en-US" dirty="0" smtClean="0"/>
-              <a:t>的</a:t>
-            </a:r>
+              <a:t>課程技能樹</a:t>
+            </a:r>
+            <a:endParaRPr lang="zh-TW" altLang="en-US" dirty="0"/>
+          </a:p>
+        </p:txBody>
+      </p:sp>
+      <p:sp>
+        <p:nvSpPr>
+          <p:cNvPr id="24" name="文字方塊 23"/>
+          <p:cNvSpPr txBox="1"/>
+          <p:nvPr/>
+        </p:nvSpPr>
+        <p:spPr>
+          <a:xfrm>
+            <a:off x="3394676" y="912598"/>
+            <a:ext cx="954107" cy="400238"/>
+          </a:xfrm>
+          <a:prstGeom prst="rect">
+            <a:avLst/>
+          </a:prstGeom>
+          <a:noFill/>
+        </p:spPr>
+        <p:txBody>
+          <a:bodyPr wrap="none" rtlCol="0">
+            <a:spAutoFit/>
+          </a:bodyPr>
+          <a:lstStyle/>
+          <a:p>
+            <a:r>
+              <a:rPr lang="zh-TW" altLang="en-US" dirty="0" smtClean="0"/>
+              <a:t>考古題</a:t>
+            </a:r>
+            <a:endParaRPr lang="zh-TW" altLang="en-US" dirty="0"/>
+          </a:p>
+        </p:txBody>
+      </p:sp>
+      <p:sp>
+        <p:nvSpPr>
+          <p:cNvPr id="25" name="文字方塊 24"/>
+          <p:cNvSpPr txBox="1"/>
+          <p:nvPr/>
+        </p:nvSpPr>
+        <p:spPr>
+          <a:xfrm>
+            <a:off x="4647435" y="912598"/>
+            <a:ext cx="1467068" cy="400238"/>
+          </a:xfrm>
+          <a:prstGeom prst="rect">
+            <a:avLst/>
+          </a:prstGeom>
+          <a:noFill/>
+        </p:spPr>
+        <p:txBody>
+          <a:bodyPr wrap="none" rtlCol="0">
+            <a:spAutoFit/>
+          </a:bodyPr>
+          <a:lstStyle/>
+          <a:p>
+            <a:r>
+              <a:rPr lang="zh-TW" altLang="en-US" dirty="0" smtClean="0"/>
+              <a:t>課程技能樹</a:t>
+            </a:r>
+            <a:endParaRPr lang="zh-TW" altLang="en-US" dirty="0"/>
+          </a:p>
+        </p:txBody>
+      </p:sp>
+      <p:sp>
+        <p:nvSpPr>
+          <p:cNvPr id="26" name="文字方塊 25"/>
+          <p:cNvSpPr txBox="1"/>
+          <p:nvPr/>
+        </p:nvSpPr>
+        <p:spPr>
+          <a:xfrm>
+            <a:off x="6541283" y="912598"/>
+            <a:ext cx="1467068" cy="400238"/>
+          </a:xfrm>
+          <a:prstGeom prst="rect">
+            <a:avLst/>
+          </a:prstGeom>
+          <a:noFill/>
+        </p:spPr>
+        <p:txBody>
+          <a:bodyPr wrap="none" rtlCol="0">
+            <a:spAutoFit/>
+          </a:bodyPr>
+          <a:lstStyle/>
+          <a:p>
+            <a:r>
+              <a:rPr lang="zh-TW" altLang="en-US" dirty="0" smtClean="0"/>
+              <a:t>課外技能樹</a:t>
+            </a:r>
+            <a:endParaRPr lang="zh-TW" altLang="en-US" dirty="0"/>
+          </a:p>
+        </p:txBody>
+      </p:sp>
+      <p:sp>
+        <p:nvSpPr>
+          <p:cNvPr id="27" name="文字方塊 26"/>
+          <p:cNvSpPr txBox="1"/>
+          <p:nvPr/>
+        </p:nvSpPr>
+        <p:spPr>
+          <a:xfrm>
+            <a:off x="8435131" y="912598"/>
+            <a:ext cx="1183144" cy="400238"/>
+          </a:xfrm>
+          <a:prstGeom prst="rect">
+            <a:avLst/>
+          </a:prstGeom>
+          <a:noFill/>
+        </p:spPr>
+        <p:txBody>
+          <a:bodyPr wrap="none" rtlCol="0">
+            <a:spAutoFit/>
+          </a:bodyPr>
+          <a:lstStyle/>
+          <a:p>
             <a:r>
               <a:rPr lang="en-US" altLang="zh-TW" dirty="0" smtClean="0"/>
-              <a:t>button</a:t>
-            </a:r>
-          </a:p>
-          <a:p>
-            <a:endParaRPr lang="en-US" altLang="zh-TW" dirty="0" smtClean="0"/>
-          </a:p>
+              <a:t>Free time</a:t>
+            </a:r>
+            <a:endParaRPr lang="zh-TW" altLang="en-US" dirty="0"/>
+          </a:p>
+        </p:txBody>
+      </p:sp>
+      <p:sp>
+        <p:nvSpPr>
+          <p:cNvPr id="28" name="文字方塊 27"/>
+          <p:cNvSpPr txBox="1"/>
+          <p:nvPr/>
+        </p:nvSpPr>
+        <p:spPr>
+          <a:xfrm>
+            <a:off x="-3604380" y="4988248"/>
+            <a:ext cx="824265" cy="400238"/>
+          </a:xfrm>
+          <a:prstGeom prst="rect">
+            <a:avLst/>
+          </a:prstGeom>
+          <a:noFill/>
+        </p:spPr>
+        <p:txBody>
+          <a:bodyPr wrap="none" rtlCol="0">
+            <a:spAutoFit/>
+          </a:bodyPr>
+          <a:lstStyle/>
+          <a:p>
+            <a:r>
+              <a:rPr lang="en-US" altLang="zh-TW" dirty="0" smtClean="0"/>
+              <a:t>About</a:t>
+            </a:r>
+            <a:endParaRPr lang="zh-TW" altLang="en-US" dirty="0"/>
+          </a:p>
+        </p:txBody>
+      </p:sp>
+      <p:sp>
+        <p:nvSpPr>
+          <p:cNvPr id="30" name="矩形 29"/>
+          <p:cNvSpPr/>
+          <p:nvPr/>
+        </p:nvSpPr>
+        <p:spPr>
+          <a:xfrm>
+            <a:off x="58490" y="7605076"/>
+            <a:ext cx="11308010" cy="1035682"/>
+          </a:xfrm>
+          <a:prstGeom prst="rect">
+            <a:avLst/>
+          </a:prstGeom>
+          <a:solidFill>
+            <a:schemeClr val="bg2">
+              <a:lumMod val="75000"/>
+            </a:schemeClr>
+          </a:solidFill>
+          <a:ln>
+            <a:noFill/>
+          </a:ln>
+        </p:spPr>
+        <p:style>
+          <a:lnRef idx="2">
+            <a:schemeClr val="accent1">
+              <a:shade val="50000"/>
+            </a:schemeClr>
+          </a:lnRef>
+          <a:fillRef idx="1">
+            <a:schemeClr val="accent1"/>
+          </a:fillRef>
+          <a:effectRef idx="0">
+            <a:schemeClr val="accent1"/>
+          </a:effectRef>
+          <a:fontRef idx="minor">
+            <a:schemeClr val="lt1"/>
+          </a:fontRef>
+        </p:style>
+        <p:txBody>
+          <a:bodyPr rtlCol="0" anchor="ctr"/>
+          <a:lstStyle/>
+          <a:p>
+            <a:pPr algn="ctr"/>
+            <a:endParaRPr lang="zh-TW" altLang="en-US"/>
+          </a:p>
+        </p:txBody>
+      </p:sp>
+      <p:grpSp>
+        <p:nvGrpSpPr>
+          <p:cNvPr id="36" name="群組 35"/>
+          <p:cNvGrpSpPr/>
+          <p:nvPr/>
+        </p:nvGrpSpPr>
+        <p:grpSpPr>
+          <a:xfrm>
+            <a:off x="-2379003" y="2318198"/>
+            <a:ext cx="674882" cy="598365"/>
+            <a:chOff x="-1903535" y="2318197"/>
+            <a:chExt cx="540000" cy="598365"/>
+          </a:xfrm>
+        </p:grpSpPr>
+        <p:sp>
+          <p:nvSpPr>
+            <p:cNvPr id="31" name="矩形 30"/>
+            <p:cNvSpPr/>
+            <p:nvPr/>
+          </p:nvSpPr>
+          <p:spPr>
+            <a:xfrm>
+              <a:off x="-1903535" y="2318197"/>
+              <a:ext cx="540000" cy="540000"/>
+            </a:xfrm>
+            <a:prstGeom prst="rect">
+              <a:avLst/>
+            </a:prstGeom>
+            <a:noFill/>
+          </p:spPr>
+          <p:style>
+            <a:lnRef idx="2">
+              <a:schemeClr val="accent1">
+                <a:shade val="50000"/>
+              </a:schemeClr>
+            </a:lnRef>
+            <a:fillRef idx="1">
+              <a:schemeClr val="accent1"/>
+            </a:fillRef>
+            <a:effectRef idx="0">
+              <a:schemeClr val="accent1"/>
+            </a:effectRef>
+            <a:fontRef idx="minor">
+              <a:schemeClr val="lt1"/>
+            </a:fontRef>
+          </p:style>
+          <p:txBody>
+            <a:bodyPr rtlCol="0" anchor="ctr"/>
+            <a:lstStyle/>
+            <a:p>
+              <a:pPr algn="ctr"/>
+              <a:endParaRPr lang="zh-TW" altLang="en-US"/>
+            </a:p>
+          </p:txBody>
+        </p:sp>
+        <p:cxnSp>
+          <p:nvCxnSpPr>
+            <p:cNvPr id="33" name="直線接點 32"/>
+            <p:cNvCxnSpPr/>
+            <p:nvPr/>
+          </p:nvCxnSpPr>
+          <p:spPr>
+            <a:xfrm>
+              <a:off x="-1903535" y="2318197"/>
+              <a:ext cx="540000" cy="598365"/>
+            </a:xfrm>
+            <a:prstGeom prst="line">
+              <a:avLst/>
+            </a:prstGeom>
+          </p:spPr>
+          <p:style>
+            <a:lnRef idx="1">
+              <a:schemeClr val="accent1"/>
+            </a:lnRef>
+            <a:fillRef idx="0">
+              <a:schemeClr val="accent1"/>
+            </a:fillRef>
+            <a:effectRef idx="0">
+              <a:schemeClr val="accent1"/>
+            </a:effectRef>
+            <a:fontRef idx="minor">
+              <a:schemeClr val="tx1"/>
+            </a:fontRef>
+          </p:style>
+        </p:cxnSp>
+        <p:cxnSp>
+          <p:nvCxnSpPr>
+            <p:cNvPr id="35" name="直線接點 34"/>
+            <p:cNvCxnSpPr/>
+            <p:nvPr/>
+          </p:nvCxnSpPr>
+          <p:spPr>
+            <a:xfrm flipH="1">
+              <a:off x="-1903535" y="2318197"/>
+              <a:ext cx="540000" cy="540000"/>
+            </a:xfrm>
+            <a:prstGeom prst="line">
+              <a:avLst/>
+            </a:prstGeom>
+          </p:spPr>
+          <p:style>
+            <a:lnRef idx="1">
+              <a:schemeClr val="accent1"/>
+            </a:lnRef>
+            <a:fillRef idx="0">
+              <a:schemeClr val="accent1"/>
+            </a:fillRef>
+            <a:effectRef idx="0">
+              <a:schemeClr val="accent1"/>
+            </a:effectRef>
+            <a:fontRef idx="minor">
+              <a:schemeClr val="tx1"/>
+            </a:fontRef>
+          </p:style>
+        </p:cxnSp>
+      </p:grpSp>
+      <p:grpSp>
+        <p:nvGrpSpPr>
+          <p:cNvPr id="50" name="群組 49"/>
+          <p:cNvGrpSpPr/>
+          <p:nvPr/>
+        </p:nvGrpSpPr>
+        <p:grpSpPr>
+          <a:xfrm>
+            <a:off x="8435131" y="7823735"/>
+            <a:ext cx="2525143" cy="598365"/>
+            <a:chOff x="6749283" y="7823734"/>
+            <a:chExt cx="2020467" cy="598365"/>
+          </a:xfrm>
+        </p:grpSpPr>
+        <p:grpSp>
+          <p:nvGrpSpPr>
+            <p:cNvPr id="37" name="群組 36"/>
+            <p:cNvGrpSpPr/>
+            <p:nvPr/>
+          </p:nvGrpSpPr>
+          <p:grpSpPr>
+            <a:xfrm>
+              <a:off x="8229750" y="7823734"/>
+              <a:ext cx="540000" cy="598365"/>
+              <a:chOff x="-1903535" y="2318197"/>
+              <a:chExt cx="540000" cy="598365"/>
+            </a:xfrm>
+          </p:grpSpPr>
+          <p:sp>
+            <p:nvSpPr>
+              <p:cNvPr id="38" name="矩形 37"/>
+              <p:cNvSpPr/>
+              <p:nvPr/>
+            </p:nvSpPr>
+            <p:spPr>
+              <a:xfrm>
+                <a:off x="-1903535" y="2318197"/>
+                <a:ext cx="540000" cy="540000"/>
+              </a:xfrm>
+              <a:prstGeom prst="rect">
+                <a:avLst/>
+              </a:prstGeom>
+              <a:noFill/>
+            </p:spPr>
+            <p:style>
+              <a:lnRef idx="2">
+                <a:schemeClr val="accent1">
+                  <a:shade val="50000"/>
+                </a:schemeClr>
+              </a:lnRef>
+              <a:fillRef idx="1">
+                <a:schemeClr val="accent1"/>
+              </a:fillRef>
+              <a:effectRef idx="0">
+                <a:schemeClr val="accent1"/>
+              </a:effectRef>
+              <a:fontRef idx="minor">
+                <a:schemeClr val="lt1"/>
+              </a:fontRef>
+            </p:style>
+            <p:txBody>
+              <a:bodyPr rtlCol="0" anchor="ctr"/>
+              <a:lstStyle/>
+              <a:p>
+                <a:pPr algn="ctr"/>
+                <a:endParaRPr lang="zh-TW" altLang="en-US"/>
+              </a:p>
+            </p:txBody>
+          </p:sp>
+          <p:cxnSp>
+            <p:nvCxnSpPr>
+              <p:cNvPr id="39" name="直線接點 38"/>
+              <p:cNvCxnSpPr/>
+              <p:nvPr/>
+            </p:nvCxnSpPr>
+            <p:spPr>
+              <a:xfrm>
+                <a:off x="-1903535" y="2318197"/>
+                <a:ext cx="540000" cy="598365"/>
+              </a:xfrm>
+              <a:prstGeom prst="line">
+                <a:avLst/>
+              </a:prstGeom>
+            </p:spPr>
+            <p:style>
+              <a:lnRef idx="1">
+                <a:schemeClr val="accent1"/>
+              </a:lnRef>
+              <a:fillRef idx="0">
+                <a:schemeClr val="accent1"/>
+              </a:fillRef>
+              <a:effectRef idx="0">
+                <a:schemeClr val="accent1"/>
+              </a:effectRef>
+              <a:fontRef idx="minor">
+                <a:schemeClr val="tx1"/>
+              </a:fontRef>
+            </p:style>
+          </p:cxnSp>
+          <p:cxnSp>
+            <p:nvCxnSpPr>
+              <p:cNvPr id="40" name="直線接點 39"/>
+              <p:cNvCxnSpPr/>
+              <p:nvPr/>
+            </p:nvCxnSpPr>
+            <p:spPr>
+              <a:xfrm flipH="1">
+                <a:off x="-1903535" y="2318197"/>
+                <a:ext cx="540000" cy="540000"/>
+              </a:xfrm>
+              <a:prstGeom prst="line">
+                <a:avLst/>
+              </a:prstGeom>
+            </p:spPr>
+            <p:style>
+              <a:lnRef idx="1">
+                <a:schemeClr val="accent1"/>
+              </a:lnRef>
+              <a:fillRef idx="0">
+                <a:schemeClr val="accent1"/>
+              </a:fillRef>
+              <a:effectRef idx="0">
+                <a:schemeClr val="accent1"/>
+              </a:effectRef>
+              <a:fontRef idx="minor">
+                <a:schemeClr val="tx1"/>
+              </a:fontRef>
+            </p:style>
+          </p:cxnSp>
+        </p:grpSp>
+        <p:grpSp>
+          <p:nvGrpSpPr>
+            <p:cNvPr id="41" name="群組 40"/>
+            <p:cNvGrpSpPr/>
+            <p:nvPr/>
+          </p:nvGrpSpPr>
+          <p:grpSpPr>
+            <a:xfrm>
+              <a:off x="7489517" y="7823734"/>
+              <a:ext cx="540000" cy="598365"/>
+              <a:chOff x="-1903535" y="2318197"/>
+              <a:chExt cx="540000" cy="598365"/>
+            </a:xfrm>
+          </p:grpSpPr>
+          <p:sp>
+            <p:nvSpPr>
+              <p:cNvPr id="42" name="矩形 41"/>
+              <p:cNvSpPr/>
+              <p:nvPr/>
+            </p:nvSpPr>
+            <p:spPr>
+              <a:xfrm>
+                <a:off x="-1903535" y="2318197"/>
+                <a:ext cx="540000" cy="540000"/>
+              </a:xfrm>
+              <a:prstGeom prst="rect">
+                <a:avLst/>
+              </a:prstGeom>
+              <a:noFill/>
+            </p:spPr>
+            <p:style>
+              <a:lnRef idx="2">
+                <a:schemeClr val="accent1">
+                  <a:shade val="50000"/>
+                </a:schemeClr>
+              </a:lnRef>
+              <a:fillRef idx="1">
+                <a:schemeClr val="accent1"/>
+              </a:fillRef>
+              <a:effectRef idx="0">
+                <a:schemeClr val="accent1"/>
+              </a:effectRef>
+              <a:fontRef idx="minor">
+                <a:schemeClr val="lt1"/>
+              </a:fontRef>
+            </p:style>
+            <p:txBody>
+              <a:bodyPr rtlCol="0" anchor="ctr"/>
+              <a:lstStyle/>
+              <a:p>
+                <a:pPr algn="ctr"/>
+                <a:endParaRPr lang="zh-TW" altLang="en-US"/>
+              </a:p>
+            </p:txBody>
+          </p:sp>
+          <p:cxnSp>
+            <p:nvCxnSpPr>
+              <p:cNvPr id="43" name="直線接點 42"/>
+              <p:cNvCxnSpPr/>
+              <p:nvPr/>
+            </p:nvCxnSpPr>
+            <p:spPr>
+              <a:xfrm>
+                <a:off x="-1903535" y="2318197"/>
+                <a:ext cx="540000" cy="598365"/>
+              </a:xfrm>
+              <a:prstGeom prst="line">
+                <a:avLst/>
+              </a:prstGeom>
+            </p:spPr>
+            <p:style>
+              <a:lnRef idx="1">
+                <a:schemeClr val="accent1"/>
+              </a:lnRef>
+              <a:fillRef idx="0">
+                <a:schemeClr val="accent1"/>
+              </a:fillRef>
+              <a:effectRef idx="0">
+                <a:schemeClr val="accent1"/>
+              </a:effectRef>
+              <a:fontRef idx="minor">
+                <a:schemeClr val="tx1"/>
+              </a:fontRef>
+            </p:style>
+          </p:cxnSp>
+          <p:cxnSp>
+            <p:nvCxnSpPr>
+              <p:cNvPr id="44" name="直線接點 43"/>
+              <p:cNvCxnSpPr/>
+              <p:nvPr/>
+            </p:nvCxnSpPr>
+            <p:spPr>
+              <a:xfrm flipH="1">
+                <a:off x="-1903535" y="2318197"/>
+                <a:ext cx="540000" cy="540000"/>
+              </a:xfrm>
+              <a:prstGeom prst="line">
+                <a:avLst/>
+              </a:prstGeom>
+            </p:spPr>
+            <p:style>
+              <a:lnRef idx="1">
+                <a:schemeClr val="accent1"/>
+              </a:lnRef>
+              <a:fillRef idx="0">
+                <a:schemeClr val="accent1"/>
+              </a:fillRef>
+              <a:effectRef idx="0">
+                <a:schemeClr val="accent1"/>
+              </a:effectRef>
+              <a:fontRef idx="minor">
+                <a:schemeClr val="tx1"/>
+              </a:fontRef>
+            </p:style>
+          </p:cxnSp>
+        </p:grpSp>
+        <p:grpSp>
+          <p:nvGrpSpPr>
+            <p:cNvPr id="45" name="群組 44"/>
+            <p:cNvGrpSpPr/>
+            <p:nvPr/>
+          </p:nvGrpSpPr>
+          <p:grpSpPr>
+            <a:xfrm>
+              <a:off x="6749283" y="7823734"/>
+              <a:ext cx="540000" cy="598365"/>
+              <a:chOff x="-1903535" y="2318197"/>
+              <a:chExt cx="540000" cy="598365"/>
+            </a:xfrm>
+          </p:grpSpPr>
+          <p:sp>
+            <p:nvSpPr>
+              <p:cNvPr id="46" name="矩形 45"/>
+              <p:cNvSpPr/>
+              <p:nvPr/>
+            </p:nvSpPr>
+            <p:spPr>
+              <a:xfrm>
+                <a:off x="-1903535" y="2318197"/>
+                <a:ext cx="540000" cy="540000"/>
+              </a:xfrm>
+              <a:prstGeom prst="rect">
+                <a:avLst/>
+              </a:prstGeom>
+              <a:noFill/>
+            </p:spPr>
+            <p:style>
+              <a:lnRef idx="2">
+                <a:schemeClr val="accent1">
+                  <a:shade val="50000"/>
+                </a:schemeClr>
+              </a:lnRef>
+              <a:fillRef idx="1">
+                <a:schemeClr val="accent1"/>
+              </a:fillRef>
+              <a:effectRef idx="0">
+                <a:schemeClr val="accent1"/>
+              </a:effectRef>
+              <a:fontRef idx="minor">
+                <a:schemeClr val="lt1"/>
+              </a:fontRef>
+            </p:style>
+            <p:txBody>
+              <a:bodyPr rtlCol="0" anchor="ctr"/>
+              <a:lstStyle/>
+              <a:p>
+                <a:pPr algn="ctr"/>
+                <a:endParaRPr lang="zh-TW" altLang="en-US"/>
+              </a:p>
+            </p:txBody>
+          </p:sp>
+          <p:cxnSp>
+            <p:nvCxnSpPr>
+              <p:cNvPr id="47" name="直線接點 46"/>
+              <p:cNvCxnSpPr/>
+              <p:nvPr/>
+            </p:nvCxnSpPr>
+            <p:spPr>
+              <a:xfrm>
+                <a:off x="-1903535" y="2318197"/>
+                <a:ext cx="540000" cy="598365"/>
+              </a:xfrm>
+              <a:prstGeom prst="line">
+                <a:avLst/>
+              </a:prstGeom>
+            </p:spPr>
+            <p:style>
+              <a:lnRef idx="1">
+                <a:schemeClr val="accent1"/>
+              </a:lnRef>
+              <a:fillRef idx="0">
+                <a:schemeClr val="accent1"/>
+              </a:fillRef>
+              <a:effectRef idx="0">
+                <a:schemeClr val="accent1"/>
+              </a:effectRef>
+              <a:fontRef idx="minor">
+                <a:schemeClr val="tx1"/>
+              </a:fontRef>
+            </p:style>
+          </p:cxnSp>
+          <p:cxnSp>
+            <p:nvCxnSpPr>
+              <p:cNvPr id="48" name="直線接點 47"/>
+              <p:cNvCxnSpPr/>
+              <p:nvPr/>
+            </p:nvCxnSpPr>
+            <p:spPr>
+              <a:xfrm flipH="1">
+                <a:off x="-1903535" y="2318197"/>
+                <a:ext cx="540000" cy="540000"/>
+              </a:xfrm>
+              <a:prstGeom prst="line">
+                <a:avLst/>
+              </a:prstGeom>
+            </p:spPr>
+            <p:style>
+              <a:lnRef idx="1">
+                <a:schemeClr val="accent1"/>
+              </a:lnRef>
+              <a:fillRef idx="0">
+                <a:schemeClr val="accent1"/>
+              </a:fillRef>
+              <a:effectRef idx="0">
+                <a:schemeClr val="accent1"/>
+              </a:effectRef>
+              <a:fontRef idx="minor">
+                <a:schemeClr val="tx1"/>
+              </a:fontRef>
+            </p:style>
+          </p:cxnSp>
+        </p:grpSp>
+      </p:grpSp>
+      <p:sp>
+        <p:nvSpPr>
+          <p:cNvPr id="51" name="文字方塊 50"/>
+          <p:cNvSpPr txBox="1"/>
+          <p:nvPr/>
+        </p:nvSpPr>
+        <p:spPr>
+          <a:xfrm>
+            <a:off x="1624752" y="7963496"/>
+            <a:ext cx="2349983" cy="400238"/>
+          </a:xfrm>
+          <a:prstGeom prst="rect">
+            <a:avLst/>
+          </a:prstGeom>
+          <a:noFill/>
+        </p:spPr>
+        <p:txBody>
+          <a:bodyPr wrap="square" rtlCol="0">
+            <a:spAutoFit/>
+          </a:bodyPr>
+          <a:lstStyle/>
           <a:p>
             <a:r>
               <a:rPr lang="en-US" altLang="zh-TW" dirty="0" smtClean="0"/>
               <a:t>Footer</a:t>
             </a:r>
-            <a:r>
-              <a:rPr lang="zh-TW" altLang="en-US" dirty="0" smtClean="0"/>
-              <a:t>背景顏色使用灰色</a:t>
-            </a:r>
             <a:endParaRPr lang="zh-TW" altLang="en-US" dirty="0"/>
           </a:p>
         </p:txBody>
       </p:sp>
       <p:sp>
         <p:nvSpPr>
-          <p:cNvPr id="15" name="內容版面配置區 14"/>
-          <p:cNvSpPr>
-            <a:spLocks noGrp="1"/>
-          </p:cNvSpPr>
-          <p:nvPr>
-            <p:ph sz="half" idx="2"/>
-          </p:nvPr>
-        </p:nvSpPr>
-        <p:spPr/>
-        <p:txBody>
-          <a:bodyPr/>
-          <a:lstStyle/>
-          <a:p>
-            <a:endParaRPr lang="zh-TW" altLang="en-US"/>
+          <p:cNvPr id="32" name="文字方塊 31"/>
+          <p:cNvSpPr txBox="1"/>
+          <p:nvPr/>
+        </p:nvSpPr>
+        <p:spPr>
+          <a:xfrm>
+            <a:off x="12425942" y="2858197"/>
+            <a:ext cx="674736" cy="400238"/>
+          </a:xfrm>
+          <a:prstGeom prst="rect">
+            <a:avLst/>
+          </a:prstGeom>
+          <a:noFill/>
+        </p:spPr>
+        <p:txBody>
+          <a:bodyPr wrap="none" rtlCol="0">
+            <a:spAutoFit/>
+          </a:bodyPr>
+          <a:lstStyle/>
+          <a:p>
+            <a:r>
+              <a:rPr lang="en-US" altLang="zh-TW" dirty="0" smtClean="0"/>
+              <a:t>Root</a:t>
+            </a:r>
+            <a:endParaRPr lang="zh-TW" altLang="en-US" dirty="0"/>
+          </a:p>
+        </p:txBody>
+      </p:sp>
+      <p:sp>
+        <p:nvSpPr>
+          <p:cNvPr id="52" name="文字方塊 51"/>
+          <p:cNvSpPr txBox="1"/>
+          <p:nvPr/>
+        </p:nvSpPr>
+        <p:spPr>
+          <a:xfrm>
+            <a:off x="781478" y="1917959"/>
+            <a:ext cx="674736" cy="400238"/>
+          </a:xfrm>
+          <a:prstGeom prst="rect">
+            <a:avLst/>
+          </a:prstGeom>
+          <a:noFill/>
+        </p:spPr>
+        <p:txBody>
+          <a:bodyPr wrap="none" rtlCol="0">
+            <a:spAutoFit/>
+          </a:bodyPr>
+          <a:lstStyle/>
+          <a:p>
+            <a:r>
+              <a:rPr lang="en-US" altLang="zh-TW" dirty="0" smtClean="0"/>
+              <a:t>Root</a:t>
+            </a:r>
+            <a:endParaRPr lang="zh-TW" altLang="en-US" dirty="0"/>
+          </a:p>
+        </p:txBody>
+      </p:sp>
+      <p:sp>
+        <p:nvSpPr>
+          <p:cNvPr id="53" name="文字方塊 52"/>
+          <p:cNvSpPr txBox="1"/>
+          <p:nvPr/>
+        </p:nvSpPr>
+        <p:spPr>
+          <a:xfrm>
+            <a:off x="1624752" y="2328017"/>
+            <a:ext cx="870879" cy="400238"/>
+          </a:xfrm>
+          <a:prstGeom prst="rect">
+            <a:avLst/>
+          </a:prstGeom>
+          <a:noFill/>
+        </p:spPr>
+        <p:txBody>
+          <a:bodyPr wrap="none" rtlCol="0">
+            <a:spAutoFit/>
+          </a:bodyPr>
+          <a:lstStyle/>
+          <a:p>
+            <a:r>
+              <a:rPr lang="en-US" altLang="zh-TW" dirty="0"/>
+              <a:t>L</a:t>
+            </a:r>
+            <a:r>
+              <a:rPr lang="en-US" altLang="zh-TW" dirty="0" smtClean="0"/>
+              <a:t>ayer1</a:t>
+            </a:r>
+            <a:endParaRPr lang="zh-TW" altLang="en-US" dirty="0"/>
+          </a:p>
+        </p:txBody>
+      </p:sp>
+      <p:sp>
+        <p:nvSpPr>
+          <p:cNvPr id="54" name="文字方塊 53"/>
+          <p:cNvSpPr txBox="1"/>
+          <p:nvPr/>
+        </p:nvSpPr>
+        <p:spPr>
+          <a:xfrm>
+            <a:off x="2685711" y="2680776"/>
+            <a:ext cx="870879" cy="400238"/>
+          </a:xfrm>
+          <a:prstGeom prst="rect">
+            <a:avLst/>
+          </a:prstGeom>
+          <a:noFill/>
+        </p:spPr>
+        <p:txBody>
+          <a:bodyPr wrap="none" rtlCol="0">
+            <a:spAutoFit/>
+          </a:bodyPr>
+          <a:lstStyle/>
+          <a:p>
+            <a:r>
+              <a:rPr lang="en-US" altLang="zh-TW" dirty="0" smtClean="0"/>
+              <a:t>Layer2</a:t>
+            </a:r>
+            <a:endParaRPr lang="zh-TW" altLang="en-US" dirty="0"/>
+          </a:p>
+        </p:txBody>
+      </p:sp>
+      <p:sp>
+        <p:nvSpPr>
+          <p:cNvPr id="55" name="文字方塊 54"/>
+          <p:cNvSpPr txBox="1"/>
+          <p:nvPr/>
+        </p:nvSpPr>
+        <p:spPr>
+          <a:xfrm>
+            <a:off x="2685711" y="3087999"/>
+            <a:ext cx="870879" cy="400238"/>
+          </a:xfrm>
+          <a:prstGeom prst="rect">
+            <a:avLst/>
+          </a:prstGeom>
+          <a:noFill/>
+        </p:spPr>
+        <p:txBody>
+          <a:bodyPr wrap="none" rtlCol="0">
+            <a:spAutoFit/>
+          </a:bodyPr>
+          <a:lstStyle/>
+          <a:p>
+            <a:r>
+              <a:rPr lang="en-US" altLang="zh-TW" dirty="0" smtClean="0"/>
+              <a:t>Layer2</a:t>
+            </a:r>
+            <a:endParaRPr lang="zh-TW" altLang="en-US" dirty="0"/>
+          </a:p>
+        </p:txBody>
+      </p:sp>
+      <p:sp>
+        <p:nvSpPr>
+          <p:cNvPr id="57" name="文字方塊 56"/>
+          <p:cNvSpPr txBox="1"/>
+          <p:nvPr/>
+        </p:nvSpPr>
+        <p:spPr>
+          <a:xfrm>
+            <a:off x="2685711" y="3495223"/>
+            <a:ext cx="870879" cy="400238"/>
+          </a:xfrm>
+          <a:prstGeom prst="rect">
+            <a:avLst/>
+          </a:prstGeom>
+          <a:noFill/>
+        </p:spPr>
+        <p:txBody>
+          <a:bodyPr wrap="none" rtlCol="0">
+            <a:spAutoFit/>
+          </a:bodyPr>
+          <a:lstStyle/>
+          <a:p>
+            <a:r>
+              <a:rPr lang="en-US" altLang="zh-TW" dirty="0" smtClean="0"/>
+              <a:t>Layer2</a:t>
+            </a:r>
+            <a:endParaRPr lang="zh-TW" altLang="en-US" dirty="0"/>
+          </a:p>
+        </p:txBody>
+      </p:sp>
+      <p:sp>
+        <p:nvSpPr>
+          <p:cNvPr id="61" name="文字方塊 60"/>
+          <p:cNvSpPr txBox="1"/>
+          <p:nvPr/>
+        </p:nvSpPr>
+        <p:spPr>
+          <a:xfrm>
+            <a:off x="1601092" y="3835110"/>
+            <a:ext cx="870879" cy="400238"/>
+          </a:xfrm>
+          <a:prstGeom prst="rect">
+            <a:avLst/>
+          </a:prstGeom>
+          <a:noFill/>
+        </p:spPr>
+        <p:txBody>
+          <a:bodyPr wrap="none" rtlCol="0">
+            <a:spAutoFit/>
+          </a:bodyPr>
+          <a:lstStyle/>
+          <a:p>
+            <a:r>
+              <a:rPr lang="en-US" altLang="zh-TW" dirty="0" smtClean="0"/>
+              <a:t>Layer1</a:t>
+            </a:r>
+            <a:endParaRPr lang="zh-TW" altLang="en-US" dirty="0"/>
+          </a:p>
+        </p:txBody>
+      </p:sp>
+      <p:sp>
+        <p:nvSpPr>
+          <p:cNvPr id="62" name="文字方塊 61"/>
+          <p:cNvSpPr txBox="1"/>
+          <p:nvPr/>
+        </p:nvSpPr>
+        <p:spPr>
+          <a:xfrm>
+            <a:off x="2662052" y="4187869"/>
+            <a:ext cx="870879" cy="400238"/>
+          </a:xfrm>
+          <a:prstGeom prst="rect">
+            <a:avLst/>
+          </a:prstGeom>
+          <a:noFill/>
+        </p:spPr>
+        <p:txBody>
+          <a:bodyPr wrap="none" rtlCol="0">
+            <a:spAutoFit/>
+          </a:bodyPr>
+          <a:lstStyle/>
+          <a:p>
+            <a:r>
+              <a:rPr lang="en-US" altLang="zh-TW" dirty="0" smtClean="0"/>
+              <a:t>Layer2</a:t>
+            </a:r>
+            <a:endParaRPr lang="zh-TW" altLang="en-US" dirty="0"/>
+          </a:p>
+        </p:txBody>
+      </p:sp>
+      <p:sp>
+        <p:nvSpPr>
+          <p:cNvPr id="63" name="文字方塊 62"/>
+          <p:cNvSpPr txBox="1"/>
+          <p:nvPr/>
+        </p:nvSpPr>
+        <p:spPr>
+          <a:xfrm>
+            <a:off x="2662052" y="4595092"/>
+            <a:ext cx="870879" cy="400238"/>
+          </a:xfrm>
+          <a:prstGeom prst="rect">
+            <a:avLst/>
+          </a:prstGeom>
+          <a:noFill/>
+        </p:spPr>
+        <p:txBody>
+          <a:bodyPr wrap="none" rtlCol="0">
+            <a:spAutoFit/>
+          </a:bodyPr>
+          <a:lstStyle/>
+          <a:p>
+            <a:r>
+              <a:rPr lang="en-US" altLang="zh-TW" dirty="0" smtClean="0"/>
+              <a:t>Layer2</a:t>
+            </a:r>
+            <a:endParaRPr lang="zh-TW" altLang="en-US" dirty="0"/>
+          </a:p>
+        </p:txBody>
+      </p:sp>
+      <p:sp>
+        <p:nvSpPr>
+          <p:cNvPr id="64" name="文字方塊 63"/>
+          <p:cNvSpPr txBox="1"/>
+          <p:nvPr/>
+        </p:nvSpPr>
+        <p:spPr>
+          <a:xfrm>
+            <a:off x="1617188" y="5130906"/>
+            <a:ext cx="870879" cy="400238"/>
+          </a:xfrm>
+          <a:prstGeom prst="rect">
+            <a:avLst/>
+          </a:prstGeom>
+          <a:noFill/>
+        </p:spPr>
+        <p:txBody>
+          <a:bodyPr wrap="none" rtlCol="0">
+            <a:spAutoFit/>
+          </a:bodyPr>
+          <a:lstStyle/>
+          <a:p>
+            <a:r>
+              <a:rPr lang="en-US" altLang="zh-TW" dirty="0" smtClean="0"/>
+              <a:t>Layer1</a:t>
+            </a:r>
+            <a:endParaRPr lang="zh-TW" altLang="en-US" dirty="0"/>
           </a:p>
         </p:txBody>
       </p:sp>
     </p:spTree>
     <p:extLst>
       <p:ext uri="{BB962C8B-B14F-4D97-AF65-F5344CB8AC3E}">
-        <p14:creationId xmlns:p14="http://schemas.microsoft.com/office/powerpoint/2010/main" val="598637958"/>
+        <p14:creationId xmlns:p14="http://schemas.microsoft.com/office/powerpoint/2010/main" val="3781622151"/>
       </p:ext>
     </p:extLst>
   </p:cSld>
   <p:clrMapOvr>
     <a:masterClrMapping/>
   </p:clrMapOvr>
+  <p:timing>
+    <p:tnLst>
+      <p:par>
+        <p:cTn id="1" dur="indefinite" restart="never" nodeType="tmRoot"/>
+      </p:par>
+    </p:tnLst>
+  </p:timing>
+</p:sld>
+</file>
+
+<file path=ppt/slides/slide9.xml><?xml version="1.0" encoding="utf-8"?>
+<p:sld xmlns:a="http://schemas.openxmlformats.org/drawingml/2006/main" xmlns:r="http://schemas.openxmlformats.org/officeDocument/2006/relationships" xmlns:p="http://schemas.openxmlformats.org/presentationml/2006/main">
+  <p:cSld>
+    <p:spTree>
+      <p:nvGrpSpPr>
+        <p:cNvPr id="1" name=""/>
+        <p:cNvGrpSpPr/>
+        <p:nvPr/>
+      </p:nvGrpSpPr>
+      <p:grpSpPr>
+        <a:xfrm>
+          <a:off x="0" y="0"/>
+          <a:ext cx="0" cy="0"/>
+          <a:chOff x="0" y="0"/>
+          <a:chExt cx="0" cy="0"/>
+        </a:xfrm>
+      </p:grpSpPr>
+      <p:grpSp>
+        <p:nvGrpSpPr>
+          <p:cNvPr id="19" name="群組 18"/>
+          <p:cNvGrpSpPr/>
+          <p:nvPr/>
+        </p:nvGrpSpPr>
+        <p:grpSpPr>
+          <a:xfrm>
+            <a:off x="1" y="-5"/>
+            <a:ext cx="11363274" cy="8640768"/>
+            <a:chOff x="0" y="-5"/>
+            <a:chExt cx="9092207" cy="8640768"/>
+          </a:xfrm>
+        </p:grpSpPr>
+        <p:sp>
+          <p:nvSpPr>
+            <p:cNvPr id="4" name="矩形 3"/>
+            <p:cNvSpPr/>
+            <p:nvPr/>
+          </p:nvSpPr>
+          <p:spPr>
+            <a:xfrm>
+              <a:off x="0" y="0"/>
+              <a:ext cx="93600" cy="8640763"/>
+            </a:xfrm>
+            <a:prstGeom prst="rect">
+              <a:avLst/>
+            </a:prstGeom>
+            <a:solidFill>
+              <a:schemeClr val="accent6">
+                <a:lumMod val="40000"/>
+                <a:lumOff val="60000"/>
+              </a:schemeClr>
+            </a:solidFill>
+            <a:ln>
+              <a:noFill/>
+            </a:ln>
+          </p:spPr>
+          <p:style>
+            <a:lnRef idx="2">
+              <a:schemeClr val="accent1">
+                <a:shade val="50000"/>
+              </a:schemeClr>
+            </a:lnRef>
+            <a:fillRef idx="1">
+              <a:schemeClr val="accent1"/>
+            </a:fillRef>
+            <a:effectRef idx="0">
+              <a:schemeClr val="accent1"/>
+            </a:effectRef>
+            <a:fontRef idx="minor">
+              <a:schemeClr val="lt1"/>
+            </a:fontRef>
+          </p:style>
+          <p:txBody>
+            <a:bodyPr rtlCol="0" anchor="ctr"/>
+            <a:lstStyle/>
+            <a:p>
+              <a:pPr algn="ctr"/>
+              <a:endParaRPr lang="zh-TW" altLang="en-US"/>
+            </a:p>
+          </p:txBody>
+        </p:sp>
+        <p:sp>
+          <p:nvSpPr>
+            <p:cNvPr id="5" name="矩形 4"/>
+            <p:cNvSpPr/>
+            <p:nvPr/>
+          </p:nvSpPr>
+          <p:spPr>
+            <a:xfrm>
+              <a:off x="93600" y="-5"/>
+              <a:ext cx="565200" cy="8640763"/>
+            </a:xfrm>
+            <a:prstGeom prst="rect">
+              <a:avLst/>
+            </a:prstGeom>
+            <a:solidFill>
+              <a:schemeClr val="accent2">
+                <a:lumMod val="40000"/>
+                <a:lumOff val="60000"/>
+              </a:schemeClr>
+            </a:solidFill>
+            <a:ln>
+              <a:noFill/>
+            </a:ln>
+          </p:spPr>
+          <p:style>
+            <a:lnRef idx="2">
+              <a:schemeClr val="accent1">
+                <a:shade val="50000"/>
+              </a:schemeClr>
+            </a:lnRef>
+            <a:fillRef idx="1">
+              <a:schemeClr val="accent1"/>
+            </a:fillRef>
+            <a:effectRef idx="0">
+              <a:schemeClr val="accent1"/>
+            </a:effectRef>
+            <a:fontRef idx="minor">
+              <a:schemeClr val="lt1"/>
+            </a:fontRef>
+          </p:style>
+          <p:txBody>
+            <a:bodyPr rtlCol="0" anchor="ctr"/>
+            <a:lstStyle/>
+            <a:p>
+              <a:pPr algn="ctr"/>
+              <a:endParaRPr lang="zh-TW" altLang="en-US"/>
+            </a:p>
+          </p:txBody>
+        </p:sp>
+        <p:sp>
+          <p:nvSpPr>
+            <p:cNvPr id="6" name="矩形 5"/>
+            <p:cNvSpPr/>
+            <p:nvPr/>
+          </p:nvSpPr>
+          <p:spPr>
+            <a:xfrm>
+              <a:off x="652075" y="-1"/>
+              <a:ext cx="187200" cy="8640763"/>
+            </a:xfrm>
+            <a:prstGeom prst="rect">
+              <a:avLst/>
+            </a:prstGeom>
+            <a:solidFill>
+              <a:schemeClr val="accent1">
+                <a:lumMod val="20000"/>
+                <a:lumOff val="80000"/>
+              </a:schemeClr>
+            </a:solidFill>
+            <a:ln>
+              <a:noFill/>
+            </a:ln>
+          </p:spPr>
+          <p:style>
+            <a:lnRef idx="2">
+              <a:schemeClr val="accent1">
+                <a:shade val="50000"/>
+              </a:schemeClr>
+            </a:lnRef>
+            <a:fillRef idx="1">
+              <a:schemeClr val="accent1"/>
+            </a:fillRef>
+            <a:effectRef idx="0">
+              <a:schemeClr val="accent1"/>
+            </a:effectRef>
+            <a:fontRef idx="minor">
+              <a:schemeClr val="lt1"/>
+            </a:fontRef>
+          </p:style>
+          <p:txBody>
+            <a:bodyPr rtlCol="0" anchor="ctr"/>
+            <a:lstStyle/>
+            <a:p>
+              <a:pPr algn="ctr"/>
+              <a:endParaRPr lang="zh-TW" altLang="en-US"/>
+            </a:p>
+          </p:txBody>
+        </p:sp>
+        <p:sp>
+          <p:nvSpPr>
+            <p:cNvPr id="7" name="矩形 6"/>
+            <p:cNvSpPr/>
+            <p:nvPr/>
+          </p:nvSpPr>
+          <p:spPr>
+            <a:xfrm>
+              <a:off x="8998607" y="-2"/>
+              <a:ext cx="93600" cy="8640763"/>
+            </a:xfrm>
+            <a:prstGeom prst="rect">
+              <a:avLst/>
+            </a:prstGeom>
+            <a:solidFill>
+              <a:schemeClr val="accent6">
+                <a:lumMod val="40000"/>
+                <a:lumOff val="60000"/>
+              </a:schemeClr>
+            </a:solidFill>
+            <a:ln>
+              <a:noFill/>
+            </a:ln>
+          </p:spPr>
+          <p:style>
+            <a:lnRef idx="2">
+              <a:schemeClr val="accent1">
+                <a:shade val="50000"/>
+              </a:schemeClr>
+            </a:lnRef>
+            <a:fillRef idx="1">
+              <a:schemeClr val="accent1"/>
+            </a:fillRef>
+            <a:effectRef idx="0">
+              <a:schemeClr val="accent1"/>
+            </a:effectRef>
+            <a:fontRef idx="minor">
+              <a:schemeClr val="lt1"/>
+            </a:fontRef>
+          </p:style>
+          <p:txBody>
+            <a:bodyPr rtlCol="0" anchor="ctr"/>
+            <a:lstStyle/>
+            <a:p>
+              <a:pPr algn="ctr"/>
+              <a:endParaRPr lang="zh-TW" altLang="en-US"/>
+            </a:p>
+          </p:txBody>
+        </p:sp>
+        <p:sp>
+          <p:nvSpPr>
+            <p:cNvPr id="8" name="矩形 7"/>
+            <p:cNvSpPr/>
+            <p:nvPr/>
+          </p:nvSpPr>
+          <p:spPr>
+            <a:xfrm>
+              <a:off x="850695" y="-5"/>
+              <a:ext cx="565200" cy="8640763"/>
+            </a:xfrm>
+            <a:prstGeom prst="rect">
+              <a:avLst/>
+            </a:prstGeom>
+            <a:solidFill>
+              <a:schemeClr val="accent2">
+                <a:lumMod val="40000"/>
+                <a:lumOff val="60000"/>
+              </a:schemeClr>
+            </a:solidFill>
+            <a:ln>
+              <a:noFill/>
+            </a:ln>
+          </p:spPr>
+          <p:style>
+            <a:lnRef idx="2">
+              <a:schemeClr val="accent1">
+                <a:shade val="50000"/>
+              </a:schemeClr>
+            </a:lnRef>
+            <a:fillRef idx="1">
+              <a:schemeClr val="accent1"/>
+            </a:fillRef>
+            <a:effectRef idx="0">
+              <a:schemeClr val="accent1"/>
+            </a:effectRef>
+            <a:fontRef idx="minor">
+              <a:schemeClr val="lt1"/>
+            </a:fontRef>
+          </p:style>
+          <p:txBody>
+            <a:bodyPr rtlCol="0" anchor="ctr"/>
+            <a:lstStyle/>
+            <a:p>
+              <a:pPr algn="ctr"/>
+              <a:endParaRPr lang="zh-TW" altLang="en-US" dirty="0"/>
+            </a:p>
+          </p:txBody>
+        </p:sp>
+        <p:sp>
+          <p:nvSpPr>
+            <p:cNvPr id="9" name="矩形 8"/>
+            <p:cNvSpPr/>
+            <p:nvPr/>
+          </p:nvSpPr>
+          <p:spPr>
+            <a:xfrm>
+              <a:off x="1607790" y="-5"/>
+              <a:ext cx="565200" cy="8640763"/>
+            </a:xfrm>
+            <a:prstGeom prst="rect">
+              <a:avLst/>
+            </a:prstGeom>
+            <a:solidFill>
+              <a:schemeClr val="accent2">
+                <a:lumMod val="40000"/>
+                <a:lumOff val="60000"/>
+              </a:schemeClr>
+            </a:solidFill>
+            <a:ln>
+              <a:noFill/>
+            </a:ln>
+          </p:spPr>
+          <p:style>
+            <a:lnRef idx="2">
+              <a:schemeClr val="accent1">
+                <a:shade val="50000"/>
+              </a:schemeClr>
+            </a:lnRef>
+            <a:fillRef idx="1">
+              <a:schemeClr val="accent1"/>
+            </a:fillRef>
+            <a:effectRef idx="0">
+              <a:schemeClr val="accent1"/>
+            </a:effectRef>
+            <a:fontRef idx="minor">
+              <a:schemeClr val="lt1"/>
+            </a:fontRef>
+          </p:style>
+          <p:txBody>
+            <a:bodyPr rtlCol="0" anchor="ctr"/>
+            <a:lstStyle/>
+            <a:p>
+              <a:pPr algn="ctr"/>
+              <a:endParaRPr lang="zh-TW" altLang="en-US"/>
+            </a:p>
+          </p:txBody>
+        </p:sp>
+        <p:sp>
+          <p:nvSpPr>
+            <p:cNvPr id="10" name="矩形 9"/>
+            <p:cNvSpPr/>
+            <p:nvPr/>
+          </p:nvSpPr>
+          <p:spPr>
+            <a:xfrm>
+              <a:off x="2364885" y="-5"/>
+              <a:ext cx="565200" cy="8640763"/>
+            </a:xfrm>
+            <a:prstGeom prst="rect">
+              <a:avLst/>
+            </a:prstGeom>
+            <a:solidFill>
+              <a:schemeClr val="accent2">
+                <a:lumMod val="40000"/>
+                <a:lumOff val="60000"/>
+              </a:schemeClr>
+            </a:solidFill>
+            <a:ln>
+              <a:noFill/>
+            </a:ln>
+          </p:spPr>
+          <p:style>
+            <a:lnRef idx="2">
+              <a:schemeClr val="accent1">
+                <a:shade val="50000"/>
+              </a:schemeClr>
+            </a:lnRef>
+            <a:fillRef idx="1">
+              <a:schemeClr val="accent1"/>
+            </a:fillRef>
+            <a:effectRef idx="0">
+              <a:schemeClr val="accent1"/>
+            </a:effectRef>
+            <a:fontRef idx="minor">
+              <a:schemeClr val="lt1"/>
+            </a:fontRef>
+          </p:style>
+          <p:txBody>
+            <a:bodyPr rtlCol="0" anchor="ctr"/>
+            <a:lstStyle/>
+            <a:p>
+              <a:pPr algn="ctr"/>
+              <a:endParaRPr lang="zh-TW" altLang="en-US"/>
+            </a:p>
+          </p:txBody>
+        </p:sp>
+        <p:sp>
+          <p:nvSpPr>
+            <p:cNvPr id="11" name="矩形 10"/>
+            <p:cNvSpPr/>
+            <p:nvPr/>
+          </p:nvSpPr>
+          <p:spPr>
+            <a:xfrm>
+              <a:off x="3121980" y="-5"/>
+              <a:ext cx="565200" cy="8640763"/>
+            </a:xfrm>
+            <a:prstGeom prst="rect">
+              <a:avLst/>
+            </a:prstGeom>
+            <a:solidFill>
+              <a:schemeClr val="accent2">
+                <a:lumMod val="40000"/>
+                <a:lumOff val="60000"/>
+              </a:schemeClr>
+            </a:solidFill>
+            <a:ln>
+              <a:noFill/>
+            </a:ln>
+          </p:spPr>
+          <p:style>
+            <a:lnRef idx="2">
+              <a:schemeClr val="accent1">
+                <a:shade val="50000"/>
+              </a:schemeClr>
+            </a:lnRef>
+            <a:fillRef idx="1">
+              <a:schemeClr val="accent1"/>
+            </a:fillRef>
+            <a:effectRef idx="0">
+              <a:schemeClr val="accent1"/>
+            </a:effectRef>
+            <a:fontRef idx="minor">
+              <a:schemeClr val="lt1"/>
+            </a:fontRef>
+          </p:style>
+          <p:txBody>
+            <a:bodyPr rtlCol="0" anchor="ctr"/>
+            <a:lstStyle/>
+            <a:p>
+              <a:pPr algn="ctr"/>
+              <a:endParaRPr lang="zh-TW" altLang="en-US"/>
+            </a:p>
+          </p:txBody>
+        </p:sp>
+        <p:sp>
+          <p:nvSpPr>
+            <p:cNvPr id="12" name="矩形 11"/>
+            <p:cNvSpPr/>
+            <p:nvPr/>
+          </p:nvSpPr>
+          <p:spPr>
+            <a:xfrm>
+              <a:off x="3879075" y="-5"/>
+              <a:ext cx="565200" cy="8640763"/>
+            </a:xfrm>
+            <a:prstGeom prst="rect">
+              <a:avLst/>
+            </a:prstGeom>
+            <a:solidFill>
+              <a:schemeClr val="accent2">
+                <a:lumMod val="40000"/>
+                <a:lumOff val="60000"/>
+              </a:schemeClr>
+            </a:solidFill>
+            <a:ln>
+              <a:noFill/>
+            </a:ln>
+          </p:spPr>
+          <p:style>
+            <a:lnRef idx="2">
+              <a:schemeClr val="accent1">
+                <a:shade val="50000"/>
+              </a:schemeClr>
+            </a:lnRef>
+            <a:fillRef idx="1">
+              <a:schemeClr val="accent1"/>
+            </a:fillRef>
+            <a:effectRef idx="0">
+              <a:schemeClr val="accent1"/>
+            </a:effectRef>
+            <a:fontRef idx="minor">
+              <a:schemeClr val="lt1"/>
+            </a:fontRef>
+          </p:style>
+          <p:txBody>
+            <a:bodyPr rtlCol="0" anchor="ctr"/>
+            <a:lstStyle/>
+            <a:p>
+              <a:pPr algn="ctr"/>
+              <a:endParaRPr lang="zh-TW" altLang="en-US"/>
+            </a:p>
+          </p:txBody>
+        </p:sp>
+        <p:sp>
+          <p:nvSpPr>
+            <p:cNvPr id="13" name="矩形 12"/>
+            <p:cNvSpPr/>
+            <p:nvPr/>
+          </p:nvSpPr>
+          <p:spPr>
+            <a:xfrm>
+              <a:off x="4636170" y="-5"/>
+              <a:ext cx="565200" cy="8640763"/>
+            </a:xfrm>
+            <a:prstGeom prst="rect">
+              <a:avLst/>
+            </a:prstGeom>
+            <a:solidFill>
+              <a:schemeClr val="accent2">
+                <a:lumMod val="40000"/>
+                <a:lumOff val="60000"/>
+              </a:schemeClr>
+            </a:solidFill>
+            <a:ln>
+              <a:noFill/>
+            </a:ln>
+          </p:spPr>
+          <p:style>
+            <a:lnRef idx="2">
+              <a:schemeClr val="accent1">
+                <a:shade val="50000"/>
+              </a:schemeClr>
+            </a:lnRef>
+            <a:fillRef idx="1">
+              <a:schemeClr val="accent1"/>
+            </a:fillRef>
+            <a:effectRef idx="0">
+              <a:schemeClr val="accent1"/>
+            </a:effectRef>
+            <a:fontRef idx="minor">
+              <a:schemeClr val="lt1"/>
+            </a:fontRef>
+          </p:style>
+          <p:txBody>
+            <a:bodyPr rtlCol="0" anchor="ctr"/>
+            <a:lstStyle/>
+            <a:p>
+              <a:pPr algn="ctr"/>
+              <a:endParaRPr lang="zh-TW" altLang="en-US"/>
+            </a:p>
+          </p:txBody>
+        </p:sp>
+        <p:sp>
+          <p:nvSpPr>
+            <p:cNvPr id="14" name="矩形 13"/>
+            <p:cNvSpPr/>
+            <p:nvPr/>
+          </p:nvSpPr>
+          <p:spPr>
+            <a:xfrm>
+              <a:off x="5393265" y="-5"/>
+              <a:ext cx="565200" cy="8640763"/>
+            </a:xfrm>
+            <a:prstGeom prst="rect">
+              <a:avLst/>
+            </a:prstGeom>
+            <a:solidFill>
+              <a:schemeClr val="accent2">
+                <a:lumMod val="40000"/>
+                <a:lumOff val="60000"/>
+              </a:schemeClr>
+            </a:solidFill>
+            <a:ln>
+              <a:noFill/>
+            </a:ln>
+          </p:spPr>
+          <p:style>
+            <a:lnRef idx="2">
+              <a:schemeClr val="accent1">
+                <a:shade val="50000"/>
+              </a:schemeClr>
+            </a:lnRef>
+            <a:fillRef idx="1">
+              <a:schemeClr val="accent1"/>
+            </a:fillRef>
+            <a:effectRef idx="0">
+              <a:schemeClr val="accent1"/>
+            </a:effectRef>
+            <a:fontRef idx="minor">
+              <a:schemeClr val="lt1"/>
+            </a:fontRef>
+          </p:style>
+          <p:txBody>
+            <a:bodyPr rtlCol="0" anchor="ctr"/>
+            <a:lstStyle/>
+            <a:p>
+              <a:pPr algn="ctr"/>
+              <a:endParaRPr lang="zh-TW" altLang="en-US"/>
+            </a:p>
+          </p:txBody>
+        </p:sp>
+        <p:sp>
+          <p:nvSpPr>
+            <p:cNvPr id="15" name="矩形 14"/>
+            <p:cNvSpPr/>
+            <p:nvPr/>
+          </p:nvSpPr>
+          <p:spPr>
+            <a:xfrm>
+              <a:off x="6150360" y="-5"/>
+              <a:ext cx="565200" cy="8640763"/>
+            </a:xfrm>
+            <a:prstGeom prst="rect">
+              <a:avLst/>
+            </a:prstGeom>
+            <a:solidFill>
+              <a:schemeClr val="accent2">
+                <a:lumMod val="40000"/>
+                <a:lumOff val="60000"/>
+              </a:schemeClr>
+            </a:solidFill>
+            <a:ln>
+              <a:noFill/>
+            </a:ln>
+          </p:spPr>
+          <p:style>
+            <a:lnRef idx="2">
+              <a:schemeClr val="accent1">
+                <a:shade val="50000"/>
+              </a:schemeClr>
+            </a:lnRef>
+            <a:fillRef idx="1">
+              <a:schemeClr val="accent1"/>
+            </a:fillRef>
+            <a:effectRef idx="0">
+              <a:schemeClr val="accent1"/>
+            </a:effectRef>
+            <a:fontRef idx="minor">
+              <a:schemeClr val="lt1"/>
+            </a:fontRef>
+          </p:style>
+          <p:txBody>
+            <a:bodyPr rtlCol="0" anchor="ctr"/>
+            <a:lstStyle/>
+            <a:p>
+              <a:pPr algn="ctr"/>
+              <a:endParaRPr lang="zh-TW" altLang="en-US"/>
+            </a:p>
+          </p:txBody>
+        </p:sp>
+        <p:sp>
+          <p:nvSpPr>
+            <p:cNvPr id="16" name="矩形 15"/>
+            <p:cNvSpPr/>
+            <p:nvPr/>
+          </p:nvSpPr>
+          <p:spPr>
+            <a:xfrm>
+              <a:off x="6907455" y="-5"/>
+              <a:ext cx="565200" cy="8640763"/>
+            </a:xfrm>
+            <a:prstGeom prst="rect">
+              <a:avLst/>
+            </a:prstGeom>
+            <a:solidFill>
+              <a:schemeClr val="accent2">
+                <a:lumMod val="40000"/>
+                <a:lumOff val="60000"/>
+              </a:schemeClr>
+            </a:solidFill>
+            <a:ln>
+              <a:noFill/>
+            </a:ln>
+          </p:spPr>
+          <p:style>
+            <a:lnRef idx="2">
+              <a:schemeClr val="accent1">
+                <a:shade val="50000"/>
+              </a:schemeClr>
+            </a:lnRef>
+            <a:fillRef idx="1">
+              <a:schemeClr val="accent1"/>
+            </a:fillRef>
+            <a:effectRef idx="0">
+              <a:schemeClr val="accent1"/>
+            </a:effectRef>
+            <a:fontRef idx="minor">
+              <a:schemeClr val="lt1"/>
+            </a:fontRef>
+          </p:style>
+          <p:txBody>
+            <a:bodyPr rtlCol="0" anchor="ctr"/>
+            <a:lstStyle/>
+            <a:p>
+              <a:pPr algn="ctr"/>
+              <a:endParaRPr lang="zh-TW" altLang="en-US"/>
+            </a:p>
+          </p:txBody>
+        </p:sp>
+        <p:sp>
+          <p:nvSpPr>
+            <p:cNvPr id="17" name="矩形 16"/>
+            <p:cNvSpPr/>
+            <p:nvPr/>
+          </p:nvSpPr>
+          <p:spPr>
+            <a:xfrm>
+              <a:off x="7664550" y="-5"/>
+              <a:ext cx="565200" cy="8640763"/>
+            </a:xfrm>
+            <a:prstGeom prst="rect">
+              <a:avLst/>
+            </a:prstGeom>
+            <a:solidFill>
+              <a:schemeClr val="accent2">
+                <a:lumMod val="40000"/>
+                <a:lumOff val="60000"/>
+              </a:schemeClr>
+            </a:solidFill>
+            <a:ln>
+              <a:noFill/>
+            </a:ln>
+          </p:spPr>
+          <p:style>
+            <a:lnRef idx="2">
+              <a:schemeClr val="accent1">
+                <a:shade val="50000"/>
+              </a:schemeClr>
+            </a:lnRef>
+            <a:fillRef idx="1">
+              <a:schemeClr val="accent1"/>
+            </a:fillRef>
+            <a:effectRef idx="0">
+              <a:schemeClr val="accent1"/>
+            </a:effectRef>
+            <a:fontRef idx="minor">
+              <a:schemeClr val="lt1"/>
+            </a:fontRef>
+          </p:style>
+          <p:txBody>
+            <a:bodyPr rtlCol="0" anchor="ctr"/>
+            <a:lstStyle/>
+            <a:p>
+              <a:pPr algn="ctr"/>
+              <a:endParaRPr lang="zh-TW" altLang="en-US"/>
+            </a:p>
+          </p:txBody>
+        </p:sp>
+        <p:sp>
+          <p:nvSpPr>
+            <p:cNvPr id="18" name="矩形 17"/>
+            <p:cNvSpPr/>
+            <p:nvPr/>
+          </p:nvSpPr>
+          <p:spPr>
+            <a:xfrm>
+              <a:off x="8421649" y="-5"/>
+              <a:ext cx="565200" cy="8640763"/>
+            </a:xfrm>
+            <a:prstGeom prst="rect">
+              <a:avLst/>
+            </a:prstGeom>
+            <a:solidFill>
+              <a:schemeClr val="accent2">
+                <a:lumMod val="40000"/>
+                <a:lumOff val="60000"/>
+              </a:schemeClr>
+            </a:solidFill>
+            <a:ln>
+              <a:noFill/>
+            </a:ln>
+          </p:spPr>
+          <p:style>
+            <a:lnRef idx="2">
+              <a:schemeClr val="accent1">
+                <a:shade val="50000"/>
+              </a:schemeClr>
+            </a:lnRef>
+            <a:fillRef idx="1">
+              <a:schemeClr val="accent1"/>
+            </a:fillRef>
+            <a:effectRef idx="0">
+              <a:schemeClr val="accent1"/>
+            </a:effectRef>
+            <a:fontRef idx="minor">
+              <a:schemeClr val="lt1"/>
+            </a:fontRef>
+          </p:style>
+          <p:txBody>
+            <a:bodyPr rtlCol="0" anchor="ctr"/>
+            <a:lstStyle/>
+            <a:p>
+              <a:pPr algn="ctr"/>
+              <a:endParaRPr lang="zh-TW" altLang="en-US"/>
+            </a:p>
+          </p:txBody>
+        </p:sp>
+      </p:grpSp>
+      <p:sp>
+        <p:nvSpPr>
+          <p:cNvPr id="29" name="矩形 28"/>
+          <p:cNvSpPr/>
+          <p:nvPr/>
+        </p:nvSpPr>
+        <p:spPr>
+          <a:xfrm>
+            <a:off x="58490" y="0"/>
+            <a:ext cx="11304785" cy="1481070"/>
+          </a:xfrm>
+          <a:prstGeom prst="rect">
+            <a:avLst/>
+          </a:prstGeom>
+          <a:solidFill>
+            <a:srgbClr val="FFA042"/>
+          </a:solidFill>
+          <a:ln>
+            <a:noFill/>
+          </a:ln>
+        </p:spPr>
+        <p:style>
+          <a:lnRef idx="2">
+            <a:schemeClr val="accent1">
+              <a:shade val="50000"/>
+            </a:schemeClr>
+          </a:lnRef>
+          <a:fillRef idx="1">
+            <a:schemeClr val="accent1"/>
+          </a:fillRef>
+          <a:effectRef idx="0">
+            <a:schemeClr val="accent1"/>
+          </a:effectRef>
+          <a:fontRef idx="minor">
+            <a:schemeClr val="lt1"/>
+          </a:fontRef>
+        </p:style>
+        <p:txBody>
+          <a:bodyPr rtlCol="0" anchor="ctr"/>
+          <a:lstStyle/>
+          <a:p>
+            <a:pPr algn="ctr"/>
+            <a:endParaRPr lang="zh-TW" altLang="en-US"/>
+          </a:p>
+        </p:txBody>
+      </p:sp>
+      <p:sp>
+        <p:nvSpPr>
+          <p:cNvPr id="2" name="文字方塊 1"/>
+          <p:cNvSpPr txBox="1"/>
+          <p:nvPr/>
+        </p:nvSpPr>
+        <p:spPr>
+          <a:xfrm>
+            <a:off x="233959" y="543396"/>
+            <a:ext cx="2432076" cy="769441"/>
+          </a:xfrm>
+          <a:prstGeom prst="rect">
+            <a:avLst/>
+          </a:prstGeom>
+          <a:noFill/>
+        </p:spPr>
+        <p:txBody>
+          <a:bodyPr wrap="none" rtlCol="0">
+            <a:spAutoFit/>
+          </a:bodyPr>
+          <a:lstStyle/>
+          <a:p>
+            <a:r>
+              <a:rPr lang="zh-TW" altLang="en-US" sz="4400" b="1" dirty="0" smtClean="0">
+                <a:latin typeface="Blackadder ITC" panose="04020505051007020D02" pitchFamily="82" charset="0"/>
+              </a:rPr>
+              <a:t>資</a:t>
+            </a:r>
+            <a:r>
+              <a:rPr lang="zh-TW" altLang="en-US" sz="4400" b="1" dirty="0">
+                <a:latin typeface="Blackadder ITC" panose="04020505051007020D02" pitchFamily="82" charset="0"/>
+              </a:rPr>
+              <a:t>工</a:t>
+            </a:r>
+            <a:r>
+              <a:rPr lang="en-US" altLang="zh-TW" sz="4400" b="1" dirty="0" smtClean="0">
+                <a:latin typeface="Blackadder ITC" panose="04020505051007020D02" pitchFamily="82" charset="0"/>
+              </a:rPr>
+              <a:t>plugin</a:t>
+            </a:r>
+            <a:endParaRPr lang="zh-TW" altLang="en-US" sz="4400" b="1" dirty="0">
+              <a:latin typeface="Blackadder ITC" panose="04020505051007020D02" pitchFamily="82" charset="0"/>
+            </a:endParaRPr>
+          </a:p>
+        </p:txBody>
+      </p:sp>
+      <p:sp>
+        <p:nvSpPr>
+          <p:cNvPr id="3" name="文字方塊 2"/>
+          <p:cNvSpPr txBox="1"/>
+          <p:nvPr/>
+        </p:nvSpPr>
+        <p:spPr>
+          <a:xfrm>
+            <a:off x="-4395300" y="2716443"/>
+            <a:ext cx="954107" cy="400238"/>
+          </a:xfrm>
+          <a:prstGeom prst="rect">
+            <a:avLst/>
+          </a:prstGeom>
+          <a:noFill/>
+        </p:spPr>
+        <p:txBody>
+          <a:bodyPr wrap="none" rtlCol="0">
+            <a:spAutoFit/>
+          </a:bodyPr>
+          <a:lstStyle/>
+          <a:p>
+            <a:r>
+              <a:rPr lang="zh-TW" altLang="en-US" dirty="0" smtClean="0"/>
+              <a:t>考古題</a:t>
+            </a:r>
+            <a:endParaRPr lang="zh-TW" altLang="en-US" dirty="0"/>
+          </a:p>
+        </p:txBody>
+      </p:sp>
+      <p:sp>
+        <p:nvSpPr>
+          <p:cNvPr id="20" name="文字方塊 19"/>
+          <p:cNvSpPr txBox="1"/>
+          <p:nvPr/>
+        </p:nvSpPr>
+        <p:spPr>
+          <a:xfrm>
+            <a:off x="9974138" y="912598"/>
+            <a:ext cx="824265" cy="400238"/>
+          </a:xfrm>
+          <a:prstGeom prst="rect">
+            <a:avLst/>
+          </a:prstGeom>
+          <a:noFill/>
+        </p:spPr>
+        <p:txBody>
+          <a:bodyPr wrap="none" rtlCol="0">
+            <a:spAutoFit/>
+          </a:bodyPr>
+          <a:lstStyle/>
+          <a:p>
+            <a:r>
+              <a:rPr lang="en-US" altLang="zh-TW" dirty="0" smtClean="0"/>
+              <a:t>About</a:t>
+            </a:r>
+            <a:endParaRPr lang="zh-TW" altLang="en-US" dirty="0"/>
+          </a:p>
+        </p:txBody>
+      </p:sp>
+      <p:sp>
+        <p:nvSpPr>
+          <p:cNvPr id="21" name="文字方塊 20"/>
+          <p:cNvSpPr txBox="1"/>
+          <p:nvPr/>
+        </p:nvSpPr>
+        <p:spPr>
+          <a:xfrm>
+            <a:off x="-5283829" y="6353472"/>
+            <a:ext cx="1467068" cy="400238"/>
+          </a:xfrm>
+          <a:prstGeom prst="rect">
+            <a:avLst/>
+          </a:prstGeom>
+          <a:noFill/>
+        </p:spPr>
+        <p:txBody>
+          <a:bodyPr wrap="none" rtlCol="0">
+            <a:spAutoFit/>
+          </a:bodyPr>
+          <a:lstStyle/>
+          <a:p>
+            <a:r>
+              <a:rPr lang="zh-TW" altLang="en-US" dirty="0" smtClean="0"/>
+              <a:t>課外技能樹</a:t>
+            </a:r>
+            <a:endParaRPr lang="zh-TW" altLang="en-US" dirty="0"/>
+          </a:p>
+        </p:txBody>
+      </p:sp>
+      <p:sp>
+        <p:nvSpPr>
+          <p:cNvPr id="22" name="文字方塊 21"/>
+          <p:cNvSpPr txBox="1"/>
+          <p:nvPr/>
+        </p:nvSpPr>
+        <p:spPr>
+          <a:xfrm>
+            <a:off x="-3981996" y="7404957"/>
+            <a:ext cx="1183144" cy="400238"/>
+          </a:xfrm>
+          <a:prstGeom prst="rect">
+            <a:avLst/>
+          </a:prstGeom>
+          <a:noFill/>
+        </p:spPr>
+        <p:txBody>
+          <a:bodyPr wrap="none" rtlCol="0">
+            <a:spAutoFit/>
+          </a:bodyPr>
+          <a:lstStyle/>
+          <a:p>
+            <a:r>
+              <a:rPr lang="en-US" altLang="zh-TW" dirty="0" smtClean="0"/>
+              <a:t>Free time</a:t>
+            </a:r>
+            <a:endParaRPr lang="zh-TW" altLang="en-US" dirty="0"/>
+          </a:p>
+        </p:txBody>
+      </p:sp>
+      <p:sp>
+        <p:nvSpPr>
+          <p:cNvPr id="23" name="文字方塊 22"/>
+          <p:cNvSpPr txBox="1"/>
+          <p:nvPr/>
+        </p:nvSpPr>
+        <p:spPr>
+          <a:xfrm>
+            <a:off x="-4212518" y="3623025"/>
+            <a:ext cx="1467068" cy="400238"/>
+          </a:xfrm>
+          <a:prstGeom prst="rect">
+            <a:avLst/>
+          </a:prstGeom>
+          <a:noFill/>
+        </p:spPr>
+        <p:txBody>
+          <a:bodyPr wrap="none" rtlCol="0">
+            <a:spAutoFit/>
+          </a:bodyPr>
+          <a:lstStyle/>
+          <a:p>
+            <a:r>
+              <a:rPr lang="zh-TW" altLang="en-US" dirty="0" smtClean="0"/>
+              <a:t>課程技能樹</a:t>
+            </a:r>
+            <a:endParaRPr lang="zh-TW" altLang="en-US" dirty="0"/>
+          </a:p>
+        </p:txBody>
+      </p:sp>
+      <p:sp>
+        <p:nvSpPr>
+          <p:cNvPr id="24" name="文字方塊 23"/>
+          <p:cNvSpPr txBox="1"/>
+          <p:nvPr/>
+        </p:nvSpPr>
+        <p:spPr>
+          <a:xfrm>
+            <a:off x="3394676" y="912598"/>
+            <a:ext cx="954107" cy="400238"/>
+          </a:xfrm>
+          <a:prstGeom prst="rect">
+            <a:avLst/>
+          </a:prstGeom>
+          <a:noFill/>
+        </p:spPr>
+        <p:txBody>
+          <a:bodyPr wrap="none" rtlCol="0">
+            <a:spAutoFit/>
+          </a:bodyPr>
+          <a:lstStyle/>
+          <a:p>
+            <a:r>
+              <a:rPr lang="zh-TW" altLang="en-US" dirty="0" smtClean="0"/>
+              <a:t>考古題</a:t>
+            </a:r>
+            <a:endParaRPr lang="zh-TW" altLang="en-US" dirty="0"/>
+          </a:p>
+        </p:txBody>
+      </p:sp>
+      <p:sp>
+        <p:nvSpPr>
+          <p:cNvPr id="25" name="文字方塊 24"/>
+          <p:cNvSpPr txBox="1"/>
+          <p:nvPr/>
+        </p:nvSpPr>
+        <p:spPr>
+          <a:xfrm>
+            <a:off x="4647435" y="912598"/>
+            <a:ext cx="1467068" cy="400238"/>
+          </a:xfrm>
+          <a:prstGeom prst="rect">
+            <a:avLst/>
+          </a:prstGeom>
+          <a:noFill/>
+        </p:spPr>
+        <p:txBody>
+          <a:bodyPr wrap="none" rtlCol="0">
+            <a:spAutoFit/>
+          </a:bodyPr>
+          <a:lstStyle/>
+          <a:p>
+            <a:r>
+              <a:rPr lang="zh-TW" altLang="en-US" dirty="0" smtClean="0"/>
+              <a:t>課程技能樹</a:t>
+            </a:r>
+            <a:endParaRPr lang="zh-TW" altLang="en-US" dirty="0"/>
+          </a:p>
+        </p:txBody>
+      </p:sp>
+      <p:sp>
+        <p:nvSpPr>
+          <p:cNvPr id="26" name="文字方塊 25"/>
+          <p:cNvSpPr txBox="1"/>
+          <p:nvPr/>
+        </p:nvSpPr>
+        <p:spPr>
+          <a:xfrm>
+            <a:off x="6541283" y="912598"/>
+            <a:ext cx="1467068" cy="400238"/>
+          </a:xfrm>
+          <a:prstGeom prst="rect">
+            <a:avLst/>
+          </a:prstGeom>
+          <a:noFill/>
+        </p:spPr>
+        <p:txBody>
+          <a:bodyPr wrap="none" rtlCol="0">
+            <a:spAutoFit/>
+          </a:bodyPr>
+          <a:lstStyle/>
+          <a:p>
+            <a:r>
+              <a:rPr lang="zh-TW" altLang="en-US" dirty="0" smtClean="0"/>
+              <a:t>課外技能樹</a:t>
+            </a:r>
+            <a:endParaRPr lang="zh-TW" altLang="en-US" dirty="0"/>
+          </a:p>
+        </p:txBody>
+      </p:sp>
+      <p:sp>
+        <p:nvSpPr>
+          <p:cNvPr id="27" name="文字方塊 26"/>
+          <p:cNvSpPr txBox="1"/>
+          <p:nvPr/>
+        </p:nvSpPr>
+        <p:spPr>
+          <a:xfrm>
+            <a:off x="8435131" y="912598"/>
+            <a:ext cx="1183144" cy="400238"/>
+          </a:xfrm>
+          <a:prstGeom prst="rect">
+            <a:avLst/>
+          </a:prstGeom>
+          <a:noFill/>
+        </p:spPr>
+        <p:txBody>
+          <a:bodyPr wrap="none" rtlCol="0">
+            <a:spAutoFit/>
+          </a:bodyPr>
+          <a:lstStyle/>
+          <a:p>
+            <a:r>
+              <a:rPr lang="en-US" altLang="zh-TW" dirty="0" smtClean="0"/>
+              <a:t>Free time</a:t>
+            </a:r>
+            <a:endParaRPr lang="zh-TW" altLang="en-US" dirty="0"/>
+          </a:p>
+        </p:txBody>
+      </p:sp>
+      <p:sp>
+        <p:nvSpPr>
+          <p:cNvPr id="28" name="文字方塊 27"/>
+          <p:cNvSpPr txBox="1"/>
+          <p:nvPr/>
+        </p:nvSpPr>
+        <p:spPr>
+          <a:xfrm>
+            <a:off x="-3604380" y="4988248"/>
+            <a:ext cx="824265" cy="400238"/>
+          </a:xfrm>
+          <a:prstGeom prst="rect">
+            <a:avLst/>
+          </a:prstGeom>
+          <a:noFill/>
+        </p:spPr>
+        <p:txBody>
+          <a:bodyPr wrap="none" rtlCol="0">
+            <a:spAutoFit/>
+          </a:bodyPr>
+          <a:lstStyle/>
+          <a:p>
+            <a:r>
+              <a:rPr lang="en-US" altLang="zh-TW" dirty="0" smtClean="0"/>
+              <a:t>About</a:t>
+            </a:r>
+            <a:endParaRPr lang="zh-TW" altLang="en-US" dirty="0"/>
+          </a:p>
+        </p:txBody>
+      </p:sp>
+      <p:sp>
+        <p:nvSpPr>
+          <p:cNvPr id="30" name="矩形 29"/>
+          <p:cNvSpPr/>
+          <p:nvPr/>
+        </p:nvSpPr>
+        <p:spPr>
+          <a:xfrm>
+            <a:off x="58490" y="7605076"/>
+            <a:ext cx="11308010" cy="1035682"/>
+          </a:xfrm>
+          <a:prstGeom prst="rect">
+            <a:avLst/>
+          </a:prstGeom>
+          <a:solidFill>
+            <a:schemeClr val="bg2">
+              <a:lumMod val="75000"/>
+            </a:schemeClr>
+          </a:solidFill>
+          <a:ln>
+            <a:noFill/>
+          </a:ln>
+        </p:spPr>
+        <p:style>
+          <a:lnRef idx="2">
+            <a:schemeClr val="accent1">
+              <a:shade val="50000"/>
+            </a:schemeClr>
+          </a:lnRef>
+          <a:fillRef idx="1">
+            <a:schemeClr val="accent1"/>
+          </a:fillRef>
+          <a:effectRef idx="0">
+            <a:schemeClr val="accent1"/>
+          </a:effectRef>
+          <a:fontRef idx="minor">
+            <a:schemeClr val="lt1"/>
+          </a:fontRef>
+        </p:style>
+        <p:txBody>
+          <a:bodyPr rtlCol="0" anchor="ctr"/>
+          <a:lstStyle/>
+          <a:p>
+            <a:pPr algn="ctr"/>
+            <a:endParaRPr lang="zh-TW" altLang="en-US"/>
+          </a:p>
+        </p:txBody>
+      </p:sp>
+      <p:grpSp>
+        <p:nvGrpSpPr>
+          <p:cNvPr id="36" name="群組 35"/>
+          <p:cNvGrpSpPr/>
+          <p:nvPr/>
+        </p:nvGrpSpPr>
+        <p:grpSpPr>
+          <a:xfrm>
+            <a:off x="-2379003" y="2318198"/>
+            <a:ext cx="674882" cy="598365"/>
+            <a:chOff x="-1903535" y="2318197"/>
+            <a:chExt cx="540000" cy="598365"/>
+          </a:xfrm>
+        </p:grpSpPr>
+        <p:sp>
+          <p:nvSpPr>
+            <p:cNvPr id="31" name="矩形 30"/>
+            <p:cNvSpPr/>
+            <p:nvPr/>
+          </p:nvSpPr>
+          <p:spPr>
+            <a:xfrm>
+              <a:off x="-1903535" y="2318197"/>
+              <a:ext cx="540000" cy="540000"/>
+            </a:xfrm>
+            <a:prstGeom prst="rect">
+              <a:avLst/>
+            </a:prstGeom>
+            <a:noFill/>
+          </p:spPr>
+          <p:style>
+            <a:lnRef idx="2">
+              <a:schemeClr val="accent1">
+                <a:shade val="50000"/>
+              </a:schemeClr>
+            </a:lnRef>
+            <a:fillRef idx="1">
+              <a:schemeClr val="accent1"/>
+            </a:fillRef>
+            <a:effectRef idx="0">
+              <a:schemeClr val="accent1"/>
+            </a:effectRef>
+            <a:fontRef idx="minor">
+              <a:schemeClr val="lt1"/>
+            </a:fontRef>
+          </p:style>
+          <p:txBody>
+            <a:bodyPr rtlCol="0" anchor="ctr"/>
+            <a:lstStyle/>
+            <a:p>
+              <a:pPr algn="ctr"/>
+              <a:endParaRPr lang="zh-TW" altLang="en-US"/>
+            </a:p>
+          </p:txBody>
+        </p:sp>
+        <p:cxnSp>
+          <p:nvCxnSpPr>
+            <p:cNvPr id="33" name="直線接點 32"/>
+            <p:cNvCxnSpPr/>
+            <p:nvPr/>
+          </p:nvCxnSpPr>
+          <p:spPr>
+            <a:xfrm>
+              <a:off x="-1903535" y="2318197"/>
+              <a:ext cx="540000" cy="598365"/>
+            </a:xfrm>
+            <a:prstGeom prst="line">
+              <a:avLst/>
+            </a:prstGeom>
+          </p:spPr>
+          <p:style>
+            <a:lnRef idx="1">
+              <a:schemeClr val="accent1"/>
+            </a:lnRef>
+            <a:fillRef idx="0">
+              <a:schemeClr val="accent1"/>
+            </a:fillRef>
+            <a:effectRef idx="0">
+              <a:schemeClr val="accent1"/>
+            </a:effectRef>
+            <a:fontRef idx="minor">
+              <a:schemeClr val="tx1"/>
+            </a:fontRef>
+          </p:style>
+        </p:cxnSp>
+        <p:cxnSp>
+          <p:nvCxnSpPr>
+            <p:cNvPr id="35" name="直線接點 34"/>
+            <p:cNvCxnSpPr/>
+            <p:nvPr/>
+          </p:nvCxnSpPr>
+          <p:spPr>
+            <a:xfrm flipH="1">
+              <a:off x="-1903535" y="2318197"/>
+              <a:ext cx="540000" cy="540000"/>
+            </a:xfrm>
+            <a:prstGeom prst="line">
+              <a:avLst/>
+            </a:prstGeom>
+          </p:spPr>
+          <p:style>
+            <a:lnRef idx="1">
+              <a:schemeClr val="accent1"/>
+            </a:lnRef>
+            <a:fillRef idx="0">
+              <a:schemeClr val="accent1"/>
+            </a:fillRef>
+            <a:effectRef idx="0">
+              <a:schemeClr val="accent1"/>
+            </a:effectRef>
+            <a:fontRef idx="minor">
+              <a:schemeClr val="tx1"/>
+            </a:fontRef>
+          </p:style>
+        </p:cxnSp>
+      </p:grpSp>
+      <p:grpSp>
+        <p:nvGrpSpPr>
+          <p:cNvPr id="50" name="群組 49"/>
+          <p:cNvGrpSpPr/>
+          <p:nvPr/>
+        </p:nvGrpSpPr>
+        <p:grpSpPr>
+          <a:xfrm>
+            <a:off x="8435131" y="7823735"/>
+            <a:ext cx="2525143" cy="598365"/>
+            <a:chOff x="6749283" y="7823734"/>
+            <a:chExt cx="2020467" cy="598365"/>
+          </a:xfrm>
+        </p:grpSpPr>
+        <p:grpSp>
+          <p:nvGrpSpPr>
+            <p:cNvPr id="37" name="群組 36"/>
+            <p:cNvGrpSpPr/>
+            <p:nvPr/>
+          </p:nvGrpSpPr>
+          <p:grpSpPr>
+            <a:xfrm>
+              <a:off x="8229750" y="7823734"/>
+              <a:ext cx="540000" cy="598365"/>
+              <a:chOff x="-1903535" y="2318197"/>
+              <a:chExt cx="540000" cy="598365"/>
+            </a:xfrm>
+          </p:grpSpPr>
+          <p:sp>
+            <p:nvSpPr>
+              <p:cNvPr id="38" name="矩形 37"/>
+              <p:cNvSpPr/>
+              <p:nvPr/>
+            </p:nvSpPr>
+            <p:spPr>
+              <a:xfrm>
+                <a:off x="-1903535" y="2318197"/>
+                <a:ext cx="540000" cy="540000"/>
+              </a:xfrm>
+              <a:prstGeom prst="rect">
+                <a:avLst/>
+              </a:prstGeom>
+              <a:noFill/>
+            </p:spPr>
+            <p:style>
+              <a:lnRef idx="2">
+                <a:schemeClr val="accent1">
+                  <a:shade val="50000"/>
+                </a:schemeClr>
+              </a:lnRef>
+              <a:fillRef idx="1">
+                <a:schemeClr val="accent1"/>
+              </a:fillRef>
+              <a:effectRef idx="0">
+                <a:schemeClr val="accent1"/>
+              </a:effectRef>
+              <a:fontRef idx="minor">
+                <a:schemeClr val="lt1"/>
+              </a:fontRef>
+            </p:style>
+            <p:txBody>
+              <a:bodyPr rtlCol="0" anchor="ctr"/>
+              <a:lstStyle/>
+              <a:p>
+                <a:pPr algn="ctr"/>
+                <a:endParaRPr lang="zh-TW" altLang="en-US"/>
+              </a:p>
+            </p:txBody>
+          </p:sp>
+          <p:cxnSp>
+            <p:nvCxnSpPr>
+              <p:cNvPr id="39" name="直線接點 38"/>
+              <p:cNvCxnSpPr/>
+              <p:nvPr/>
+            </p:nvCxnSpPr>
+            <p:spPr>
+              <a:xfrm>
+                <a:off x="-1903535" y="2318197"/>
+                <a:ext cx="540000" cy="598365"/>
+              </a:xfrm>
+              <a:prstGeom prst="line">
+                <a:avLst/>
+              </a:prstGeom>
+            </p:spPr>
+            <p:style>
+              <a:lnRef idx="1">
+                <a:schemeClr val="accent1"/>
+              </a:lnRef>
+              <a:fillRef idx="0">
+                <a:schemeClr val="accent1"/>
+              </a:fillRef>
+              <a:effectRef idx="0">
+                <a:schemeClr val="accent1"/>
+              </a:effectRef>
+              <a:fontRef idx="minor">
+                <a:schemeClr val="tx1"/>
+              </a:fontRef>
+            </p:style>
+          </p:cxnSp>
+          <p:cxnSp>
+            <p:nvCxnSpPr>
+              <p:cNvPr id="40" name="直線接點 39"/>
+              <p:cNvCxnSpPr/>
+              <p:nvPr/>
+            </p:nvCxnSpPr>
+            <p:spPr>
+              <a:xfrm flipH="1">
+                <a:off x="-1903535" y="2318197"/>
+                <a:ext cx="540000" cy="540000"/>
+              </a:xfrm>
+              <a:prstGeom prst="line">
+                <a:avLst/>
+              </a:prstGeom>
+            </p:spPr>
+            <p:style>
+              <a:lnRef idx="1">
+                <a:schemeClr val="accent1"/>
+              </a:lnRef>
+              <a:fillRef idx="0">
+                <a:schemeClr val="accent1"/>
+              </a:fillRef>
+              <a:effectRef idx="0">
+                <a:schemeClr val="accent1"/>
+              </a:effectRef>
+              <a:fontRef idx="minor">
+                <a:schemeClr val="tx1"/>
+              </a:fontRef>
+            </p:style>
+          </p:cxnSp>
+        </p:grpSp>
+        <p:grpSp>
+          <p:nvGrpSpPr>
+            <p:cNvPr id="41" name="群組 40"/>
+            <p:cNvGrpSpPr/>
+            <p:nvPr/>
+          </p:nvGrpSpPr>
+          <p:grpSpPr>
+            <a:xfrm>
+              <a:off x="7489517" y="7823734"/>
+              <a:ext cx="540000" cy="598365"/>
+              <a:chOff x="-1903535" y="2318197"/>
+              <a:chExt cx="540000" cy="598365"/>
+            </a:xfrm>
+          </p:grpSpPr>
+          <p:sp>
+            <p:nvSpPr>
+              <p:cNvPr id="42" name="矩形 41"/>
+              <p:cNvSpPr/>
+              <p:nvPr/>
+            </p:nvSpPr>
+            <p:spPr>
+              <a:xfrm>
+                <a:off x="-1903535" y="2318197"/>
+                <a:ext cx="540000" cy="540000"/>
+              </a:xfrm>
+              <a:prstGeom prst="rect">
+                <a:avLst/>
+              </a:prstGeom>
+              <a:noFill/>
+            </p:spPr>
+            <p:style>
+              <a:lnRef idx="2">
+                <a:schemeClr val="accent1">
+                  <a:shade val="50000"/>
+                </a:schemeClr>
+              </a:lnRef>
+              <a:fillRef idx="1">
+                <a:schemeClr val="accent1"/>
+              </a:fillRef>
+              <a:effectRef idx="0">
+                <a:schemeClr val="accent1"/>
+              </a:effectRef>
+              <a:fontRef idx="minor">
+                <a:schemeClr val="lt1"/>
+              </a:fontRef>
+            </p:style>
+            <p:txBody>
+              <a:bodyPr rtlCol="0" anchor="ctr"/>
+              <a:lstStyle/>
+              <a:p>
+                <a:pPr algn="ctr"/>
+                <a:endParaRPr lang="zh-TW" altLang="en-US"/>
+              </a:p>
+            </p:txBody>
+          </p:sp>
+          <p:cxnSp>
+            <p:nvCxnSpPr>
+              <p:cNvPr id="43" name="直線接點 42"/>
+              <p:cNvCxnSpPr/>
+              <p:nvPr/>
+            </p:nvCxnSpPr>
+            <p:spPr>
+              <a:xfrm>
+                <a:off x="-1903535" y="2318197"/>
+                <a:ext cx="540000" cy="598365"/>
+              </a:xfrm>
+              <a:prstGeom prst="line">
+                <a:avLst/>
+              </a:prstGeom>
+            </p:spPr>
+            <p:style>
+              <a:lnRef idx="1">
+                <a:schemeClr val="accent1"/>
+              </a:lnRef>
+              <a:fillRef idx="0">
+                <a:schemeClr val="accent1"/>
+              </a:fillRef>
+              <a:effectRef idx="0">
+                <a:schemeClr val="accent1"/>
+              </a:effectRef>
+              <a:fontRef idx="minor">
+                <a:schemeClr val="tx1"/>
+              </a:fontRef>
+            </p:style>
+          </p:cxnSp>
+          <p:cxnSp>
+            <p:nvCxnSpPr>
+              <p:cNvPr id="44" name="直線接點 43"/>
+              <p:cNvCxnSpPr/>
+              <p:nvPr/>
+            </p:nvCxnSpPr>
+            <p:spPr>
+              <a:xfrm flipH="1">
+                <a:off x="-1903535" y="2318197"/>
+                <a:ext cx="540000" cy="540000"/>
+              </a:xfrm>
+              <a:prstGeom prst="line">
+                <a:avLst/>
+              </a:prstGeom>
+            </p:spPr>
+            <p:style>
+              <a:lnRef idx="1">
+                <a:schemeClr val="accent1"/>
+              </a:lnRef>
+              <a:fillRef idx="0">
+                <a:schemeClr val="accent1"/>
+              </a:fillRef>
+              <a:effectRef idx="0">
+                <a:schemeClr val="accent1"/>
+              </a:effectRef>
+              <a:fontRef idx="minor">
+                <a:schemeClr val="tx1"/>
+              </a:fontRef>
+            </p:style>
+          </p:cxnSp>
+        </p:grpSp>
+        <p:grpSp>
+          <p:nvGrpSpPr>
+            <p:cNvPr id="45" name="群組 44"/>
+            <p:cNvGrpSpPr/>
+            <p:nvPr/>
+          </p:nvGrpSpPr>
+          <p:grpSpPr>
+            <a:xfrm>
+              <a:off x="6749283" y="7823734"/>
+              <a:ext cx="540000" cy="598365"/>
+              <a:chOff x="-1903535" y="2318197"/>
+              <a:chExt cx="540000" cy="598365"/>
+            </a:xfrm>
+          </p:grpSpPr>
+          <p:sp>
+            <p:nvSpPr>
+              <p:cNvPr id="46" name="矩形 45"/>
+              <p:cNvSpPr/>
+              <p:nvPr/>
+            </p:nvSpPr>
+            <p:spPr>
+              <a:xfrm>
+                <a:off x="-1903535" y="2318197"/>
+                <a:ext cx="540000" cy="540000"/>
+              </a:xfrm>
+              <a:prstGeom prst="rect">
+                <a:avLst/>
+              </a:prstGeom>
+              <a:noFill/>
+            </p:spPr>
+            <p:style>
+              <a:lnRef idx="2">
+                <a:schemeClr val="accent1">
+                  <a:shade val="50000"/>
+                </a:schemeClr>
+              </a:lnRef>
+              <a:fillRef idx="1">
+                <a:schemeClr val="accent1"/>
+              </a:fillRef>
+              <a:effectRef idx="0">
+                <a:schemeClr val="accent1"/>
+              </a:effectRef>
+              <a:fontRef idx="minor">
+                <a:schemeClr val="lt1"/>
+              </a:fontRef>
+            </p:style>
+            <p:txBody>
+              <a:bodyPr rtlCol="0" anchor="ctr"/>
+              <a:lstStyle/>
+              <a:p>
+                <a:pPr algn="ctr"/>
+                <a:endParaRPr lang="zh-TW" altLang="en-US"/>
+              </a:p>
+            </p:txBody>
+          </p:sp>
+          <p:cxnSp>
+            <p:nvCxnSpPr>
+              <p:cNvPr id="47" name="直線接點 46"/>
+              <p:cNvCxnSpPr/>
+              <p:nvPr/>
+            </p:nvCxnSpPr>
+            <p:spPr>
+              <a:xfrm>
+                <a:off x="-1903535" y="2318197"/>
+                <a:ext cx="540000" cy="598365"/>
+              </a:xfrm>
+              <a:prstGeom prst="line">
+                <a:avLst/>
+              </a:prstGeom>
+            </p:spPr>
+            <p:style>
+              <a:lnRef idx="1">
+                <a:schemeClr val="accent1"/>
+              </a:lnRef>
+              <a:fillRef idx="0">
+                <a:schemeClr val="accent1"/>
+              </a:fillRef>
+              <a:effectRef idx="0">
+                <a:schemeClr val="accent1"/>
+              </a:effectRef>
+              <a:fontRef idx="minor">
+                <a:schemeClr val="tx1"/>
+              </a:fontRef>
+            </p:style>
+          </p:cxnSp>
+          <p:cxnSp>
+            <p:nvCxnSpPr>
+              <p:cNvPr id="48" name="直線接點 47"/>
+              <p:cNvCxnSpPr/>
+              <p:nvPr/>
+            </p:nvCxnSpPr>
+            <p:spPr>
+              <a:xfrm flipH="1">
+                <a:off x="-1903535" y="2318197"/>
+                <a:ext cx="540000" cy="540000"/>
+              </a:xfrm>
+              <a:prstGeom prst="line">
+                <a:avLst/>
+              </a:prstGeom>
+            </p:spPr>
+            <p:style>
+              <a:lnRef idx="1">
+                <a:schemeClr val="accent1"/>
+              </a:lnRef>
+              <a:fillRef idx="0">
+                <a:schemeClr val="accent1"/>
+              </a:fillRef>
+              <a:effectRef idx="0">
+                <a:schemeClr val="accent1"/>
+              </a:effectRef>
+              <a:fontRef idx="minor">
+                <a:schemeClr val="tx1"/>
+              </a:fontRef>
+            </p:style>
+          </p:cxnSp>
+        </p:grpSp>
+      </p:grpSp>
+      <p:sp>
+        <p:nvSpPr>
+          <p:cNvPr id="51" name="文字方塊 50"/>
+          <p:cNvSpPr txBox="1"/>
+          <p:nvPr/>
+        </p:nvSpPr>
+        <p:spPr>
+          <a:xfrm>
+            <a:off x="1624752" y="7963496"/>
+            <a:ext cx="2349983" cy="400238"/>
+          </a:xfrm>
+          <a:prstGeom prst="rect">
+            <a:avLst/>
+          </a:prstGeom>
+          <a:noFill/>
+        </p:spPr>
+        <p:txBody>
+          <a:bodyPr wrap="square" rtlCol="0">
+            <a:spAutoFit/>
+          </a:bodyPr>
+          <a:lstStyle/>
+          <a:p>
+            <a:r>
+              <a:rPr lang="en-US" altLang="zh-TW" dirty="0" smtClean="0"/>
+              <a:t>Footer</a:t>
+            </a:r>
+            <a:endParaRPr lang="zh-TW" altLang="en-US" dirty="0"/>
+          </a:p>
+        </p:txBody>
+      </p:sp>
+      <p:sp>
+        <p:nvSpPr>
+          <p:cNvPr id="32" name="文字方塊 31"/>
+          <p:cNvSpPr txBox="1"/>
+          <p:nvPr/>
+        </p:nvSpPr>
+        <p:spPr>
+          <a:xfrm>
+            <a:off x="12425942" y="2858197"/>
+            <a:ext cx="674736" cy="400238"/>
+          </a:xfrm>
+          <a:prstGeom prst="rect">
+            <a:avLst/>
+          </a:prstGeom>
+          <a:noFill/>
+        </p:spPr>
+        <p:txBody>
+          <a:bodyPr wrap="none" rtlCol="0">
+            <a:spAutoFit/>
+          </a:bodyPr>
+          <a:lstStyle/>
+          <a:p>
+            <a:r>
+              <a:rPr lang="en-US" altLang="zh-TW" dirty="0" smtClean="0"/>
+              <a:t>Root</a:t>
+            </a:r>
+            <a:endParaRPr lang="zh-TW" altLang="en-US" dirty="0"/>
+          </a:p>
+        </p:txBody>
+      </p:sp>
+      <p:sp>
+        <p:nvSpPr>
+          <p:cNvPr id="52" name="文字方塊 51"/>
+          <p:cNvSpPr txBox="1"/>
+          <p:nvPr/>
+        </p:nvSpPr>
+        <p:spPr>
+          <a:xfrm>
+            <a:off x="781478" y="1917959"/>
+            <a:ext cx="674736" cy="400238"/>
+          </a:xfrm>
+          <a:prstGeom prst="rect">
+            <a:avLst/>
+          </a:prstGeom>
+          <a:noFill/>
+        </p:spPr>
+        <p:txBody>
+          <a:bodyPr wrap="none" rtlCol="0">
+            <a:spAutoFit/>
+          </a:bodyPr>
+          <a:lstStyle/>
+          <a:p>
+            <a:r>
+              <a:rPr lang="en-US" altLang="zh-TW" dirty="0" smtClean="0"/>
+              <a:t>Root</a:t>
+            </a:r>
+            <a:endParaRPr lang="zh-TW" altLang="en-US" dirty="0"/>
+          </a:p>
+        </p:txBody>
+      </p:sp>
+      <p:sp>
+        <p:nvSpPr>
+          <p:cNvPr id="53" name="文字方塊 52"/>
+          <p:cNvSpPr txBox="1"/>
+          <p:nvPr/>
+        </p:nvSpPr>
+        <p:spPr>
+          <a:xfrm>
+            <a:off x="1624752" y="2328017"/>
+            <a:ext cx="870879" cy="400238"/>
+          </a:xfrm>
+          <a:prstGeom prst="rect">
+            <a:avLst/>
+          </a:prstGeom>
+          <a:noFill/>
+        </p:spPr>
+        <p:txBody>
+          <a:bodyPr wrap="none" rtlCol="0">
+            <a:spAutoFit/>
+          </a:bodyPr>
+          <a:lstStyle/>
+          <a:p>
+            <a:r>
+              <a:rPr lang="en-US" altLang="zh-TW" dirty="0"/>
+              <a:t>L</a:t>
+            </a:r>
+            <a:r>
+              <a:rPr lang="en-US" altLang="zh-TW" dirty="0" smtClean="0"/>
+              <a:t>ayer1</a:t>
+            </a:r>
+            <a:endParaRPr lang="zh-TW" altLang="en-US" dirty="0"/>
+          </a:p>
+        </p:txBody>
+      </p:sp>
+      <p:sp>
+        <p:nvSpPr>
+          <p:cNvPr id="54" name="文字方塊 53"/>
+          <p:cNvSpPr txBox="1"/>
+          <p:nvPr/>
+        </p:nvSpPr>
+        <p:spPr>
+          <a:xfrm>
+            <a:off x="2685711" y="2680776"/>
+            <a:ext cx="870879" cy="400238"/>
+          </a:xfrm>
+          <a:prstGeom prst="rect">
+            <a:avLst/>
+          </a:prstGeom>
+          <a:noFill/>
+        </p:spPr>
+        <p:txBody>
+          <a:bodyPr wrap="none" rtlCol="0">
+            <a:spAutoFit/>
+          </a:bodyPr>
+          <a:lstStyle/>
+          <a:p>
+            <a:r>
+              <a:rPr lang="en-US" altLang="zh-TW" dirty="0" smtClean="0"/>
+              <a:t>Layer2</a:t>
+            </a:r>
+            <a:endParaRPr lang="zh-TW" altLang="en-US" dirty="0"/>
+          </a:p>
+        </p:txBody>
+      </p:sp>
+      <p:sp>
+        <p:nvSpPr>
+          <p:cNvPr id="55" name="文字方塊 54"/>
+          <p:cNvSpPr txBox="1"/>
+          <p:nvPr/>
+        </p:nvSpPr>
+        <p:spPr>
+          <a:xfrm>
+            <a:off x="2685711" y="3087999"/>
+            <a:ext cx="870879" cy="400238"/>
+          </a:xfrm>
+          <a:prstGeom prst="rect">
+            <a:avLst/>
+          </a:prstGeom>
+          <a:noFill/>
+        </p:spPr>
+        <p:txBody>
+          <a:bodyPr wrap="none" rtlCol="0">
+            <a:spAutoFit/>
+          </a:bodyPr>
+          <a:lstStyle/>
+          <a:p>
+            <a:r>
+              <a:rPr lang="en-US" altLang="zh-TW" dirty="0" smtClean="0"/>
+              <a:t>Layer2</a:t>
+            </a:r>
+            <a:endParaRPr lang="zh-TW" altLang="en-US" dirty="0"/>
+          </a:p>
+        </p:txBody>
+      </p:sp>
+      <p:sp>
+        <p:nvSpPr>
+          <p:cNvPr id="57" name="文字方塊 56"/>
+          <p:cNvSpPr txBox="1"/>
+          <p:nvPr/>
+        </p:nvSpPr>
+        <p:spPr>
+          <a:xfrm>
+            <a:off x="2685711" y="3495223"/>
+            <a:ext cx="870879" cy="400238"/>
+          </a:xfrm>
+          <a:prstGeom prst="rect">
+            <a:avLst/>
+          </a:prstGeom>
+          <a:noFill/>
+        </p:spPr>
+        <p:txBody>
+          <a:bodyPr wrap="none" rtlCol="0">
+            <a:spAutoFit/>
+          </a:bodyPr>
+          <a:lstStyle/>
+          <a:p>
+            <a:r>
+              <a:rPr lang="en-US" altLang="zh-TW" dirty="0" smtClean="0"/>
+              <a:t>Layer2</a:t>
+            </a:r>
+            <a:endParaRPr lang="zh-TW" altLang="en-US" dirty="0"/>
+          </a:p>
+        </p:txBody>
+      </p:sp>
+      <p:sp>
+        <p:nvSpPr>
+          <p:cNvPr id="61" name="文字方塊 60"/>
+          <p:cNvSpPr txBox="1"/>
+          <p:nvPr/>
+        </p:nvSpPr>
+        <p:spPr>
+          <a:xfrm>
+            <a:off x="1601092" y="3835110"/>
+            <a:ext cx="870879" cy="400238"/>
+          </a:xfrm>
+          <a:prstGeom prst="rect">
+            <a:avLst/>
+          </a:prstGeom>
+          <a:noFill/>
+        </p:spPr>
+        <p:txBody>
+          <a:bodyPr wrap="none" rtlCol="0">
+            <a:spAutoFit/>
+          </a:bodyPr>
+          <a:lstStyle/>
+          <a:p>
+            <a:r>
+              <a:rPr lang="en-US" altLang="zh-TW" dirty="0" smtClean="0"/>
+              <a:t>Layer1</a:t>
+            </a:r>
+            <a:endParaRPr lang="zh-TW" altLang="en-US" dirty="0"/>
+          </a:p>
+        </p:txBody>
+      </p:sp>
+      <p:sp>
+        <p:nvSpPr>
+          <p:cNvPr id="62" name="文字方塊 61"/>
+          <p:cNvSpPr txBox="1"/>
+          <p:nvPr/>
+        </p:nvSpPr>
+        <p:spPr>
+          <a:xfrm>
+            <a:off x="2662052" y="4187869"/>
+            <a:ext cx="870879" cy="400238"/>
+          </a:xfrm>
+          <a:prstGeom prst="rect">
+            <a:avLst/>
+          </a:prstGeom>
+          <a:noFill/>
+        </p:spPr>
+        <p:txBody>
+          <a:bodyPr wrap="none" rtlCol="0">
+            <a:spAutoFit/>
+          </a:bodyPr>
+          <a:lstStyle/>
+          <a:p>
+            <a:r>
+              <a:rPr lang="en-US" altLang="zh-TW" dirty="0" smtClean="0"/>
+              <a:t>Layer2</a:t>
+            </a:r>
+            <a:endParaRPr lang="zh-TW" altLang="en-US" dirty="0"/>
+          </a:p>
+        </p:txBody>
+      </p:sp>
+      <p:sp>
+        <p:nvSpPr>
+          <p:cNvPr id="63" name="文字方塊 62"/>
+          <p:cNvSpPr txBox="1"/>
+          <p:nvPr/>
+        </p:nvSpPr>
+        <p:spPr>
+          <a:xfrm>
+            <a:off x="2662052" y="4595092"/>
+            <a:ext cx="870879" cy="400238"/>
+          </a:xfrm>
+          <a:prstGeom prst="rect">
+            <a:avLst/>
+          </a:prstGeom>
+          <a:noFill/>
+        </p:spPr>
+        <p:txBody>
+          <a:bodyPr wrap="none" rtlCol="0">
+            <a:spAutoFit/>
+          </a:bodyPr>
+          <a:lstStyle/>
+          <a:p>
+            <a:r>
+              <a:rPr lang="en-US" altLang="zh-TW" dirty="0" smtClean="0"/>
+              <a:t>Layer2</a:t>
+            </a:r>
+            <a:endParaRPr lang="zh-TW" altLang="en-US" dirty="0"/>
+          </a:p>
+        </p:txBody>
+      </p:sp>
+      <p:sp>
+        <p:nvSpPr>
+          <p:cNvPr id="64" name="文字方塊 63"/>
+          <p:cNvSpPr txBox="1"/>
+          <p:nvPr/>
+        </p:nvSpPr>
+        <p:spPr>
+          <a:xfrm>
+            <a:off x="1617188" y="5130906"/>
+            <a:ext cx="870879" cy="400238"/>
+          </a:xfrm>
+          <a:prstGeom prst="rect">
+            <a:avLst/>
+          </a:prstGeom>
+          <a:noFill/>
+        </p:spPr>
+        <p:txBody>
+          <a:bodyPr wrap="none" rtlCol="0">
+            <a:spAutoFit/>
+          </a:bodyPr>
+          <a:lstStyle/>
+          <a:p>
+            <a:r>
+              <a:rPr lang="en-US" altLang="zh-TW" dirty="0" smtClean="0"/>
+              <a:t>Layer1</a:t>
+            </a:r>
+            <a:endParaRPr lang="zh-TW" altLang="en-US" dirty="0"/>
+          </a:p>
+        </p:txBody>
+      </p:sp>
+    </p:spTree>
+    <p:extLst>
+      <p:ext uri="{BB962C8B-B14F-4D97-AF65-F5344CB8AC3E}">
+        <p14:creationId xmlns:p14="http://schemas.microsoft.com/office/powerpoint/2010/main" val="3076918893"/>
+      </p:ext>
+    </p:extLst>
+  </p:cSld>
+  <p:clrMapOvr>
+    <a:masterClrMapping/>
+  </p:clrMapOvr>
+  <p:timing>
+    <p:tnLst>
+      <p:par>
+        <p:cTn id="1" dur="indefinite" restart="never" nodeType="tmRoot"/>
+      </p:par>
+    </p:tnLst>
+  </p:timing>
 </p:sld>
 </file>
 
@@ -15645,7 +20220,7 @@
   <a:extraClrSchemeLst/>
   <a:extLst>
     <a:ext uri="{05A4C25C-085E-4340-85A3-A5531E510DB2}">
-      <thm15:themeFamily xmlns:thm15="http://schemas.microsoft.com/office/thememl/2012/main" xmlns="" name="Office Theme" id="{62F939B6-93AF-4DB8-9C6B-D6C7DFDC589F}" vid="{4A3C46E8-61CC-4603-A589-7422A47A8E4A}"/>
+      <thm15:themeFamily xmlns="" xmlns:thm15="http://schemas.microsoft.com/office/thememl/2012/main" name="Office Theme" id="{62F939B6-93AF-4DB8-9C6B-D6C7DFDC589F}" vid="{4A3C46E8-61CC-4603-A589-7422A47A8E4A}"/>
     </a:ext>
   </a:extLst>
 </a:theme>
